--- a/GanttChart_BSIT3A_AcerGroup_BucadCyrel.pptx
+++ b/GanttChart_BSIT3A_AcerGroup_BucadCyrel.pptx
@@ -6,18 +6,29 @@
   </p:sldMasterIdLst>
   <p:sldIdLst>
     <p:sldId id="257" r:id="rId2"/>
-    <p:sldId id="258" r:id="rId3"/>
+    <p:sldId id="259" r:id="rId3"/>
+    <p:sldId id="262" r:id="rId4"/>
   </p:sldIdLst>
   <p:sldSz cx="9753600" cy="7315200"/>
   <p:notesSz cx="9144000" cy="6858000"/>
   <p:embeddedFontLst>
     <p:embeddedFont>
+      <p:font typeface="Bell MT" panose="02020503060305020303" pitchFamily="18" charset="0"/>
+      <p:regular r:id="rId5"/>
+      <p:bold r:id="rId6"/>
+      <p:italic r:id="rId7"/>
+    </p:embeddedFont>
+    <p:embeddedFont>
+      <p:font typeface="Berlin Sans FB Demi" panose="020E0802020502020306" pitchFamily="34" charset="0"/>
+      <p:bold r:id="rId8"/>
+    </p:embeddedFont>
+    <p:embeddedFont>
       <p:font typeface="Bricolage Grotesque 18" panose="020B0604020202020204" charset="0"/>
-      <p:regular r:id="rId4"/>
+      <p:regular r:id="rId9"/>
     </p:embeddedFont>
     <p:embeddedFont>
       <p:font typeface="Bricolage Grotesque 18 Bold" panose="020B0604020202020204" charset="0"/>
-      <p:bold r:id="rId5"/>
+      <p:bold r:id="rId10"/>
     </p:embeddedFont>
   </p:embeddedFontLst>
   <p:defaultTextStyle>
@@ -313,7 +324,7 @@
           <a:p>
             <a:fld id="{1D8BD707-D9CF-40AE-B4C6-C98DA3205C09}" type="datetimeFigureOut">
               <a:rPr lang="en-US" smtClean="0"/>
-              <a:t>5/9/2025</a:t>
+              <a:t>5/22/2025</a:t>
             </a:fld>
             <a:endParaRPr lang="en-US"/>
           </a:p>
@@ -476,7 +487,7 @@
           <a:p>
             <a:fld id="{1D8BD707-D9CF-40AE-B4C6-C98DA3205C09}" type="datetimeFigureOut">
               <a:rPr lang="en-US" smtClean="0"/>
-              <a:t>5/9/2025</a:t>
+              <a:t>5/22/2025</a:t>
             </a:fld>
             <a:endParaRPr lang="en-US"/>
           </a:p>
@@ -649,7 +660,7 @@
           <a:p>
             <a:fld id="{1D8BD707-D9CF-40AE-B4C6-C98DA3205C09}" type="datetimeFigureOut">
               <a:rPr lang="en-US" smtClean="0"/>
-              <a:t>5/9/2025</a:t>
+              <a:t>5/22/2025</a:t>
             </a:fld>
             <a:endParaRPr lang="en-US"/>
           </a:p>
@@ -812,7 +823,7 @@
           <a:p>
             <a:fld id="{1D8BD707-D9CF-40AE-B4C6-C98DA3205C09}" type="datetimeFigureOut">
               <a:rPr lang="en-US" smtClean="0"/>
-              <a:t>5/9/2025</a:t>
+              <a:t>5/22/2025</a:t>
             </a:fld>
             <a:endParaRPr lang="en-US"/>
           </a:p>
@@ -1052,7 +1063,7 @@
           <a:p>
             <a:fld id="{1D8BD707-D9CF-40AE-B4C6-C98DA3205C09}" type="datetimeFigureOut">
               <a:rPr lang="en-US" smtClean="0"/>
-              <a:t>5/9/2025</a:t>
+              <a:t>5/22/2025</a:t>
             </a:fld>
             <a:endParaRPr lang="en-US"/>
           </a:p>
@@ -1332,7 +1343,7 @@
           <a:p>
             <a:fld id="{1D8BD707-D9CF-40AE-B4C6-C98DA3205C09}" type="datetimeFigureOut">
               <a:rPr lang="en-US" smtClean="0"/>
-              <a:t>5/9/2025</a:t>
+              <a:t>5/22/2025</a:t>
             </a:fld>
             <a:endParaRPr lang="en-US"/>
           </a:p>
@@ -1746,7 +1757,7 @@
           <a:p>
             <a:fld id="{1D8BD707-D9CF-40AE-B4C6-C98DA3205C09}" type="datetimeFigureOut">
               <a:rPr lang="en-US" smtClean="0"/>
-              <a:t>5/9/2025</a:t>
+              <a:t>5/22/2025</a:t>
             </a:fld>
             <a:endParaRPr lang="en-US"/>
           </a:p>
@@ -1858,7 +1869,7 @@
           <a:p>
             <a:fld id="{1D8BD707-D9CF-40AE-B4C6-C98DA3205C09}" type="datetimeFigureOut">
               <a:rPr lang="en-US" smtClean="0"/>
-              <a:t>5/9/2025</a:t>
+              <a:t>5/22/2025</a:t>
             </a:fld>
             <a:endParaRPr lang="en-US"/>
           </a:p>
@@ -1948,7 +1959,7 @@
           <a:p>
             <a:fld id="{1D8BD707-D9CF-40AE-B4C6-C98DA3205C09}" type="datetimeFigureOut">
               <a:rPr lang="en-US" smtClean="0"/>
-              <a:t>5/9/2025</a:t>
+              <a:t>5/22/2025</a:t>
             </a:fld>
             <a:endParaRPr lang="en-US"/>
           </a:p>
@@ -2218,7 +2229,7 @@
           <a:p>
             <a:fld id="{1D8BD707-D9CF-40AE-B4C6-C98DA3205C09}" type="datetimeFigureOut">
               <a:rPr lang="en-US" smtClean="0"/>
-              <a:t>5/9/2025</a:t>
+              <a:t>5/22/2025</a:t>
             </a:fld>
             <a:endParaRPr lang="en-US"/>
           </a:p>
@@ -2465,7 +2476,7 @@
           <a:p>
             <a:fld id="{1D8BD707-D9CF-40AE-B4C6-C98DA3205C09}" type="datetimeFigureOut">
               <a:rPr lang="en-US" smtClean="0"/>
-              <a:t>5/9/2025</a:t>
+              <a:t>5/22/2025</a:t>
             </a:fld>
             <a:endParaRPr lang="en-US"/>
           </a:p>
@@ -2671,7 +2682,7 @@
           <a:p>
             <a:fld id="{1D8BD707-D9CF-40AE-B4C6-C98DA3205C09}" type="datetimeFigureOut">
               <a:rPr lang="en-US" smtClean="0"/>
-              <a:t>5/9/2025</a:t>
+              <a:t>5/22/2025</a:t>
             </a:fld>
             <a:endParaRPr lang="en-US"/>
           </a:p>
@@ -4063,16 +4074,46 @@
               </a:lnSpc>
             </a:pPr>
             <a:r>
-              <a:rPr lang="en-US" sz="2100" b="1" spc="-41">
+              <a:rPr lang="en-US" sz="2100" b="1" spc="-41" dirty="0">
                 <a:solidFill>
-                  <a:schemeClr val="tx1"/>
+                  <a:schemeClr val="accent3">
+                    <a:lumMod val="50000"/>
+                  </a:schemeClr>
                 </a:solidFill>
-                <a:latin typeface="Bricolage Grotesque 18 Bold" panose="020B0605040402000204"/>
+                <a:latin typeface="Berlin Sans FB Demi" panose="020E0802020502020306" pitchFamily="34" charset="0"/>
                 <a:ea typeface="Bricolage Grotesque 18 Bold" panose="020B0605040402000204"/>
                 <a:cs typeface="Bricolage Grotesque 18 Bold" panose="020B0605040402000204"/>
                 <a:sym typeface="Bricolage Grotesque 18 Bold" panose="020B0605040402000204"/>
               </a:rPr>
-              <a:t>C2B iPawnshop System DevelopmentGantt Chart</a:t>
+              <a:t>C2B </a:t>
+            </a:r>
+            <a:r>
+              <a:rPr lang="en-US" sz="2100" b="1" spc="-41" dirty="0" err="1">
+                <a:solidFill>
+                  <a:schemeClr val="accent3">
+                    <a:lumMod val="50000"/>
+                  </a:schemeClr>
+                </a:solidFill>
+                <a:latin typeface="Berlin Sans FB Demi" panose="020E0802020502020306" pitchFamily="34" charset="0"/>
+                <a:ea typeface="Bricolage Grotesque 18 Bold" panose="020B0605040402000204"/>
+                <a:cs typeface="Bricolage Grotesque 18 Bold" panose="020B0605040402000204"/>
+                <a:sym typeface="Bricolage Grotesque 18 Bold" panose="020B0605040402000204"/>
+              </a:rPr>
+              <a:t>iPawnshop</a:t>
+            </a:r>
+            <a:r>
+              <a:rPr lang="en-US" sz="2100" b="1" spc="-41" dirty="0">
+                <a:solidFill>
+                  <a:schemeClr val="accent3">
+                    <a:lumMod val="50000"/>
+                  </a:schemeClr>
+                </a:solidFill>
+                <a:latin typeface="Berlin Sans FB Demi" panose="020E0802020502020306" pitchFamily="34" charset="0"/>
+                <a:ea typeface="Bricolage Grotesque 18 Bold" panose="020B0605040402000204"/>
+                <a:cs typeface="Bricolage Grotesque 18 Bold" panose="020B0605040402000204"/>
+                <a:sym typeface="Bricolage Grotesque 18 Bold" panose="020B0605040402000204"/>
+              </a:rPr>
+              <a:t> System Development Gantt Chart</a:t>
             </a:r>
           </a:p>
           <a:p>
@@ -4082,11 +4123,13 @@
               </a:lnSpc>
             </a:pPr>
             <a:r>
-              <a:rPr lang="en-US" sz="2100" b="1" spc="-41">
+              <a:rPr lang="en-US" sz="2100" b="1" spc="-41" dirty="0">
                 <a:solidFill>
-                  <a:schemeClr val="tx1"/>
+                  <a:schemeClr val="accent3">
+                    <a:lumMod val="50000"/>
+                  </a:schemeClr>
                 </a:solidFill>
-                <a:latin typeface="Bricolage Grotesque 18 Bold" panose="020B0605040402000204"/>
+                <a:latin typeface="Berlin Sans FB Demi" panose="020E0802020502020306" pitchFamily="34" charset="0"/>
                 <a:ea typeface="Bricolage Grotesque 18 Bold" panose="020B0605040402000204"/>
                 <a:cs typeface="Bricolage Grotesque 18 Bold" panose="020B0605040402000204"/>
                 <a:sym typeface="Bricolage Grotesque 18 Bold" panose="020B0605040402000204"/>
@@ -4533,7 +4576,7 @@
               </a:lnSpc>
             </a:pPr>
             <a:r>
-              <a:rPr lang="en-US" sz="1000" spc="-20">
+              <a:rPr lang="en-US" sz="1000" spc="-20" dirty="0">
                 <a:solidFill>
                   <a:srgbClr val="231F20"/>
                 </a:solidFill>
@@ -5507,7 +5550,7 @@
                       <a:pPr>
                         <a:buNone/>
                       </a:pPr>
-                      <a:endParaRPr lang="en-US"/>
+                      <a:endParaRPr lang="en-US" dirty="0"/>
                     </a:p>
                   </a:txBody>
                   <a:tcPr/>
@@ -5590,7 +5633,7 @@
               </a:lnSpc>
             </a:pPr>
             <a:r>
-              <a:rPr lang="en-US" sz="1000" spc="-20">
+              <a:rPr lang="en-US" sz="1000" spc="-20" dirty="0">
                 <a:solidFill>
                   <a:srgbClr val="231F20"/>
                 </a:solidFill>
@@ -7036,7 +7079,13 @@
   <p:cSld>
     <p:spTree>
       <p:nvGrpSpPr>
-        <p:cNvPr id="1" name=""/>
+        <p:cNvPr id="1" name="">
+          <a:extLst>
+            <a:ext uri="{FF2B5EF4-FFF2-40B4-BE49-F238E27FC236}">
+              <a16:creationId xmlns:a16="http://schemas.microsoft.com/office/drawing/2014/main" id="{31C9A316-9C7E-DFA9-BAE2-25347D4642A9}"/>
+            </a:ext>
+          </a:extLst>
+        </p:cNvPr>
         <p:cNvGrpSpPr/>
         <p:nvPr/>
       </p:nvGrpSpPr>
@@ -7050,7 +7099,13 @@
       </p:grpSpPr>
       <p:grpSp>
         <p:nvGrpSpPr>
-          <p:cNvPr id="2" name="Group 2"/>
+          <p:cNvPr id="2" name="Group 2">
+            <a:extLst>
+              <a:ext uri="{FF2B5EF4-FFF2-40B4-BE49-F238E27FC236}">
+                <a16:creationId xmlns:a16="http://schemas.microsoft.com/office/drawing/2014/main" id="{98FD2B51-1DCC-DC0A-5189-F503F36E8FAB}"/>
+              </a:ext>
+            </a:extLst>
+          </p:cNvPr>
           <p:cNvGrpSpPr/>
           <p:nvPr/>
         </p:nvGrpSpPr>
@@ -7064,7 +7119,13 @@
         </p:grpSpPr>
         <p:sp>
           <p:nvSpPr>
-            <p:cNvPr id="3" name="Freeform 3"/>
+            <p:cNvPr id="3" name="Freeform 3">
+              <a:extLst>
+                <a:ext uri="{FF2B5EF4-FFF2-40B4-BE49-F238E27FC236}">
+                  <a16:creationId xmlns:a16="http://schemas.microsoft.com/office/drawing/2014/main" id="{20A8736D-721B-AF38-D292-A20793138B6F}"/>
+                </a:ext>
+              </a:extLst>
+            </p:cNvPr>
             <p:cNvSpPr/>
             <p:nvPr/>
           </p:nvSpPr>
@@ -7137,7 +7198,13 @@
         </p:sp>
         <p:sp>
           <p:nvSpPr>
-            <p:cNvPr id="4" name="TextBox 4"/>
+            <p:cNvPr id="4" name="TextBox 4">
+              <a:extLst>
+                <a:ext uri="{FF2B5EF4-FFF2-40B4-BE49-F238E27FC236}">
+                  <a16:creationId xmlns:a16="http://schemas.microsoft.com/office/drawing/2014/main" id="{50C01BE4-2E9E-208A-9666-8EA51288E3FE}"/>
+                </a:ext>
+              </a:extLst>
+            </p:cNvPr>
             <p:cNvSpPr txBox="1"/>
             <p:nvPr/>
           </p:nvSpPr>
@@ -7166,7 +7233,13 @@
       </p:grpSp>
       <p:grpSp>
         <p:nvGrpSpPr>
-          <p:cNvPr id="5" name="Group 5"/>
+          <p:cNvPr id="5" name="Group 5">
+            <a:extLst>
+              <a:ext uri="{FF2B5EF4-FFF2-40B4-BE49-F238E27FC236}">
+                <a16:creationId xmlns:a16="http://schemas.microsoft.com/office/drawing/2014/main" id="{AB70F379-4018-96C1-567C-AABBAC411C57}"/>
+              </a:ext>
+            </a:extLst>
+          </p:cNvPr>
           <p:cNvGrpSpPr/>
           <p:nvPr/>
         </p:nvGrpSpPr>
@@ -7180,7 +7253,13 @@
         </p:grpSpPr>
         <p:sp>
           <p:nvSpPr>
-            <p:cNvPr id="6" name="Freeform 6"/>
+            <p:cNvPr id="6" name="Freeform 6">
+              <a:extLst>
+                <a:ext uri="{FF2B5EF4-FFF2-40B4-BE49-F238E27FC236}">
+                  <a16:creationId xmlns:a16="http://schemas.microsoft.com/office/drawing/2014/main" id="{432F1D07-5A84-E352-31DF-93B8AC69652C}"/>
+                </a:ext>
+              </a:extLst>
+            </p:cNvPr>
             <p:cNvSpPr/>
             <p:nvPr/>
           </p:nvSpPr>
@@ -7248,7 +7327,13 @@
         </p:sp>
         <p:sp>
           <p:nvSpPr>
-            <p:cNvPr id="7" name="TextBox 7"/>
+            <p:cNvPr id="7" name="TextBox 7">
+              <a:extLst>
+                <a:ext uri="{FF2B5EF4-FFF2-40B4-BE49-F238E27FC236}">
+                  <a16:creationId xmlns:a16="http://schemas.microsoft.com/office/drawing/2014/main" id="{6407F815-EB17-3A46-990C-51622E8FA4DC}"/>
+                </a:ext>
+              </a:extLst>
+            </p:cNvPr>
             <p:cNvSpPr txBox="1"/>
             <p:nvPr/>
           </p:nvSpPr>
@@ -7277,7 +7362,13 @@
       </p:grpSp>
       <p:grpSp>
         <p:nvGrpSpPr>
-          <p:cNvPr id="11" name="Group 11"/>
+          <p:cNvPr id="11" name="Group 11">
+            <a:extLst>
+              <a:ext uri="{FF2B5EF4-FFF2-40B4-BE49-F238E27FC236}">
+                <a16:creationId xmlns:a16="http://schemas.microsoft.com/office/drawing/2014/main" id="{A6B0AD4C-A4AA-2957-8AC4-60A68E073B73}"/>
+              </a:ext>
+            </a:extLst>
+          </p:cNvPr>
           <p:cNvGrpSpPr/>
           <p:nvPr/>
         </p:nvGrpSpPr>
@@ -7294,7 +7385,13 @@
         </p:grpSpPr>
         <p:sp>
           <p:nvSpPr>
-            <p:cNvPr id="12" name="Freeform 12"/>
+            <p:cNvPr id="12" name="Freeform 12">
+              <a:extLst>
+                <a:ext uri="{FF2B5EF4-FFF2-40B4-BE49-F238E27FC236}">
+                  <a16:creationId xmlns:a16="http://schemas.microsoft.com/office/drawing/2014/main" id="{211EEB34-9EA0-3A5A-2091-DD24027173CF}"/>
+                </a:ext>
+              </a:extLst>
+            </p:cNvPr>
             <p:cNvSpPr/>
             <p:nvPr/>
           </p:nvSpPr>
@@ -7360,7 +7457,13 @@
         </p:sp>
         <p:sp>
           <p:nvSpPr>
-            <p:cNvPr id="13" name="TextBox 13"/>
+            <p:cNvPr id="13" name="TextBox 13">
+              <a:extLst>
+                <a:ext uri="{FF2B5EF4-FFF2-40B4-BE49-F238E27FC236}">
+                  <a16:creationId xmlns:a16="http://schemas.microsoft.com/office/drawing/2014/main" id="{FAD980EA-6CF9-81C5-2818-564571764DA7}"/>
+                </a:ext>
+              </a:extLst>
+            </p:cNvPr>
             <p:cNvSpPr txBox="1"/>
             <p:nvPr/>
           </p:nvSpPr>
@@ -7390,7 +7493,13 @@
       </p:grpSp>
       <p:grpSp>
         <p:nvGrpSpPr>
-          <p:cNvPr id="14" name="Group 14"/>
+          <p:cNvPr id="14" name="Group 14">
+            <a:extLst>
+              <a:ext uri="{FF2B5EF4-FFF2-40B4-BE49-F238E27FC236}">
+                <a16:creationId xmlns:a16="http://schemas.microsoft.com/office/drawing/2014/main" id="{153569FF-CE92-8205-A9DA-9D644FB3CB34}"/>
+              </a:ext>
+            </a:extLst>
+          </p:cNvPr>
           <p:cNvGrpSpPr/>
           <p:nvPr/>
         </p:nvGrpSpPr>
@@ -7407,7 +7516,13 @@
         </p:grpSpPr>
         <p:sp>
           <p:nvSpPr>
-            <p:cNvPr id="15" name="Freeform 15"/>
+            <p:cNvPr id="15" name="Freeform 15">
+              <a:extLst>
+                <a:ext uri="{FF2B5EF4-FFF2-40B4-BE49-F238E27FC236}">
+                  <a16:creationId xmlns:a16="http://schemas.microsoft.com/office/drawing/2014/main" id="{2E4A2914-0B18-0445-F184-1935E528B65B}"/>
+                </a:ext>
+              </a:extLst>
+            </p:cNvPr>
             <p:cNvSpPr/>
             <p:nvPr/>
           </p:nvSpPr>
@@ -7473,7 +7588,13 @@
         </p:sp>
         <p:sp>
           <p:nvSpPr>
-            <p:cNvPr id="16" name="TextBox 16"/>
+            <p:cNvPr id="16" name="TextBox 16">
+              <a:extLst>
+                <a:ext uri="{FF2B5EF4-FFF2-40B4-BE49-F238E27FC236}">
+                  <a16:creationId xmlns:a16="http://schemas.microsoft.com/office/drawing/2014/main" id="{F428E4B9-A16E-0E5B-4ECF-19948FF4C623}"/>
+                </a:ext>
+              </a:extLst>
+            </p:cNvPr>
             <p:cNvSpPr txBox="1"/>
             <p:nvPr/>
           </p:nvSpPr>
@@ -7503,13 +7624,19 @@
       </p:grpSp>
       <p:grpSp>
         <p:nvGrpSpPr>
-          <p:cNvPr id="17" name="Group 17"/>
+          <p:cNvPr id="17" name="Group 17">
+            <a:extLst>
+              <a:ext uri="{FF2B5EF4-FFF2-40B4-BE49-F238E27FC236}">
+                <a16:creationId xmlns:a16="http://schemas.microsoft.com/office/drawing/2014/main" id="{8B4C7F5C-0793-DF3B-26AA-883D485BDF86}"/>
+              </a:ext>
+            </a:extLst>
+          </p:cNvPr>
           <p:cNvGrpSpPr/>
           <p:nvPr/>
         </p:nvGrpSpPr>
         <p:grpSpPr>
           <a:xfrm>
-            <a:off x="264098" y="4250417"/>
+            <a:off x="264098" y="4444151"/>
             <a:ext cx="1714670" cy="280249"/>
             <a:chOff x="0" y="0"/>
             <a:chExt cx="635063" cy="103796"/>
@@ -7520,7 +7647,13 @@
         </p:grpSpPr>
         <p:sp>
           <p:nvSpPr>
-            <p:cNvPr id="18" name="Freeform 18"/>
+            <p:cNvPr id="18" name="Freeform 18">
+              <a:extLst>
+                <a:ext uri="{FF2B5EF4-FFF2-40B4-BE49-F238E27FC236}">
+                  <a16:creationId xmlns:a16="http://schemas.microsoft.com/office/drawing/2014/main" id="{645C667E-6A2F-C1C0-41F0-0C48C878E874}"/>
+                </a:ext>
+              </a:extLst>
+            </p:cNvPr>
             <p:cNvSpPr/>
             <p:nvPr/>
           </p:nvSpPr>
@@ -7586,7 +7719,13 @@
         </p:sp>
         <p:sp>
           <p:nvSpPr>
-            <p:cNvPr id="19" name="TextBox 19"/>
+            <p:cNvPr id="19" name="TextBox 19">
+              <a:extLst>
+                <a:ext uri="{FF2B5EF4-FFF2-40B4-BE49-F238E27FC236}">
+                  <a16:creationId xmlns:a16="http://schemas.microsoft.com/office/drawing/2014/main" id="{E0A93C5F-9FF0-B553-FED2-66EEF2673A72}"/>
+                </a:ext>
+              </a:extLst>
+            </p:cNvPr>
             <p:cNvSpPr txBox="1"/>
             <p:nvPr/>
           </p:nvSpPr>
@@ -7616,7 +7755,13 @@
       </p:grpSp>
       <p:grpSp>
         <p:nvGrpSpPr>
-          <p:cNvPr id="20" name="Group 20"/>
+          <p:cNvPr id="20" name="Group 20">
+            <a:extLst>
+              <a:ext uri="{FF2B5EF4-FFF2-40B4-BE49-F238E27FC236}">
+                <a16:creationId xmlns:a16="http://schemas.microsoft.com/office/drawing/2014/main" id="{9B9DA3D4-8FEA-66FE-C892-A8F252B2E4EA}"/>
+              </a:ext>
+            </a:extLst>
+          </p:cNvPr>
           <p:cNvGrpSpPr/>
           <p:nvPr/>
         </p:nvGrpSpPr>
@@ -7633,7 +7778,13 @@
         </p:grpSpPr>
         <p:sp>
           <p:nvSpPr>
-            <p:cNvPr id="21" name="Freeform 21"/>
+            <p:cNvPr id="21" name="Freeform 21">
+              <a:extLst>
+                <a:ext uri="{FF2B5EF4-FFF2-40B4-BE49-F238E27FC236}">
+                  <a16:creationId xmlns:a16="http://schemas.microsoft.com/office/drawing/2014/main" id="{56AE9922-5EBA-C8CD-3E4A-B876DB344311}"/>
+                </a:ext>
+              </a:extLst>
+            </p:cNvPr>
             <p:cNvSpPr/>
             <p:nvPr/>
           </p:nvSpPr>
@@ -7699,7 +7850,13 @@
         </p:sp>
         <p:sp>
           <p:nvSpPr>
-            <p:cNvPr id="22" name="TextBox 22"/>
+            <p:cNvPr id="22" name="TextBox 22">
+              <a:extLst>
+                <a:ext uri="{FF2B5EF4-FFF2-40B4-BE49-F238E27FC236}">
+                  <a16:creationId xmlns:a16="http://schemas.microsoft.com/office/drawing/2014/main" id="{66EAE33E-7294-A334-C761-0075C15D5A3D}"/>
+                </a:ext>
+              </a:extLst>
+            </p:cNvPr>
             <p:cNvSpPr txBox="1"/>
             <p:nvPr/>
           </p:nvSpPr>
@@ -7729,7 +7886,13 @@
       </p:grpSp>
       <p:sp>
         <p:nvSpPr>
-          <p:cNvPr id="32" name="AutoShape 32"/>
+          <p:cNvPr id="32" name="AutoShape 32">
+            <a:extLst>
+              <a:ext uri="{FF2B5EF4-FFF2-40B4-BE49-F238E27FC236}">
+                <a16:creationId xmlns:a16="http://schemas.microsoft.com/office/drawing/2014/main" id="{F5A4DEE0-558F-7E1D-66A4-B0680EF865B8}"/>
+              </a:ext>
+            </a:extLst>
+          </p:cNvPr>
           <p:cNvSpPr/>
           <p:nvPr/>
         </p:nvSpPr>
@@ -7753,7 +7916,13 @@
       </p:sp>
       <p:sp>
         <p:nvSpPr>
-          <p:cNvPr id="34" name="AutoShape 34"/>
+          <p:cNvPr id="34" name="AutoShape 34">
+            <a:extLst>
+              <a:ext uri="{FF2B5EF4-FFF2-40B4-BE49-F238E27FC236}">
+                <a16:creationId xmlns:a16="http://schemas.microsoft.com/office/drawing/2014/main" id="{2D8F1061-BC05-9C7F-92EC-F195AFB64538}"/>
+              </a:ext>
+            </a:extLst>
+          </p:cNvPr>
           <p:cNvSpPr/>
           <p:nvPr/>
         </p:nvSpPr>
@@ -7777,7 +7946,13 @@
       </p:sp>
       <p:sp>
         <p:nvSpPr>
-          <p:cNvPr id="41" name="AutoShape 41"/>
+          <p:cNvPr id="41" name="AutoShape 41">
+            <a:extLst>
+              <a:ext uri="{FF2B5EF4-FFF2-40B4-BE49-F238E27FC236}">
+                <a16:creationId xmlns:a16="http://schemas.microsoft.com/office/drawing/2014/main" id="{15895C66-43B2-4858-5FA9-95BE9062508F}"/>
+              </a:ext>
+            </a:extLst>
+          </p:cNvPr>
           <p:cNvSpPr/>
           <p:nvPr/>
         </p:nvSpPr>
@@ -7801,7 +7976,13 @@
       </p:sp>
       <p:sp>
         <p:nvSpPr>
-          <p:cNvPr id="42" name="AutoShape 42"/>
+          <p:cNvPr id="42" name="AutoShape 42">
+            <a:extLst>
+              <a:ext uri="{FF2B5EF4-FFF2-40B4-BE49-F238E27FC236}">
+                <a16:creationId xmlns:a16="http://schemas.microsoft.com/office/drawing/2014/main" id="{7D770EA6-FF77-7517-72DA-9284CBA1750B}"/>
+              </a:ext>
+            </a:extLst>
+          </p:cNvPr>
           <p:cNvSpPr/>
           <p:nvPr/>
         </p:nvSpPr>
@@ -7825,7 +8006,13 @@
       </p:sp>
       <p:sp>
         <p:nvSpPr>
-          <p:cNvPr id="43" name="AutoShape 43"/>
+          <p:cNvPr id="43" name="AutoShape 43">
+            <a:extLst>
+              <a:ext uri="{FF2B5EF4-FFF2-40B4-BE49-F238E27FC236}">
+                <a16:creationId xmlns:a16="http://schemas.microsoft.com/office/drawing/2014/main" id="{3F38AB28-73A1-9629-5C81-4F09BCBB5DB2}"/>
+              </a:ext>
+            </a:extLst>
+          </p:cNvPr>
           <p:cNvSpPr/>
           <p:nvPr/>
         </p:nvSpPr>
@@ -7849,7 +8036,13 @@
       </p:sp>
       <p:grpSp>
         <p:nvGrpSpPr>
-          <p:cNvPr id="148" name="Group 148"/>
+          <p:cNvPr id="148" name="Group 148">
+            <a:extLst>
+              <a:ext uri="{FF2B5EF4-FFF2-40B4-BE49-F238E27FC236}">
+                <a16:creationId xmlns:a16="http://schemas.microsoft.com/office/drawing/2014/main" id="{EE42DF39-D177-14F9-B76E-D2CE6D48B14D}"/>
+              </a:ext>
+            </a:extLst>
+          </p:cNvPr>
           <p:cNvGrpSpPr/>
           <p:nvPr/>
         </p:nvGrpSpPr>
@@ -7868,7 +8061,13 @@
         </p:grpSpPr>
         <p:sp>
           <p:nvSpPr>
-            <p:cNvPr id="149" name="Freeform 149"/>
+            <p:cNvPr id="149" name="Freeform 149">
+              <a:extLst>
+                <a:ext uri="{FF2B5EF4-FFF2-40B4-BE49-F238E27FC236}">
+                  <a16:creationId xmlns:a16="http://schemas.microsoft.com/office/drawing/2014/main" id="{FA0FA087-D5F7-0A71-E620-53ABFD888140}"/>
+                </a:ext>
+              </a:extLst>
+            </p:cNvPr>
             <p:cNvSpPr/>
             <p:nvPr/>
           </p:nvSpPr>
@@ -7917,7 +8116,13 @@
         </p:sp>
         <p:sp>
           <p:nvSpPr>
-            <p:cNvPr id="150" name="TextBox 150"/>
+            <p:cNvPr id="150" name="TextBox 150">
+              <a:extLst>
+                <a:ext uri="{FF2B5EF4-FFF2-40B4-BE49-F238E27FC236}">
+                  <a16:creationId xmlns:a16="http://schemas.microsoft.com/office/drawing/2014/main" id="{AEA85BB5-A925-3E65-2B90-2D5915030E87}"/>
+                </a:ext>
+              </a:extLst>
+            </p:cNvPr>
             <p:cNvSpPr txBox="1"/>
             <p:nvPr/>
           </p:nvSpPr>
@@ -7947,7 +8152,13 @@
       </p:grpSp>
       <p:grpSp>
         <p:nvGrpSpPr>
-          <p:cNvPr id="151" name="Group 151"/>
+          <p:cNvPr id="151" name="Group 151">
+            <a:extLst>
+              <a:ext uri="{FF2B5EF4-FFF2-40B4-BE49-F238E27FC236}">
+                <a16:creationId xmlns:a16="http://schemas.microsoft.com/office/drawing/2014/main" id="{CF40D192-8486-258A-8E99-2E30B8C62707}"/>
+              </a:ext>
+            </a:extLst>
+          </p:cNvPr>
           <p:cNvGrpSpPr/>
           <p:nvPr/>
         </p:nvGrpSpPr>
@@ -7966,7 +8177,13 @@
         </p:grpSpPr>
         <p:sp>
           <p:nvSpPr>
-            <p:cNvPr id="152" name="Freeform 152"/>
+            <p:cNvPr id="152" name="Freeform 152">
+              <a:extLst>
+                <a:ext uri="{FF2B5EF4-FFF2-40B4-BE49-F238E27FC236}">
+                  <a16:creationId xmlns:a16="http://schemas.microsoft.com/office/drawing/2014/main" id="{36795718-E097-6E99-D0F4-2F299DF7B045}"/>
+                </a:ext>
+              </a:extLst>
+            </p:cNvPr>
             <p:cNvSpPr/>
             <p:nvPr/>
           </p:nvSpPr>
@@ -8015,7 +8232,13 @@
         </p:sp>
         <p:sp>
           <p:nvSpPr>
-            <p:cNvPr id="153" name="TextBox 153"/>
+            <p:cNvPr id="153" name="TextBox 153">
+              <a:extLst>
+                <a:ext uri="{FF2B5EF4-FFF2-40B4-BE49-F238E27FC236}">
+                  <a16:creationId xmlns:a16="http://schemas.microsoft.com/office/drawing/2014/main" id="{FB89077D-A701-77E1-F4B4-63EF5B4211B0}"/>
+                </a:ext>
+              </a:extLst>
+            </p:cNvPr>
             <p:cNvSpPr txBox="1"/>
             <p:nvPr/>
           </p:nvSpPr>
@@ -8045,7 +8268,13 @@
       </p:grpSp>
       <p:sp>
         <p:nvSpPr>
-          <p:cNvPr id="155" name="TextBox 155"/>
+          <p:cNvPr id="155" name="TextBox 155">
+            <a:extLst>
+              <a:ext uri="{FF2B5EF4-FFF2-40B4-BE49-F238E27FC236}">
+                <a16:creationId xmlns:a16="http://schemas.microsoft.com/office/drawing/2014/main" id="{64414766-0514-9B6F-C1F6-DDC0E9F56662}"/>
+              </a:ext>
+            </a:extLst>
+          </p:cNvPr>
           <p:cNvSpPr txBox="1"/>
           <p:nvPr/>
         </p:nvSpPr>
@@ -8070,16 +8299,46 @@
               </a:lnSpc>
             </a:pPr>
             <a:r>
-              <a:rPr lang="en-US" sz="2100" b="1" spc="-41">
+              <a:rPr lang="en-US" sz="2100" b="1" spc="-41" dirty="0">
                 <a:solidFill>
-                  <a:schemeClr val="tx1"/>
+                  <a:schemeClr val="accent3">
+                    <a:lumMod val="50000"/>
+                  </a:schemeClr>
                 </a:solidFill>
-                <a:latin typeface="Bricolage Grotesque 18 Bold" panose="020B0605040402000204"/>
+                <a:latin typeface="Berlin Sans FB Demi" panose="020E0802020502020306" pitchFamily="34" charset="0"/>
                 <a:ea typeface="Bricolage Grotesque 18 Bold" panose="020B0605040402000204"/>
-                <a:cs typeface="Bricolage Grotesque 18 Bold" panose="020B0605040402000204"/>
+                <a:cs typeface="Arial" panose="020B0604020202020204" pitchFamily="34" charset="0"/>
                 <a:sym typeface="Bricolage Grotesque 18 Bold" panose="020B0605040402000204"/>
               </a:rPr>
-              <a:t>C2B iPawnshop System DevelopmentGantt Chart</a:t>
+              <a:t>C2B </a:t>
+            </a:r>
+            <a:r>
+              <a:rPr lang="en-US" sz="2100" b="1" spc="-41" dirty="0" err="1">
+                <a:solidFill>
+                  <a:schemeClr val="accent3">
+                    <a:lumMod val="50000"/>
+                  </a:schemeClr>
+                </a:solidFill>
+                <a:latin typeface="Berlin Sans FB Demi" panose="020E0802020502020306" pitchFamily="34" charset="0"/>
+                <a:ea typeface="Bricolage Grotesque 18 Bold" panose="020B0605040402000204"/>
+                <a:cs typeface="Arial" panose="020B0604020202020204" pitchFamily="34" charset="0"/>
+                <a:sym typeface="Bricolage Grotesque 18 Bold" panose="020B0605040402000204"/>
+              </a:rPr>
+              <a:t>iPawnshop</a:t>
+            </a:r>
+            <a:r>
+              <a:rPr lang="en-US" sz="2100" b="1" spc="-41" dirty="0">
+                <a:solidFill>
+                  <a:schemeClr val="accent3">
+                    <a:lumMod val="50000"/>
+                  </a:schemeClr>
+                </a:solidFill>
+                <a:latin typeface="Berlin Sans FB Demi" panose="020E0802020502020306" pitchFamily="34" charset="0"/>
+                <a:ea typeface="Bricolage Grotesque 18 Bold" panose="020B0605040402000204"/>
+                <a:cs typeface="Arial" panose="020B0604020202020204" pitchFamily="34" charset="0"/>
+                <a:sym typeface="Bricolage Grotesque 18 Bold" panose="020B0605040402000204"/>
+              </a:rPr>
+              <a:t> System Development Gantt Chart</a:t>
             </a:r>
           </a:p>
           <a:p>
@@ -8089,23 +8348,59 @@
               </a:lnSpc>
             </a:pPr>
             <a:r>
-              <a:rPr lang="en-US" sz="2100" b="1" spc="-41">
+              <a:rPr lang="en-US" sz="2100" b="1" spc="-41" dirty="0">
                 <a:solidFill>
-                  <a:schemeClr val="tx1"/>
+                  <a:schemeClr val="accent3">
+                    <a:lumMod val="50000"/>
+                  </a:schemeClr>
                 </a:solidFill>
-                <a:latin typeface="Bricolage Grotesque 18 Bold" panose="020B0605040402000204"/>
+                <a:latin typeface="Berlin Sans FB Demi" panose="020E0802020502020306" pitchFamily="34" charset="0"/>
                 <a:ea typeface="Bricolage Grotesque 18 Bold" panose="020B0605040402000204"/>
-                <a:cs typeface="Bricolage Grotesque 18 Bold" panose="020B0605040402000204"/>
+                <a:cs typeface="Arial" panose="020B0604020202020204" pitchFamily="34" charset="0"/>
                 <a:sym typeface="Bricolage Grotesque 18 Bold" panose="020B0605040402000204"/>
               </a:rPr>
-              <a:t>Actualization</a:t>
+              <a:t>Actualization Group Work (</a:t>
+            </a:r>
+            <a:r>
+              <a:rPr lang="en-US" sz="2100" b="1" spc="-41" dirty="0" err="1">
+                <a:solidFill>
+                  <a:schemeClr val="accent3">
+                    <a:lumMod val="50000"/>
+                  </a:schemeClr>
+                </a:solidFill>
+                <a:latin typeface="Berlin Sans FB Demi" panose="020E0802020502020306" pitchFamily="34" charset="0"/>
+                <a:ea typeface="Bricolage Grotesque 18 Bold" panose="020B0605040402000204"/>
+                <a:cs typeface="Arial" panose="020B0604020202020204" pitchFamily="34" charset="0"/>
+                <a:sym typeface="Bricolage Grotesque 18 Bold" panose="020B0605040402000204"/>
+              </a:rPr>
+              <a:t>ABCDJhaJed</a:t>
+            </a:r>
+            <a:r>
+              <a:rPr lang="en-US" sz="2100" b="1" spc="-41" dirty="0">
+                <a:solidFill>
+                  <a:schemeClr val="accent3">
+                    <a:lumMod val="50000"/>
+                  </a:schemeClr>
+                </a:solidFill>
+                <a:latin typeface="Berlin Sans FB Demi" panose="020E0802020502020306" pitchFamily="34" charset="0"/>
+                <a:ea typeface="Bricolage Grotesque 18 Bold" panose="020B0605040402000204"/>
+                <a:cs typeface="Arial" panose="020B0604020202020204" pitchFamily="34" charset="0"/>
+                <a:sym typeface="Bricolage Grotesque 18 Bold" panose="020B0605040402000204"/>
+              </a:rPr>
+              <a:t>)</a:t>
             </a:r>
           </a:p>
         </p:txBody>
       </p:sp>
       <p:sp>
         <p:nvSpPr>
-          <p:cNvPr id="156" name="TextBox 156"/>
+          <p:cNvPr id="156" name="TextBox 156">
+            <a:extLst>
+              <a:ext uri="{FF2B5EF4-FFF2-40B4-BE49-F238E27FC236}">
+                <a16:creationId xmlns:a16="http://schemas.microsoft.com/office/drawing/2014/main" id="{C373655C-9CFC-AA9C-C261-491F3C17A278}"/>
+              </a:ext>
+            </a:extLst>
+          </p:cNvPr>
           <p:cNvSpPr txBox="1"/>
           <p:nvPr/>
         </p:nvSpPr>
@@ -8146,7 +8441,13 @@
       </p:sp>
       <p:sp>
         <p:nvSpPr>
-          <p:cNvPr id="157" name="TextBox 157"/>
+          <p:cNvPr id="157" name="TextBox 157">
+            <a:extLst>
+              <a:ext uri="{FF2B5EF4-FFF2-40B4-BE49-F238E27FC236}">
+                <a16:creationId xmlns:a16="http://schemas.microsoft.com/office/drawing/2014/main" id="{51F797F6-C995-151F-4429-7EB0641F71B0}"/>
+              </a:ext>
+            </a:extLst>
+          </p:cNvPr>
           <p:cNvSpPr txBox="1"/>
           <p:nvPr/>
         </p:nvSpPr>
@@ -8187,7 +8488,13 @@
       </p:sp>
       <p:sp>
         <p:nvSpPr>
-          <p:cNvPr id="158" name="TextBox 158"/>
+          <p:cNvPr id="158" name="TextBox 158">
+            <a:extLst>
+              <a:ext uri="{FF2B5EF4-FFF2-40B4-BE49-F238E27FC236}">
+                <a16:creationId xmlns:a16="http://schemas.microsoft.com/office/drawing/2014/main" id="{C6FCF3B9-C98F-C101-3A1F-643C1127F8CD}"/>
+              </a:ext>
+            </a:extLst>
+          </p:cNvPr>
           <p:cNvSpPr txBox="1"/>
           <p:nvPr/>
         </p:nvSpPr>
@@ -8228,13 +8535,19 @@
       </p:sp>
       <p:sp>
         <p:nvSpPr>
-          <p:cNvPr id="159" name="TextBox 159"/>
+          <p:cNvPr id="159" name="TextBox 159">
+            <a:extLst>
+              <a:ext uri="{FF2B5EF4-FFF2-40B4-BE49-F238E27FC236}">
+                <a16:creationId xmlns:a16="http://schemas.microsoft.com/office/drawing/2014/main" id="{6ED929D0-50F9-CB67-E633-6BF1A488730D}"/>
+              </a:ext>
+            </a:extLst>
+          </p:cNvPr>
           <p:cNvSpPr txBox="1"/>
           <p:nvPr/>
         </p:nvSpPr>
         <p:spPr>
           <a:xfrm>
-            <a:off x="328973" y="4320056"/>
+            <a:off x="328973" y="4505960"/>
             <a:ext cx="1604710" cy="142240"/>
           </a:xfrm>
           <a:prstGeom prst="rect">
@@ -8253,7 +8566,7 @@
               </a:lnSpc>
             </a:pPr>
             <a:r>
-              <a:rPr lang="en-US" sz="1000" b="1" spc="-45">
+              <a:rPr lang="en-US" sz="1000" b="1" spc="-45" dirty="0">
                 <a:solidFill>
                   <a:srgbClr val="231F20"/>
                 </a:solidFill>
@@ -8269,7 +8582,13 @@
       </p:sp>
       <p:sp>
         <p:nvSpPr>
-          <p:cNvPr id="160" name="TextBox 160"/>
+          <p:cNvPr id="160" name="TextBox 160">
+            <a:extLst>
+              <a:ext uri="{FF2B5EF4-FFF2-40B4-BE49-F238E27FC236}">
+                <a16:creationId xmlns:a16="http://schemas.microsoft.com/office/drawing/2014/main" id="{806C79B2-0FFC-8E1C-D65F-690BA6F9747C}"/>
+              </a:ext>
+            </a:extLst>
+          </p:cNvPr>
           <p:cNvSpPr txBox="1"/>
           <p:nvPr/>
         </p:nvSpPr>
@@ -8310,7 +8629,13 @@
       </p:sp>
       <p:sp>
         <p:nvSpPr>
-          <p:cNvPr id="161" name="TextBox 161"/>
+          <p:cNvPr id="161" name="TextBox 161">
+            <a:extLst>
+              <a:ext uri="{FF2B5EF4-FFF2-40B4-BE49-F238E27FC236}">
+                <a16:creationId xmlns:a16="http://schemas.microsoft.com/office/drawing/2014/main" id="{EF3C4074-177A-A061-388F-3FDD26BFB7D8}"/>
+              </a:ext>
+            </a:extLst>
+          </p:cNvPr>
           <p:cNvSpPr txBox="1"/>
           <p:nvPr/>
         </p:nvSpPr>
@@ -8351,7 +8676,13 @@
       </p:sp>
       <p:sp>
         <p:nvSpPr>
-          <p:cNvPr id="162" name="TextBox 162"/>
+          <p:cNvPr id="162" name="TextBox 162">
+            <a:extLst>
+              <a:ext uri="{FF2B5EF4-FFF2-40B4-BE49-F238E27FC236}">
+                <a16:creationId xmlns:a16="http://schemas.microsoft.com/office/drawing/2014/main" id="{BB6F4BEA-88FB-C0EE-D472-AD97F26D9651}"/>
+              </a:ext>
+            </a:extLst>
+          </p:cNvPr>
           <p:cNvSpPr txBox="1"/>
           <p:nvPr/>
         </p:nvSpPr>
@@ -8392,7 +8723,13 @@
       </p:sp>
       <p:sp>
         <p:nvSpPr>
-          <p:cNvPr id="163" name="TextBox 163"/>
+          <p:cNvPr id="163" name="TextBox 163">
+            <a:extLst>
+              <a:ext uri="{FF2B5EF4-FFF2-40B4-BE49-F238E27FC236}">
+                <a16:creationId xmlns:a16="http://schemas.microsoft.com/office/drawing/2014/main" id="{C34F2203-1363-ADD7-0C6D-C4DD26B35CFD}"/>
+              </a:ext>
+            </a:extLst>
+          </p:cNvPr>
           <p:cNvSpPr txBox="1"/>
           <p:nvPr/>
         </p:nvSpPr>
@@ -8433,13 +8770,19 @@
       </p:sp>
       <p:sp>
         <p:nvSpPr>
-          <p:cNvPr id="164" name="TextBox 164"/>
+          <p:cNvPr id="164" name="TextBox 164">
+            <a:extLst>
+              <a:ext uri="{FF2B5EF4-FFF2-40B4-BE49-F238E27FC236}">
+                <a16:creationId xmlns:a16="http://schemas.microsoft.com/office/drawing/2014/main" id="{52FB8402-9675-16B4-70B8-219CC297F623}"/>
+              </a:ext>
+            </a:extLst>
+          </p:cNvPr>
           <p:cNvSpPr txBox="1"/>
           <p:nvPr/>
         </p:nvSpPr>
         <p:spPr>
           <a:xfrm>
-            <a:off x="264098" y="3771841"/>
+            <a:off x="264098" y="3896360"/>
             <a:ext cx="2073928" cy="142240"/>
           </a:xfrm>
           <a:prstGeom prst="rect">
@@ -8458,7 +8801,7 @@
               </a:lnSpc>
             </a:pPr>
             <a:r>
-              <a:rPr lang="en-US" sz="1000" spc="-20">
+              <a:rPr lang="en-US" sz="1000" spc="-20" dirty="0">
                 <a:solidFill>
                   <a:srgbClr val="231F20"/>
                 </a:solidFill>
@@ -8474,7 +8817,13 @@
       </p:sp>
       <p:sp>
         <p:nvSpPr>
-          <p:cNvPr id="165" name="TextBox 165"/>
+          <p:cNvPr id="165" name="TextBox 165">
+            <a:extLst>
+              <a:ext uri="{FF2B5EF4-FFF2-40B4-BE49-F238E27FC236}">
+                <a16:creationId xmlns:a16="http://schemas.microsoft.com/office/drawing/2014/main" id="{9FDD2A7B-91ED-646B-2524-99483C0A7781}"/>
+              </a:ext>
+            </a:extLst>
+          </p:cNvPr>
           <p:cNvSpPr txBox="1"/>
           <p:nvPr/>
         </p:nvSpPr>
@@ -8515,13 +8864,19 @@
       </p:sp>
       <p:sp>
         <p:nvSpPr>
-          <p:cNvPr id="168" name="TextBox 168"/>
+          <p:cNvPr id="168" name="TextBox 168">
+            <a:extLst>
+              <a:ext uri="{FF2B5EF4-FFF2-40B4-BE49-F238E27FC236}">
+                <a16:creationId xmlns:a16="http://schemas.microsoft.com/office/drawing/2014/main" id="{B59C5083-BC5D-8DC6-AA9C-A041F3E08215}"/>
+              </a:ext>
+            </a:extLst>
+          </p:cNvPr>
           <p:cNvSpPr txBox="1"/>
           <p:nvPr/>
         </p:nvSpPr>
         <p:spPr>
           <a:xfrm>
-            <a:off x="268543" y="3177608"/>
+            <a:off x="268543" y="3210560"/>
             <a:ext cx="2083453" cy="142240"/>
           </a:xfrm>
           <a:prstGeom prst="rect">
@@ -8540,7 +8895,7 @@
               </a:lnSpc>
             </a:pPr>
             <a:r>
-              <a:rPr lang="en-US" sz="1000" spc="-20">
+              <a:rPr lang="en-US" sz="1000" spc="-20" dirty="0">
                 <a:solidFill>
                   <a:srgbClr val="231F20"/>
                 </a:solidFill>
@@ -8556,13 +8911,19 @@
       </p:sp>
       <p:sp>
         <p:nvSpPr>
-          <p:cNvPr id="169" name="TextBox 169"/>
+          <p:cNvPr id="169" name="TextBox 169">
+            <a:extLst>
+              <a:ext uri="{FF2B5EF4-FFF2-40B4-BE49-F238E27FC236}">
+                <a16:creationId xmlns:a16="http://schemas.microsoft.com/office/drawing/2014/main" id="{EB90267F-2546-178D-012C-03EFF087CA37}"/>
+              </a:ext>
+            </a:extLst>
+          </p:cNvPr>
           <p:cNvSpPr txBox="1"/>
           <p:nvPr/>
         </p:nvSpPr>
         <p:spPr>
           <a:xfrm>
-            <a:off x="278068" y="4673834"/>
+            <a:off x="278068" y="4886960"/>
             <a:ext cx="2073928" cy="142240"/>
           </a:xfrm>
           <a:prstGeom prst="rect">
@@ -8581,7 +8942,7 @@
               </a:lnSpc>
             </a:pPr>
             <a:r>
-              <a:rPr lang="en-US" sz="1000" spc="-20">
+              <a:rPr lang="en-US" sz="1000" spc="-20" dirty="0">
                 <a:solidFill>
                   <a:srgbClr val="231F20"/>
                 </a:solidFill>
@@ -8597,7 +8958,13 @@
       </p:sp>
       <p:sp>
         <p:nvSpPr>
-          <p:cNvPr id="170" name="TextBox 170"/>
+          <p:cNvPr id="170" name="TextBox 170">
+            <a:extLst>
+              <a:ext uri="{FF2B5EF4-FFF2-40B4-BE49-F238E27FC236}">
+                <a16:creationId xmlns:a16="http://schemas.microsoft.com/office/drawing/2014/main" id="{1E457E8E-00D3-589A-886A-E613C985FC3C}"/>
+              </a:ext>
+            </a:extLst>
+          </p:cNvPr>
           <p:cNvSpPr txBox="1"/>
           <p:nvPr/>
         </p:nvSpPr>
@@ -8622,7 +8989,7 @@
               </a:lnSpc>
             </a:pPr>
             <a:r>
-              <a:rPr lang="en-US" sz="1000" spc="-20">
+              <a:rPr lang="en-US" sz="1000" spc="-20" dirty="0">
                 <a:solidFill>
                   <a:srgbClr val="231F20"/>
                 </a:solidFill>
@@ -8638,13 +9005,19 @@
       </p:sp>
       <p:sp>
         <p:nvSpPr>
-          <p:cNvPr id="172" name="TextBox 172"/>
+          <p:cNvPr id="172" name="TextBox 172">
+            <a:extLst>
+              <a:ext uri="{FF2B5EF4-FFF2-40B4-BE49-F238E27FC236}">
+                <a16:creationId xmlns:a16="http://schemas.microsoft.com/office/drawing/2014/main" id="{78B76F7F-4490-36EE-A184-5C2385128CC0}"/>
+              </a:ext>
+            </a:extLst>
+          </p:cNvPr>
           <p:cNvSpPr txBox="1"/>
           <p:nvPr/>
         </p:nvSpPr>
         <p:spPr>
           <a:xfrm>
-            <a:off x="268543" y="3403326"/>
+            <a:off x="268543" y="3449320"/>
             <a:ext cx="2083453" cy="284480"/>
           </a:xfrm>
           <a:prstGeom prst="rect">
@@ -8663,7 +9036,7 @@
               </a:lnSpc>
             </a:pPr>
             <a:r>
-              <a:rPr lang="en-US" sz="1000" spc="-20">
+              <a:rPr lang="en-US" sz="1000" spc="-20" dirty="0">
                 <a:solidFill>
                   <a:srgbClr val="231F20"/>
                 </a:solidFill>
@@ -8679,7 +9052,13 @@
       </p:sp>
       <p:sp>
         <p:nvSpPr>
-          <p:cNvPr id="173" name="TextBox 173"/>
+          <p:cNvPr id="173" name="TextBox 173">
+            <a:extLst>
+              <a:ext uri="{FF2B5EF4-FFF2-40B4-BE49-F238E27FC236}">
+                <a16:creationId xmlns:a16="http://schemas.microsoft.com/office/drawing/2014/main" id="{FC53579D-499A-0A30-18DA-86ADD79CA746}"/>
+              </a:ext>
+            </a:extLst>
+          </p:cNvPr>
           <p:cNvSpPr txBox="1"/>
           <p:nvPr/>
         </p:nvSpPr>
@@ -8720,7 +9099,5385 @@
       </p:sp>
       <p:graphicFrame>
         <p:nvGraphicFramePr>
-          <p:cNvPr id="197" name="Table 196"/>
+          <p:cNvPr id="197" name="Table 196">
+            <a:extLst>
+              <a:ext uri="{FF2B5EF4-FFF2-40B4-BE49-F238E27FC236}">
+                <a16:creationId xmlns:a16="http://schemas.microsoft.com/office/drawing/2014/main" id="{8143FAAD-9674-D113-0711-DA0C6E75ACC7}"/>
+              </a:ext>
+            </a:extLst>
+          </p:cNvPr>
+          <p:cNvGraphicFramePr/>
+          <p:nvPr>
+            <p:custDataLst>
+              <p:tags r:id="rId1"/>
+            </p:custDataLst>
+            <p:extLst>
+              <p:ext uri="{D42A27DB-BD31-4B8C-83A1-F6EECF244321}">
+                <p14:modId xmlns:p14="http://schemas.microsoft.com/office/powerpoint/2010/main" val="946936236"/>
+              </p:ext>
+            </p:extLst>
+          </p:nvPr>
+        </p:nvGraphicFramePr>
+        <p:xfrm>
+          <a:off x="2286000" y="812800"/>
+          <a:ext cx="7200900" cy="6423660"/>
+        </p:xfrm>
+        <a:graphic>
+          <a:graphicData uri="http://schemas.openxmlformats.org/drawingml/2006/table">
+            <a:tbl>
+              <a:tblPr firstRow="1" bandRow="1">
+                <a:tableStyleId>{F5AB1C69-6EDB-4FF4-983F-18BD219EF322}</a:tableStyleId>
+              </a:tblPr>
+              <a:tblGrid>
+                <a:gridCol w="720090">
+                  <a:extLst>
+                    <a:ext uri="{9D8B030D-6E8A-4147-A177-3AD203B41FA5}">
+                      <a16:colId xmlns:a16="http://schemas.microsoft.com/office/drawing/2014/main" val="20000"/>
+                    </a:ext>
+                  </a:extLst>
+                </a:gridCol>
+                <a:gridCol w="720090">
+                  <a:extLst>
+                    <a:ext uri="{9D8B030D-6E8A-4147-A177-3AD203B41FA5}">
+                      <a16:colId xmlns:a16="http://schemas.microsoft.com/office/drawing/2014/main" val="20001"/>
+                    </a:ext>
+                  </a:extLst>
+                </a:gridCol>
+                <a:gridCol w="720090">
+                  <a:extLst>
+                    <a:ext uri="{9D8B030D-6E8A-4147-A177-3AD203B41FA5}">
+                      <a16:colId xmlns:a16="http://schemas.microsoft.com/office/drawing/2014/main" val="20002"/>
+                    </a:ext>
+                  </a:extLst>
+                </a:gridCol>
+                <a:gridCol w="767715">
+                  <a:extLst>
+                    <a:ext uri="{9D8B030D-6E8A-4147-A177-3AD203B41FA5}">
+                      <a16:colId xmlns:a16="http://schemas.microsoft.com/office/drawing/2014/main" val="20003"/>
+                    </a:ext>
+                  </a:extLst>
+                </a:gridCol>
+                <a:gridCol w="672465">
+                  <a:extLst>
+                    <a:ext uri="{9D8B030D-6E8A-4147-A177-3AD203B41FA5}">
+                      <a16:colId xmlns:a16="http://schemas.microsoft.com/office/drawing/2014/main" val="20004"/>
+                    </a:ext>
+                  </a:extLst>
+                </a:gridCol>
+                <a:gridCol w="720090">
+                  <a:extLst>
+                    <a:ext uri="{9D8B030D-6E8A-4147-A177-3AD203B41FA5}">
+                      <a16:colId xmlns:a16="http://schemas.microsoft.com/office/drawing/2014/main" val="20005"/>
+                    </a:ext>
+                  </a:extLst>
+                </a:gridCol>
+                <a:gridCol w="720090">
+                  <a:extLst>
+                    <a:ext uri="{9D8B030D-6E8A-4147-A177-3AD203B41FA5}">
+                      <a16:colId xmlns:a16="http://schemas.microsoft.com/office/drawing/2014/main" val="20006"/>
+                    </a:ext>
+                  </a:extLst>
+                </a:gridCol>
+                <a:gridCol w="720090">
+                  <a:extLst>
+                    <a:ext uri="{9D8B030D-6E8A-4147-A177-3AD203B41FA5}">
+                      <a16:colId xmlns:a16="http://schemas.microsoft.com/office/drawing/2014/main" val="20007"/>
+                    </a:ext>
+                  </a:extLst>
+                </a:gridCol>
+                <a:gridCol w="720090">
+                  <a:extLst>
+                    <a:ext uri="{9D8B030D-6E8A-4147-A177-3AD203B41FA5}">
+                      <a16:colId xmlns:a16="http://schemas.microsoft.com/office/drawing/2014/main" val="20008"/>
+                    </a:ext>
+                  </a:extLst>
+                </a:gridCol>
+                <a:gridCol w="720090">
+                  <a:extLst>
+                    <a:ext uri="{9D8B030D-6E8A-4147-A177-3AD203B41FA5}">
+                      <a16:colId xmlns:a16="http://schemas.microsoft.com/office/drawing/2014/main" val="20009"/>
+                    </a:ext>
+                  </a:extLst>
+                </a:gridCol>
+              </a:tblGrid>
+              <a:tr h="494030">
+                <a:tc>
+                  <a:txBody>
+                    <a:bodyPr/>
+                    <a:lstStyle/>
+                    <a:p>
+                      <a:pPr>
+                        <a:buNone/>
+                      </a:pPr>
+                      <a:r>
+                        <a:rPr lang="en-US" sz="1000" dirty="0"/>
+                        <a:t>Jan 22-29:</a:t>
+                      </a:r>
+                    </a:p>
+                  </a:txBody>
+                  <a:tcPr/>
+                </a:tc>
+                <a:tc>
+                  <a:txBody>
+                    <a:bodyPr/>
+                    <a:lstStyle/>
+                    <a:p>
+                      <a:pPr>
+                        <a:buNone/>
+                      </a:pPr>
+                      <a:r>
+                        <a:rPr lang="en-US" sz="1000"/>
+                        <a:t>Feb 5-12</a:t>
+                      </a:r>
+                    </a:p>
+                  </a:txBody>
+                  <a:tcPr/>
+                </a:tc>
+                <a:tc>
+                  <a:txBody>
+                    <a:bodyPr/>
+                    <a:lstStyle/>
+                    <a:p>
+                      <a:pPr>
+                        <a:buNone/>
+                      </a:pPr>
+                      <a:r>
+                        <a:rPr lang="en-US" sz="1000"/>
+                        <a:t>Feb 19-26</a:t>
+                      </a:r>
+                    </a:p>
+                  </a:txBody>
+                  <a:tcPr/>
+                </a:tc>
+                <a:tc>
+                  <a:txBody>
+                    <a:bodyPr/>
+                    <a:lstStyle/>
+                    <a:p>
+                      <a:pPr>
+                        <a:buNone/>
+                      </a:pPr>
+                      <a:r>
+                        <a:rPr lang="en-US" sz="1000"/>
+                        <a:t>March 5-12</a:t>
+                      </a:r>
+                    </a:p>
+                  </a:txBody>
+                  <a:tcPr/>
+                </a:tc>
+                <a:tc>
+                  <a:txBody>
+                    <a:bodyPr/>
+                    <a:lstStyle/>
+                    <a:p>
+                      <a:pPr>
+                        <a:buNone/>
+                      </a:pPr>
+                      <a:r>
+                        <a:rPr lang="en-US" sz="1000"/>
+                        <a:t>March 19-26</a:t>
+                      </a:r>
+                    </a:p>
+                  </a:txBody>
+                  <a:tcPr/>
+                </a:tc>
+                <a:tc>
+                  <a:txBody>
+                    <a:bodyPr/>
+                    <a:lstStyle/>
+                    <a:p>
+                      <a:pPr>
+                        <a:buNone/>
+                      </a:pPr>
+                      <a:r>
+                        <a:rPr lang="en-US" sz="1000"/>
+                        <a:t>April 2-9</a:t>
+                      </a:r>
+                    </a:p>
+                  </a:txBody>
+                  <a:tcPr/>
+                </a:tc>
+                <a:tc>
+                  <a:txBody>
+                    <a:bodyPr/>
+                    <a:lstStyle/>
+                    <a:p>
+                      <a:pPr>
+                        <a:buNone/>
+                      </a:pPr>
+                      <a:r>
+                        <a:rPr lang="en-US" sz="1000"/>
+                        <a:t>April 16-23</a:t>
+                      </a:r>
+                    </a:p>
+                  </a:txBody>
+                  <a:tcPr/>
+                </a:tc>
+                <a:tc>
+                  <a:txBody>
+                    <a:bodyPr/>
+                    <a:lstStyle/>
+                    <a:p>
+                      <a:pPr>
+                        <a:buNone/>
+                      </a:pPr>
+                      <a:r>
+                        <a:rPr lang="en-US" sz="1000"/>
+                        <a:t>April 30-May 7</a:t>
+                      </a:r>
+                    </a:p>
+                  </a:txBody>
+                  <a:tcPr/>
+                </a:tc>
+                <a:tc>
+                  <a:txBody>
+                    <a:bodyPr/>
+                    <a:lstStyle/>
+                    <a:p>
+                      <a:pPr>
+                        <a:buNone/>
+                      </a:pPr>
+                      <a:r>
+                        <a:rPr lang="en-US" sz="1000"/>
+                        <a:t>May 14-21</a:t>
+                      </a:r>
+                    </a:p>
+                  </a:txBody>
+                  <a:tcPr/>
+                </a:tc>
+                <a:tc>
+                  <a:txBody>
+                    <a:bodyPr/>
+                    <a:lstStyle/>
+                    <a:p>
+                      <a:pPr>
+                        <a:buNone/>
+                      </a:pPr>
+                      <a:r>
+                        <a:rPr lang="en-US" sz="1000"/>
+                        <a:t>May 28</a:t>
+                      </a:r>
+                    </a:p>
+                  </a:txBody>
+                  <a:tcPr/>
+                </a:tc>
+                <a:extLst>
+                  <a:ext uri="{0D108BD9-81ED-4DB2-BD59-A6C34878D82A}">
+                    <a16:rowId xmlns:a16="http://schemas.microsoft.com/office/drawing/2014/main" val="10000"/>
+                  </a:ext>
+                </a:extLst>
+              </a:tr>
+              <a:tr h="1446530">
+                <a:tc>
+                  <a:txBody>
+                    <a:bodyPr/>
+                    <a:lstStyle/>
+                    <a:p>
+                      <a:pPr>
+                        <a:buNone/>
+                      </a:pPr>
+                      <a:endParaRPr lang="en-US" sz="1000" dirty="0"/>
+                    </a:p>
+                  </a:txBody>
+                  <a:tcPr/>
+                </a:tc>
+                <a:tc>
+                  <a:txBody>
+                    <a:bodyPr/>
+                    <a:lstStyle/>
+                    <a:p>
+                      <a:pPr>
+                        <a:buNone/>
+                      </a:pPr>
+                      <a:endParaRPr lang="en-US" sz="1000"/>
+                    </a:p>
+                  </a:txBody>
+                  <a:tcPr/>
+                </a:tc>
+                <a:tc>
+                  <a:txBody>
+                    <a:bodyPr/>
+                    <a:lstStyle/>
+                    <a:p>
+                      <a:pPr>
+                        <a:buNone/>
+                      </a:pPr>
+                      <a:endParaRPr lang="en-US" sz="1000" dirty="0"/>
+                    </a:p>
+                  </a:txBody>
+                  <a:tcPr/>
+                </a:tc>
+                <a:tc>
+                  <a:txBody>
+                    <a:bodyPr/>
+                    <a:lstStyle/>
+                    <a:p>
+                      <a:pPr>
+                        <a:buNone/>
+                      </a:pPr>
+                      <a:endParaRPr lang="en-US" sz="1000"/>
+                    </a:p>
+                  </a:txBody>
+                  <a:tcPr/>
+                </a:tc>
+                <a:tc>
+                  <a:txBody>
+                    <a:bodyPr/>
+                    <a:lstStyle/>
+                    <a:p>
+                      <a:pPr>
+                        <a:buNone/>
+                      </a:pPr>
+                      <a:endParaRPr lang="en-US" sz="1000"/>
+                    </a:p>
+                  </a:txBody>
+                  <a:tcPr/>
+                </a:tc>
+                <a:tc>
+                  <a:txBody>
+                    <a:bodyPr/>
+                    <a:lstStyle/>
+                    <a:p>
+                      <a:pPr>
+                        <a:buNone/>
+                      </a:pPr>
+                      <a:endParaRPr lang="en-US" sz="1000"/>
+                    </a:p>
+                  </a:txBody>
+                  <a:tcPr/>
+                </a:tc>
+                <a:tc>
+                  <a:txBody>
+                    <a:bodyPr/>
+                    <a:lstStyle/>
+                    <a:p>
+                      <a:pPr>
+                        <a:buNone/>
+                      </a:pPr>
+                      <a:endParaRPr lang="en-US" sz="1000"/>
+                    </a:p>
+                  </a:txBody>
+                  <a:tcPr/>
+                </a:tc>
+                <a:tc>
+                  <a:txBody>
+                    <a:bodyPr/>
+                    <a:lstStyle/>
+                    <a:p>
+                      <a:pPr>
+                        <a:buNone/>
+                      </a:pPr>
+                      <a:endParaRPr lang="en-US" sz="1000"/>
+                    </a:p>
+                  </a:txBody>
+                  <a:tcPr/>
+                </a:tc>
+                <a:tc>
+                  <a:txBody>
+                    <a:bodyPr/>
+                    <a:lstStyle/>
+                    <a:p>
+                      <a:pPr>
+                        <a:buNone/>
+                      </a:pPr>
+                      <a:endParaRPr lang="en-US" sz="1000"/>
+                    </a:p>
+                  </a:txBody>
+                  <a:tcPr/>
+                </a:tc>
+                <a:tc>
+                  <a:txBody>
+                    <a:bodyPr/>
+                    <a:lstStyle/>
+                    <a:p>
+                      <a:pPr>
+                        <a:buNone/>
+                      </a:pPr>
+                      <a:endParaRPr lang="en-US" sz="1000"/>
+                    </a:p>
+                  </a:txBody>
+                  <a:tcPr/>
+                </a:tc>
+                <a:extLst>
+                  <a:ext uri="{0D108BD9-81ED-4DB2-BD59-A6C34878D82A}">
+                    <a16:rowId xmlns:a16="http://schemas.microsoft.com/office/drawing/2014/main" val="10001"/>
+                  </a:ext>
+                </a:extLst>
+              </a:tr>
+              <a:tr h="1590040">
+                <a:tc>
+                  <a:txBody>
+                    <a:bodyPr/>
+                    <a:lstStyle/>
+                    <a:p>
+                      <a:pPr>
+                        <a:buNone/>
+                      </a:pPr>
+                      <a:endParaRPr lang="en-US" sz="1000"/>
+                    </a:p>
+                  </a:txBody>
+                  <a:tcPr/>
+                </a:tc>
+                <a:tc>
+                  <a:txBody>
+                    <a:bodyPr/>
+                    <a:lstStyle/>
+                    <a:p>
+                      <a:pPr>
+                        <a:buNone/>
+                      </a:pPr>
+                      <a:endParaRPr lang="en-US" sz="1000" dirty="0"/>
+                    </a:p>
+                  </a:txBody>
+                  <a:tcPr/>
+                </a:tc>
+                <a:tc>
+                  <a:txBody>
+                    <a:bodyPr/>
+                    <a:lstStyle/>
+                    <a:p>
+                      <a:pPr>
+                        <a:buNone/>
+                      </a:pPr>
+                      <a:endParaRPr lang="en-US" sz="1000"/>
+                    </a:p>
+                  </a:txBody>
+                  <a:tcPr/>
+                </a:tc>
+                <a:tc>
+                  <a:txBody>
+                    <a:bodyPr/>
+                    <a:lstStyle/>
+                    <a:p>
+                      <a:pPr>
+                        <a:buNone/>
+                      </a:pPr>
+                      <a:endParaRPr lang="en-US" sz="1000" dirty="0"/>
+                    </a:p>
+                  </a:txBody>
+                  <a:tcPr/>
+                </a:tc>
+                <a:tc>
+                  <a:txBody>
+                    <a:bodyPr/>
+                    <a:lstStyle/>
+                    <a:p>
+                      <a:pPr>
+                        <a:buNone/>
+                      </a:pPr>
+                      <a:endParaRPr lang="en-US" sz="1000" dirty="0"/>
+                    </a:p>
+                  </a:txBody>
+                  <a:tcPr/>
+                </a:tc>
+                <a:tc>
+                  <a:txBody>
+                    <a:bodyPr/>
+                    <a:lstStyle/>
+                    <a:p>
+                      <a:pPr>
+                        <a:buNone/>
+                      </a:pPr>
+                      <a:endParaRPr lang="en-US" sz="1000"/>
+                    </a:p>
+                  </a:txBody>
+                  <a:tcPr/>
+                </a:tc>
+                <a:tc>
+                  <a:txBody>
+                    <a:bodyPr/>
+                    <a:lstStyle/>
+                    <a:p>
+                      <a:pPr>
+                        <a:buNone/>
+                      </a:pPr>
+                      <a:endParaRPr lang="en-US" sz="1000"/>
+                    </a:p>
+                  </a:txBody>
+                  <a:tcPr/>
+                </a:tc>
+                <a:tc>
+                  <a:txBody>
+                    <a:bodyPr/>
+                    <a:lstStyle/>
+                    <a:p>
+                      <a:pPr>
+                        <a:buNone/>
+                      </a:pPr>
+                      <a:endParaRPr lang="en-US" sz="1000"/>
+                    </a:p>
+                  </a:txBody>
+                  <a:tcPr/>
+                </a:tc>
+                <a:tc>
+                  <a:txBody>
+                    <a:bodyPr/>
+                    <a:lstStyle/>
+                    <a:p>
+                      <a:pPr>
+                        <a:buNone/>
+                      </a:pPr>
+                      <a:endParaRPr lang="en-US" sz="1000"/>
+                    </a:p>
+                  </a:txBody>
+                  <a:tcPr/>
+                </a:tc>
+                <a:tc>
+                  <a:txBody>
+                    <a:bodyPr/>
+                    <a:lstStyle/>
+                    <a:p>
+                      <a:pPr>
+                        <a:buNone/>
+                      </a:pPr>
+                      <a:endParaRPr lang="en-US" sz="1000"/>
+                    </a:p>
+                  </a:txBody>
+                  <a:tcPr/>
+                </a:tc>
+                <a:extLst>
+                  <a:ext uri="{0D108BD9-81ED-4DB2-BD59-A6C34878D82A}">
+                    <a16:rowId xmlns:a16="http://schemas.microsoft.com/office/drawing/2014/main" val="10002"/>
+                  </a:ext>
+                </a:extLst>
+              </a:tr>
+              <a:tr h="1446530">
+                <a:tc>
+                  <a:txBody>
+                    <a:bodyPr/>
+                    <a:lstStyle/>
+                    <a:p>
+                      <a:pPr>
+                        <a:buNone/>
+                      </a:pPr>
+                      <a:endParaRPr lang="en-US" sz="1000"/>
+                    </a:p>
+                  </a:txBody>
+                  <a:tcPr/>
+                </a:tc>
+                <a:tc>
+                  <a:txBody>
+                    <a:bodyPr/>
+                    <a:lstStyle/>
+                    <a:p>
+                      <a:pPr>
+                        <a:buNone/>
+                      </a:pPr>
+                      <a:endParaRPr lang="en-US" sz="1000"/>
+                    </a:p>
+                  </a:txBody>
+                  <a:tcPr/>
+                </a:tc>
+                <a:tc>
+                  <a:txBody>
+                    <a:bodyPr/>
+                    <a:lstStyle/>
+                    <a:p>
+                      <a:pPr>
+                        <a:buNone/>
+                      </a:pPr>
+                      <a:endParaRPr lang="en-US" sz="1000"/>
+                    </a:p>
+                  </a:txBody>
+                  <a:tcPr/>
+                </a:tc>
+                <a:tc>
+                  <a:txBody>
+                    <a:bodyPr/>
+                    <a:lstStyle/>
+                    <a:p>
+                      <a:pPr>
+                        <a:buNone/>
+                      </a:pPr>
+                      <a:endParaRPr lang="en-US" sz="1000"/>
+                    </a:p>
+                  </a:txBody>
+                  <a:tcPr/>
+                </a:tc>
+                <a:tc>
+                  <a:txBody>
+                    <a:bodyPr/>
+                    <a:lstStyle/>
+                    <a:p>
+                      <a:pPr>
+                        <a:buNone/>
+                      </a:pPr>
+                      <a:endParaRPr lang="en-US" sz="1000"/>
+                    </a:p>
+                  </a:txBody>
+                  <a:tcPr/>
+                </a:tc>
+                <a:tc>
+                  <a:txBody>
+                    <a:bodyPr/>
+                    <a:lstStyle/>
+                    <a:p>
+                      <a:pPr>
+                        <a:buNone/>
+                      </a:pPr>
+                      <a:endParaRPr lang="en-US" sz="1000"/>
+                    </a:p>
+                  </a:txBody>
+                  <a:tcPr/>
+                </a:tc>
+                <a:tc>
+                  <a:txBody>
+                    <a:bodyPr/>
+                    <a:lstStyle/>
+                    <a:p>
+                      <a:pPr>
+                        <a:buNone/>
+                      </a:pPr>
+                      <a:endParaRPr lang="en-US" sz="1000" dirty="0"/>
+                    </a:p>
+                  </a:txBody>
+                  <a:tcPr/>
+                </a:tc>
+                <a:tc>
+                  <a:txBody>
+                    <a:bodyPr/>
+                    <a:lstStyle/>
+                    <a:p>
+                      <a:pPr>
+                        <a:buNone/>
+                      </a:pPr>
+                      <a:endParaRPr lang="en-US" sz="1000"/>
+                    </a:p>
+                  </a:txBody>
+                  <a:tcPr/>
+                </a:tc>
+                <a:tc>
+                  <a:txBody>
+                    <a:bodyPr/>
+                    <a:lstStyle/>
+                    <a:p>
+                      <a:pPr>
+                        <a:buNone/>
+                      </a:pPr>
+                      <a:endParaRPr lang="en-US" sz="1000"/>
+                    </a:p>
+                  </a:txBody>
+                  <a:tcPr/>
+                </a:tc>
+                <a:tc>
+                  <a:txBody>
+                    <a:bodyPr/>
+                    <a:lstStyle/>
+                    <a:p>
+                      <a:pPr>
+                        <a:buNone/>
+                      </a:pPr>
+                      <a:endParaRPr lang="en-US" sz="1000"/>
+                    </a:p>
+                  </a:txBody>
+                  <a:tcPr/>
+                </a:tc>
+                <a:extLst>
+                  <a:ext uri="{0D108BD9-81ED-4DB2-BD59-A6C34878D82A}">
+                    <a16:rowId xmlns:a16="http://schemas.microsoft.com/office/drawing/2014/main" val="10003"/>
+                  </a:ext>
+                </a:extLst>
+              </a:tr>
+              <a:tr h="1446530">
+                <a:tc>
+                  <a:txBody>
+                    <a:bodyPr/>
+                    <a:lstStyle/>
+                    <a:p>
+                      <a:pPr>
+                        <a:buNone/>
+                      </a:pPr>
+                      <a:endParaRPr lang="en-US" dirty="0"/>
+                    </a:p>
+                  </a:txBody>
+                  <a:tcPr/>
+                </a:tc>
+                <a:tc>
+                  <a:txBody>
+                    <a:bodyPr/>
+                    <a:lstStyle/>
+                    <a:p>
+                      <a:pPr>
+                        <a:buNone/>
+                      </a:pPr>
+                      <a:endParaRPr lang="en-US"/>
+                    </a:p>
+                  </a:txBody>
+                  <a:tcPr/>
+                </a:tc>
+                <a:tc>
+                  <a:txBody>
+                    <a:bodyPr/>
+                    <a:lstStyle/>
+                    <a:p>
+                      <a:pPr>
+                        <a:buNone/>
+                      </a:pPr>
+                      <a:endParaRPr lang="en-US"/>
+                    </a:p>
+                  </a:txBody>
+                  <a:tcPr/>
+                </a:tc>
+                <a:tc>
+                  <a:txBody>
+                    <a:bodyPr/>
+                    <a:lstStyle/>
+                    <a:p>
+                      <a:pPr>
+                        <a:buNone/>
+                      </a:pPr>
+                      <a:endParaRPr lang="en-US"/>
+                    </a:p>
+                  </a:txBody>
+                  <a:tcPr/>
+                </a:tc>
+                <a:tc>
+                  <a:txBody>
+                    <a:bodyPr/>
+                    <a:lstStyle/>
+                    <a:p>
+                      <a:pPr>
+                        <a:buNone/>
+                      </a:pPr>
+                      <a:endParaRPr lang="en-US"/>
+                    </a:p>
+                  </a:txBody>
+                  <a:tcPr/>
+                </a:tc>
+                <a:tc>
+                  <a:txBody>
+                    <a:bodyPr/>
+                    <a:lstStyle/>
+                    <a:p>
+                      <a:pPr>
+                        <a:buNone/>
+                      </a:pPr>
+                      <a:endParaRPr lang="en-US"/>
+                    </a:p>
+                  </a:txBody>
+                  <a:tcPr/>
+                </a:tc>
+                <a:tc>
+                  <a:txBody>
+                    <a:bodyPr/>
+                    <a:lstStyle/>
+                    <a:p>
+                      <a:pPr>
+                        <a:buNone/>
+                      </a:pPr>
+                      <a:endParaRPr lang="en-US" dirty="0"/>
+                    </a:p>
+                  </a:txBody>
+                  <a:tcPr/>
+                </a:tc>
+                <a:tc>
+                  <a:txBody>
+                    <a:bodyPr/>
+                    <a:lstStyle/>
+                    <a:p>
+                      <a:pPr>
+                        <a:buNone/>
+                      </a:pPr>
+                      <a:endParaRPr lang="en-US"/>
+                    </a:p>
+                  </a:txBody>
+                  <a:tcPr/>
+                </a:tc>
+                <a:tc>
+                  <a:txBody>
+                    <a:bodyPr/>
+                    <a:lstStyle/>
+                    <a:p>
+                      <a:pPr>
+                        <a:buNone/>
+                      </a:pPr>
+                      <a:endParaRPr lang="en-US"/>
+                    </a:p>
+                  </a:txBody>
+                  <a:tcPr/>
+                </a:tc>
+                <a:tc>
+                  <a:txBody>
+                    <a:bodyPr/>
+                    <a:lstStyle/>
+                    <a:p>
+                      <a:pPr>
+                        <a:buNone/>
+                      </a:pPr>
+                      <a:endParaRPr lang="en-US" dirty="0"/>
+                    </a:p>
+                  </a:txBody>
+                  <a:tcPr/>
+                </a:tc>
+                <a:extLst>
+                  <a:ext uri="{0D108BD9-81ED-4DB2-BD59-A6C34878D82A}">
+                    <a16:rowId xmlns:a16="http://schemas.microsoft.com/office/drawing/2014/main" val="10004"/>
+                  </a:ext>
+                </a:extLst>
+              </a:tr>
+            </a:tbl>
+          </a:graphicData>
+        </a:graphic>
+      </p:graphicFrame>
+      <p:sp>
+        <p:nvSpPr>
+          <p:cNvPr id="8" name="TextBox 164">
+            <a:extLst>
+              <a:ext uri="{FF2B5EF4-FFF2-40B4-BE49-F238E27FC236}">
+                <a16:creationId xmlns:a16="http://schemas.microsoft.com/office/drawing/2014/main" id="{C6089785-5460-7FC4-A044-ABBA74E9008B}"/>
+              </a:ext>
+            </a:extLst>
+          </p:cNvPr>
+          <p:cNvSpPr txBox="1"/>
+          <p:nvPr/>
+        </p:nvSpPr>
+        <p:spPr>
+          <a:xfrm>
+            <a:off x="268543" y="4124960"/>
+            <a:ext cx="2073928" cy="142240"/>
+          </a:xfrm>
+          <a:prstGeom prst="rect">
+            <a:avLst/>
+          </a:prstGeom>
+        </p:spPr>
+        <p:txBody>
+          <a:bodyPr lIns="0" tIns="0" rIns="0" bIns="0" rtlCol="0" anchor="t">
+            <a:spAutoFit/>
+          </a:bodyPr>
+          <a:lstStyle/>
+          <a:p>
+            <a:pPr algn="l">
+              <a:lnSpc>
+                <a:spcPts val="1110"/>
+              </a:lnSpc>
+            </a:pPr>
+            <a:r>
+              <a:rPr lang="en-US" sz="1000" spc="-20" dirty="0">
+                <a:solidFill>
+                  <a:srgbClr val="231F20"/>
+                </a:solidFill>
+                <a:latin typeface="Bricolage Grotesque 18" panose="020B0605040402000204"/>
+                <a:ea typeface="Bricolage Grotesque 18" panose="020B0605040402000204"/>
+                <a:cs typeface="Bricolage Grotesque 18" panose="020B0605040402000204"/>
+                <a:sym typeface="Bricolage Grotesque 18" panose="020B0605040402000204"/>
+              </a:rPr>
+              <a:t>UI Refinement of Responsiveness </a:t>
+            </a:r>
+          </a:p>
+        </p:txBody>
+      </p:sp>
+      <p:sp>
+        <p:nvSpPr>
+          <p:cNvPr id="23" name="TextBox 169">
+            <a:extLst>
+              <a:ext uri="{FF2B5EF4-FFF2-40B4-BE49-F238E27FC236}">
+                <a16:creationId xmlns:a16="http://schemas.microsoft.com/office/drawing/2014/main" id="{D205D404-E819-3BCC-CD4D-E5863F8FB008}"/>
+              </a:ext>
+            </a:extLst>
+          </p:cNvPr>
+          <p:cNvSpPr txBox="1"/>
+          <p:nvPr/>
+        </p:nvSpPr>
+        <p:spPr>
+          <a:xfrm>
+            <a:off x="271242" y="5318681"/>
+            <a:ext cx="2073928" cy="142240"/>
+          </a:xfrm>
+          <a:prstGeom prst="rect">
+            <a:avLst/>
+          </a:prstGeom>
+        </p:spPr>
+        <p:txBody>
+          <a:bodyPr lIns="0" tIns="0" rIns="0" bIns="0" rtlCol="0" anchor="t">
+            <a:spAutoFit/>
+          </a:bodyPr>
+          <a:lstStyle/>
+          <a:p>
+            <a:pPr algn="l">
+              <a:lnSpc>
+                <a:spcPts val="1110"/>
+              </a:lnSpc>
+            </a:pPr>
+            <a:r>
+              <a:rPr lang="en-US" sz="1000" spc="-20" dirty="0">
+                <a:solidFill>
+                  <a:srgbClr val="231F20"/>
+                </a:solidFill>
+                <a:latin typeface="Bricolage Grotesque 18" panose="020B0605040402000204"/>
+                <a:ea typeface="Bricolage Grotesque 18" panose="020B0605040402000204"/>
+                <a:cs typeface="Bricolage Grotesque 18" panose="020B0605040402000204"/>
+                <a:sym typeface="Bricolage Grotesque 18" panose="020B0605040402000204"/>
+              </a:rPr>
+              <a:t>Notification system</a:t>
+            </a:r>
+          </a:p>
+        </p:txBody>
+      </p:sp>
+      <p:grpSp>
+        <p:nvGrpSpPr>
+          <p:cNvPr id="24" name="Group 20">
+            <a:extLst>
+              <a:ext uri="{FF2B5EF4-FFF2-40B4-BE49-F238E27FC236}">
+                <a16:creationId xmlns:a16="http://schemas.microsoft.com/office/drawing/2014/main" id="{51FD6DB0-0F90-9D88-7B50-F5097B1F1CFA}"/>
+              </a:ext>
+            </a:extLst>
+          </p:cNvPr>
+          <p:cNvGrpSpPr/>
+          <p:nvPr/>
+        </p:nvGrpSpPr>
+        <p:grpSpPr>
+          <a:xfrm>
+            <a:off x="273623" y="6477138"/>
+            <a:ext cx="1714670" cy="280249"/>
+            <a:chOff x="0" y="0"/>
+            <a:chExt cx="635063" cy="103796"/>
+          </a:xfrm>
+          <a:solidFill>
+            <a:srgbClr val="FCB624"/>
+          </a:solidFill>
+        </p:grpSpPr>
+        <p:sp>
+          <p:nvSpPr>
+            <p:cNvPr id="25" name="Freeform 21">
+              <a:extLst>
+                <a:ext uri="{FF2B5EF4-FFF2-40B4-BE49-F238E27FC236}">
+                  <a16:creationId xmlns:a16="http://schemas.microsoft.com/office/drawing/2014/main" id="{4A1CE3A4-BB1F-7BC0-C0D9-6F30540B68A6}"/>
+                </a:ext>
+              </a:extLst>
+            </p:cNvPr>
+            <p:cNvSpPr/>
+            <p:nvPr/>
+          </p:nvSpPr>
+          <p:spPr>
+            <a:xfrm>
+              <a:off x="0" y="0"/>
+              <a:ext cx="635063" cy="103796"/>
+            </a:xfrm>
+            <a:custGeom>
+              <a:avLst/>
+              <a:gdLst/>
+              <a:ahLst/>
+              <a:cxnLst/>
+              <a:rect l="l" t="t" r="r" b="b"/>
+              <a:pathLst>
+                <a:path w="635063" h="103796">
+                  <a:moveTo>
+                    <a:pt x="9030" y="0"/>
+                  </a:moveTo>
+                  <a:lnTo>
+                    <a:pt x="626033" y="0"/>
+                  </a:lnTo>
+                  <a:cubicBezTo>
+                    <a:pt x="631020" y="0"/>
+                    <a:pt x="635063" y="4043"/>
+                    <a:pt x="635063" y="9030"/>
+                  </a:cubicBezTo>
+                  <a:lnTo>
+                    <a:pt x="635063" y="94766"/>
+                  </a:lnTo>
+                  <a:cubicBezTo>
+                    <a:pt x="635063" y="97161"/>
+                    <a:pt x="634112" y="99458"/>
+                    <a:pt x="632418" y="101151"/>
+                  </a:cubicBezTo>
+                  <a:cubicBezTo>
+                    <a:pt x="630725" y="102845"/>
+                    <a:pt x="628428" y="103796"/>
+                    <a:pt x="626033" y="103796"/>
+                  </a:cubicBezTo>
+                  <a:lnTo>
+                    <a:pt x="9030" y="103796"/>
+                  </a:lnTo>
+                  <a:cubicBezTo>
+                    <a:pt x="4043" y="103796"/>
+                    <a:pt x="0" y="99753"/>
+                    <a:pt x="0" y="94766"/>
+                  </a:cubicBezTo>
+                  <a:lnTo>
+                    <a:pt x="0" y="9030"/>
+                  </a:lnTo>
+                  <a:cubicBezTo>
+                    <a:pt x="0" y="4043"/>
+                    <a:pt x="4043" y="0"/>
+                    <a:pt x="9030" y="0"/>
+                  </a:cubicBezTo>
+                  <a:close/>
+                </a:path>
+              </a:pathLst>
+            </a:custGeom>
+            <a:grpFill/>
+          </p:spPr>
+        </p:sp>
+        <p:sp>
+          <p:nvSpPr>
+            <p:cNvPr id="26" name="TextBox 22">
+              <a:extLst>
+                <a:ext uri="{FF2B5EF4-FFF2-40B4-BE49-F238E27FC236}">
+                  <a16:creationId xmlns:a16="http://schemas.microsoft.com/office/drawing/2014/main" id="{B29CDF4C-1B7A-F172-30CA-EF69203CB0A4}"/>
+                </a:ext>
+              </a:extLst>
+            </p:cNvPr>
+            <p:cNvSpPr txBox="1"/>
+            <p:nvPr/>
+          </p:nvSpPr>
+          <p:spPr>
+            <a:xfrm>
+              <a:off x="0" y="0"/>
+              <a:ext cx="635063" cy="103796"/>
+            </a:xfrm>
+            <a:prstGeom prst="rect">
+              <a:avLst/>
+            </a:prstGeom>
+            <a:grpFill/>
+          </p:spPr>
+          <p:txBody>
+            <a:bodyPr lIns="0" tIns="0" rIns="0" bIns="0" rtlCol="0" anchor="ctr"/>
+            <a:lstStyle/>
+            <a:p>
+              <a:pPr algn="ctr">
+                <a:lnSpc>
+                  <a:spcPts val="1110"/>
+                </a:lnSpc>
+              </a:pPr>
+              <a:endParaRPr/>
+            </a:p>
+          </p:txBody>
+        </p:sp>
+      </p:grpSp>
+      <p:sp>
+        <p:nvSpPr>
+          <p:cNvPr id="27" name="TextBox 160">
+            <a:extLst>
+              <a:ext uri="{FF2B5EF4-FFF2-40B4-BE49-F238E27FC236}">
+                <a16:creationId xmlns:a16="http://schemas.microsoft.com/office/drawing/2014/main" id="{67606148-840D-DD3F-0BE0-F5A5F7B4B7A6}"/>
+              </a:ext>
+            </a:extLst>
+          </p:cNvPr>
+          <p:cNvSpPr txBox="1"/>
+          <p:nvPr/>
+        </p:nvSpPr>
+        <p:spPr>
+          <a:xfrm>
+            <a:off x="328973" y="6553127"/>
+            <a:ext cx="1604710" cy="142240"/>
+          </a:xfrm>
+          <a:prstGeom prst="rect">
+            <a:avLst/>
+          </a:prstGeom>
+        </p:spPr>
+        <p:txBody>
+          <a:bodyPr lIns="0" tIns="0" rIns="0" bIns="0" rtlCol="0" anchor="t">
+            <a:spAutoFit/>
+          </a:bodyPr>
+          <a:lstStyle/>
+          <a:p>
+            <a:pPr algn="l">
+              <a:lnSpc>
+                <a:spcPts val="1110"/>
+              </a:lnSpc>
+            </a:pPr>
+            <a:r>
+              <a:rPr lang="en-US" sz="1000" b="1" spc="-45">
+                <a:solidFill>
+                  <a:schemeClr val="tx1"/>
+                </a:solidFill>
+                <a:latin typeface="Bricolage Grotesque 18 Bold" panose="020B0605040402000204"/>
+                <a:ea typeface="Bricolage Grotesque 18 Bold" panose="020B0605040402000204"/>
+                <a:cs typeface="Bricolage Grotesque 18 Bold" panose="020B0605040402000204"/>
+                <a:sym typeface="Bricolage Grotesque 18 Bold" panose="020B0605040402000204"/>
+              </a:rPr>
+              <a:t>Deployment of System</a:t>
+            </a:r>
+          </a:p>
+        </p:txBody>
+      </p:sp>
+      <p:grpSp>
+        <p:nvGrpSpPr>
+          <p:cNvPr id="28" name="Group 102">
+            <a:extLst>
+              <a:ext uri="{FF2B5EF4-FFF2-40B4-BE49-F238E27FC236}">
+                <a16:creationId xmlns:a16="http://schemas.microsoft.com/office/drawing/2014/main" id="{A2C5F7DC-0CD6-EFA3-AD89-85D15516B052}"/>
+              </a:ext>
+            </a:extLst>
+          </p:cNvPr>
+          <p:cNvGrpSpPr/>
+          <p:nvPr/>
+        </p:nvGrpSpPr>
+        <p:grpSpPr>
+          <a:xfrm>
+            <a:off x="2286000" y="1600200"/>
+            <a:ext cx="715010" cy="199390"/>
+            <a:chOff x="0" y="0"/>
+            <a:chExt cx="941261" cy="73954"/>
+          </a:xfrm>
+        </p:grpSpPr>
+        <p:sp>
+          <p:nvSpPr>
+            <p:cNvPr id="29" name="Freeform 103">
+              <a:extLst>
+                <a:ext uri="{FF2B5EF4-FFF2-40B4-BE49-F238E27FC236}">
+                  <a16:creationId xmlns:a16="http://schemas.microsoft.com/office/drawing/2014/main" id="{55DA8A20-EEF6-A1AB-CEAA-66355B5FD79E}"/>
+                </a:ext>
+              </a:extLst>
+            </p:cNvPr>
+            <p:cNvSpPr/>
+            <p:nvPr/>
+          </p:nvSpPr>
+          <p:spPr>
+            <a:xfrm>
+              <a:off x="0" y="0"/>
+              <a:ext cx="941261" cy="73954"/>
+            </a:xfrm>
+            <a:custGeom>
+              <a:avLst/>
+              <a:gdLst/>
+              <a:ahLst/>
+              <a:cxnLst/>
+              <a:rect l="l" t="t" r="r" b="b"/>
+              <a:pathLst>
+                <a:path w="941261" h="73954">
+                  <a:moveTo>
+                    <a:pt x="0" y="0"/>
+                  </a:moveTo>
+                  <a:lnTo>
+                    <a:pt x="941261" y="0"/>
+                  </a:lnTo>
+                  <a:lnTo>
+                    <a:pt x="941261" y="73954"/>
+                  </a:lnTo>
+                  <a:lnTo>
+                    <a:pt x="0" y="73954"/>
+                  </a:lnTo>
+                  <a:close/>
+                </a:path>
+              </a:pathLst>
+            </a:custGeom>
+            <a:solidFill>
+              <a:srgbClr val="FCB624"/>
+            </a:solidFill>
+          </p:spPr>
+          <p:txBody>
+            <a:bodyPr/>
+            <a:lstStyle/>
+            <a:p>
+              <a:r>
+                <a:rPr lang="en-US" sz="1200" dirty="0"/>
+                <a:t>ABCDJJ</a:t>
+              </a:r>
+            </a:p>
+          </p:txBody>
+        </p:sp>
+        <p:sp>
+          <p:nvSpPr>
+            <p:cNvPr id="30" name="TextBox 104">
+              <a:extLst>
+                <a:ext uri="{FF2B5EF4-FFF2-40B4-BE49-F238E27FC236}">
+                  <a16:creationId xmlns:a16="http://schemas.microsoft.com/office/drawing/2014/main" id="{1AC409DA-04D8-3383-1E8F-2C6908D452FA}"/>
+                </a:ext>
+              </a:extLst>
+            </p:cNvPr>
+            <p:cNvSpPr txBox="1"/>
+            <p:nvPr/>
+          </p:nvSpPr>
+          <p:spPr>
+            <a:xfrm>
+              <a:off x="0" y="0"/>
+              <a:ext cx="941261" cy="73954"/>
+            </a:xfrm>
+            <a:prstGeom prst="rect">
+              <a:avLst/>
+            </a:prstGeom>
+          </p:spPr>
+          <p:txBody>
+            <a:bodyPr lIns="50800" tIns="50800" rIns="50800" bIns="50800" rtlCol="0" anchor="ctr"/>
+            <a:lstStyle/>
+            <a:p>
+              <a:pPr algn="ctr">
+                <a:lnSpc>
+                  <a:spcPts val="1110"/>
+                </a:lnSpc>
+              </a:pPr>
+              <a:endParaRPr/>
+            </a:p>
+          </p:txBody>
+        </p:sp>
+      </p:grpSp>
+      <p:grpSp>
+        <p:nvGrpSpPr>
+          <p:cNvPr id="31" name="Group 102">
+            <a:extLst>
+              <a:ext uri="{FF2B5EF4-FFF2-40B4-BE49-F238E27FC236}">
+                <a16:creationId xmlns:a16="http://schemas.microsoft.com/office/drawing/2014/main" id="{6085FA55-940B-E62F-183C-9BA7F1CA0E4D}"/>
+              </a:ext>
+            </a:extLst>
+          </p:cNvPr>
+          <p:cNvGrpSpPr/>
+          <p:nvPr/>
+        </p:nvGrpSpPr>
+        <p:grpSpPr>
+          <a:xfrm>
+            <a:off x="3020060" y="2161509"/>
+            <a:ext cx="715010" cy="199390"/>
+            <a:chOff x="0" y="0"/>
+            <a:chExt cx="941261" cy="73954"/>
+          </a:xfrm>
+        </p:grpSpPr>
+        <p:sp>
+          <p:nvSpPr>
+            <p:cNvPr id="33" name="Freeform 103">
+              <a:extLst>
+                <a:ext uri="{FF2B5EF4-FFF2-40B4-BE49-F238E27FC236}">
+                  <a16:creationId xmlns:a16="http://schemas.microsoft.com/office/drawing/2014/main" id="{D4EEDB63-31F1-ACAB-D9A5-0EEC59DB22E2}"/>
+                </a:ext>
+              </a:extLst>
+            </p:cNvPr>
+            <p:cNvSpPr/>
+            <p:nvPr/>
+          </p:nvSpPr>
+          <p:spPr>
+            <a:xfrm>
+              <a:off x="0" y="0"/>
+              <a:ext cx="941261" cy="73954"/>
+            </a:xfrm>
+            <a:custGeom>
+              <a:avLst/>
+              <a:gdLst/>
+              <a:ahLst/>
+              <a:cxnLst/>
+              <a:rect l="l" t="t" r="r" b="b"/>
+              <a:pathLst>
+                <a:path w="941261" h="73954">
+                  <a:moveTo>
+                    <a:pt x="0" y="0"/>
+                  </a:moveTo>
+                  <a:lnTo>
+                    <a:pt x="941261" y="0"/>
+                  </a:lnTo>
+                  <a:lnTo>
+                    <a:pt x="941261" y="73954"/>
+                  </a:lnTo>
+                  <a:lnTo>
+                    <a:pt x="0" y="73954"/>
+                  </a:lnTo>
+                  <a:close/>
+                </a:path>
+              </a:pathLst>
+            </a:custGeom>
+            <a:solidFill>
+              <a:srgbClr val="FCB624"/>
+            </a:solidFill>
+          </p:spPr>
+          <p:txBody>
+            <a:bodyPr/>
+            <a:lstStyle/>
+            <a:p>
+              <a:r>
+                <a:rPr lang="en-US" sz="1200" dirty="0"/>
+                <a:t>ABCDJJ</a:t>
+              </a:r>
+            </a:p>
+          </p:txBody>
+        </p:sp>
+        <p:sp>
+          <p:nvSpPr>
+            <p:cNvPr id="35" name="TextBox 104">
+              <a:extLst>
+                <a:ext uri="{FF2B5EF4-FFF2-40B4-BE49-F238E27FC236}">
+                  <a16:creationId xmlns:a16="http://schemas.microsoft.com/office/drawing/2014/main" id="{2CF81D23-C50E-BA50-43D6-ECE15DA5D709}"/>
+                </a:ext>
+              </a:extLst>
+            </p:cNvPr>
+            <p:cNvSpPr txBox="1"/>
+            <p:nvPr/>
+          </p:nvSpPr>
+          <p:spPr>
+            <a:xfrm>
+              <a:off x="0" y="0"/>
+              <a:ext cx="941261" cy="73954"/>
+            </a:xfrm>
+            <a:prstGeom prst="rect">
+              <a:avLst/>
+            </a:prstGeom>
+          </p:spPr>
+          <p:txBody>
+            <a:bodyPr lIns="50800" tIns="50800" rIns="50800" bIns="50800" rtlCol="0" anchor="ctr"/>
+            <a:lstStyle/>
+            <a:p>
+              <a:pPr algn="ctr">
+                <a:lnSpc>
+                  <a:spcPts val="1110"/>
+                </a:lnSpc>
+              </a:pPr>
+              <a:endParaRPr/>
+            </a:p>
+          </p:txBody>
+        </p:sp>
+      </p:grpSp>
+      <p:grpSp>
+        <p:nvGrpSpPr>
+          <p:cNvPr id="36" name="Group 102">
+            <a:extLst>
+              <a:ext uri="{FF2B5EF4-FFF2-40B4-BE49-F238E27FC236}">
+                <a16:creationId xmlns:a16="http://schemas.microsoft.com/office/drawing/2014/main" id="{AC4C9B45-03AE-4148-EB80-955BC67A85FD}"/>
+              </a:ext>
+            </a:extLst>
+          </p:cNvPr>
+          <p:cNvGrpSpPr/>
+          <p:nvPr/>
+        </p:nvGrpSpPr>
+        <p:grpSpPr>
+          <a:xfrm>
+            <a:off x="7315200" y="2861549"/>
+            <a:ext cx="533400" cy="262651"/>
+            <a:chOff x="0" y="0"/>
+            <a:chExt cx="941261" cy="73954"/>
+          </a:xfrm>
+        </p:grpSpPr>
+        <p:sp>
+          <p:nvSpPr>
+            <p:cNvPr id="37" name="Freeform 103">
+              <a:extLst>
+                <a:ext uri="{FF2B5EF4-FFF2-40B4-BE49-F238E27FC236}">
+                  <a16:creationId xmlns:a16="http://schemas.microsoft.com/office/drawing/2014/main" id="{BA9C3D84-A819-0830-B9FB-1D36C88CA77D}"/>
+                </a:ext>
+              </a:extLst>
+            </p:cNvPr>
+            <p:cNvSpPr/>
+            <p:nvPr/>
+          </p:nvSpPr>
+          <p:spPr>
+            <a:xfrm>
+              <a:off x="0" y="0"/>
+              <a:ext cx="941261" cy="73954"/>
+            </a:xfrm>
+            <a:custGeom>
+              <a:avLst/>
+              <a:gdLst/>
+              <a:ahLst/>
+              <a:cxnLst/>
+              <a:rect l="l" t="t" r="r" b="b"/>
+              <a:pathLst>
+                <a:path w="941261" h="73954">
+                  <a:moveTo>
+                    <a:pt x="0" y="0"/>
+                  </a:moveTo>
+                  <a:lnTo>
+                    <a:pt x="941261" y="0"/>
+                  </a:lnTo>
+                  <a:lnTo>
+                    <a:pt x="941261" y="73954"/>
+                  </a:lnTo>
+                  <a:lnTo>
+                    <a:pt x="0" y="73954"/>
+                  </a:lnTo>
+                  <a:close/>
+                </a:path>
+              </a:pathLst>
+            </a:custGeom>
+            <a:solidFill>
+              <a:srgbClr val="FCB624"/>
+            </a:solidFill>
+          </p:spPr>
+          <p:txBody>
+            <a:bodyPr/>
+            <a:lstStyle/>
+            <a:p>
+              <a:endParaRPr lang="en-US" dirty="0"/>
+            </a:p>
+          </p:txBody>
+        </p:sp>
+        <p:sp>
+          <p:nvSpPr>
+            <p:cNvPr id="38" name="TextBox 104">
+              <a:extLst>
+                <a:ext uri="{FF2B5EF4-FFF2-40B4-BE49-F238E27FC236}">
+                  <a16:creationId xmlns:a16="http://schemas.microsoft.com/office/drawing/2014/main" id="{0EE42252-8365-14C1-46DD-CEACE3C37957}"/>
+                </a:ext>
+              </a:extLst>
+            </p:cNvPr>
+            <p:cNvSpPr txBox="1"/>
+            <p:nvPr/>
+          </p:nvSpPr>
+          <p:spPr>
+            <a:xfrm>
+              <a:off x="0" y="0"/>
+              <a:ext cx="941261" cy="73954"/>
+            </a:xfrm>
+            <a:prstGeom prst="rect">
+              <a:avLst/>
+            </a:prstGeom>
+          </p:spPr>
+          <p:txBody>
+            <a:bodyPr lIns="50800" tIns="50800" rIns="50800" bIns="50800" rtlCol="0" anchor="ctr"/>
+            <a:lstStyle/>
+            <a:p>
+              <a:pPr algn="ctr">
+                <a:lnSpc>
+                  <a:spcPts val="1110"/>
+                </a:lnSpc>
+              </a:pPr>
+              <a:endParaRPr/>
+            </a:p>
+          </p:txBody>
+        </p:sp>
+      </p:grpSp>
+      <p:grpSp>
+        <p:nvGrpSpPr>
+          <p:cNvPr id="39" name="Group 102">
+            <a:extLst>
+              <a:ext uri="{FF2B5EF4-FFF2-40B4-BE49-F238E27FC236}">
+                <a16:creationId xmlns:a16="http://schemas.microsoft.com/office/drawing/2014/main" id="{5AAABC18-C18D-835F-2ADF-517D6DC5B0AD}"/>
+              </a:ext>
+            </a:extLst>
+          </p:cNvPr>
+          <p:cNvGrpSpPr/>
+          <p:nvPr/>
+        </p:nvGrpSpPr>
+        <p:grpSpPr>
+          <a:xfrm>
+            <a:off x="7315200" y="3166349"/>
+            <a:ext cx="228600" cy="262651"/>
+            <a:chOff x="0" y="0"/>
+            <a:chExt cx="941261" cy="73954"/>
+          </a:xfrm>
+        </p:grpSpPr>
+        <p:sp>
+          <p:nvSpPr>
+            <p:cNvPr id="40" name="Freeform 103">
+              <a:extLst>
+                <a:ext uri="{FF2B5EF4-FFF2-40B4-BE49-F238E27FC236}">
+                  <a16:creationId xmlns:a16="http://schemas.microsoft.com/office/drawing/2014/main" id="{91D76841-4B24-6D40-ED58-1754A51C7757}"/>
+                </a:ext>
+              </a:extLst>
+            </p:cNvPr>
+            <p:cNvSpPr/>
+            <p:nvPr/>
+          </p:nvSpPr>
+          <p:spPr>
+            <a:xfrm>
+              <a:off x="0" y="0"/>
+              <a:ext cx="941261" cy="73954"/>
+            </a:xfrm>
+            <a:custGeom>
+              <a:avLst/>
+              <a:gdLst/>
+              <a:ahLst/>
+              <a:cxnLst/>
+              <a:rect l="l" t="t" r="r" b="b"/>
+              <a:pathLst>
+                <a:path w="941261" h="73954">
+                  <a:moveTo>
+                    <a:pt x="0" y="0"/>
+                  </a:moveTo>
+                  <a:lnTo>
+                    <a:pt x="941261" y="0"/>
+                  </a:lnTo>
+                  <a:lnTo>
+                    <a:pt x="941261" y="73954"/>
+                  </a:lnTo>
+                  <a:lnTo>
+                    <a:pt x="0" y="73954"/>
+                  </a:lnTo>
+                  <a:close/>
+                </a:path>
+              </a:pathLst>
+            </a:custGeom>
+            <a:solidFill>
+              <a:srgbClr val="FCB624"/>
+            </a:solidFill>
+          </p:spPr>
+        </p:sp>
+        <p:sp>
+          <p:nvSpPr>
+            <p:cNvPr id="44" name="TextBox 104">
+              <a:extLst>
+                <a:ext uri="{FF2B5EF4-FFF2-40B4-BE49-F238E27FC236}">
+                  <a16:creationId xmlns:a16="http://schemas.microsoft.com/office/drawing/2014/main" id="{F24D47D5-CE7C-47EB-59CF-D29CA758D029}"/>
+                </a:ext>
+              </a:extLst>
+            </p:cNvPr>
+            <p:cNvSpPr txBox="1"/>
+            <p:nvPr/>
+          </p:nvSpPr>
+          <p:spPr>
+            <a:xfrm>
+              <a:off x="0" y="0"/>
+              <a:ext cx="941261" cy="73954"/>
+            </a:xfrm>
+            <a:prstGeom prst="rect">
+              <a:avLst/>
+            </a:prstGeom>
+          </p:spPr>
+          <p:txBody>
+            <a:bodyPr lIns="50800" tIns="50800" rIns="50800" bIns="50800" rtlCol="0" anchor="ctr"/>
+            <a:lstStyle/>
+            <a:p>
+              <a:pPr algn="ctr">
+                <a:lnSpc>
+                  <a:spcPts val="1110"/>
+                </a:lnSpc>
+              </a:pPr>
+              <a:endParaRPr/>
+            </a:p>
+          </p:txBody>
+        </p:sp>
+      </p:grpSp>
+      <p:grpSp>
+        <p:nvGrpSpPr>
+          <p:cNvPr id="45" name="Group 102">
+            <a:extLst>
+              <a:ext uri="{FF2B5EF4-FFF2-40B4-BE49-F238E27FC236}">
+                <a16:creationId xmlns:a16="http://schemas.microsoft.com/office/drawing/2014/main" id="{D3D904E4-5943-F8B0-8A5E-4145B830CE3E}"/>
+              </a:ext>
+            </a:extLst>
+          </p:cNvPr>
+          <p:cNvGrpSpPr/>
+          <p:nvPr/>
+        </p:nvGrpSpPr>
+        <p:grpSpPr>
+          <a:xfrm>
+            <a:off x="8048790" y="3166349"/>
+            <a:ext cx="704517" cy="262651"/>
+            <a:chOff x="0" y="0"/>
+            <a:chExt cx="941261" cy="73954"/>
+          </a:xfrm>
+        </p:grpSpPr>
+        <p:sp>
+          <p:nvSpPr>
+            <p:cNvPr id="46" name="Freeform 103">
+              <a:extLst>
+                <a:ext uri="{FF2B5EF4-FFF2-40B4-BE49-F238E27FC236}">
+                  <a16:creationId xmlns:a16="http://schemas.microsoft.com/office/drawing/2014/main" id="{DA6BFFD8-2D0C-F7FD-4ACB-82095116A7B4}"/>
+                </a:ext>
+              </a:extLst>
+            </p:cNvPr>
+            <p:cNvSpPr/>
+            <p:nvPr/>
+          </p:nvSpPr>
+          <p:spPr>
+            <a:xfrm>
+              <a:off x="0" y="0"/>
+              <a:ext cx="941261" cy="73954"/>
+            </a:xfrm>
+            <a:custGeom>
+              <a:avLst/>
+              <a:gdLst/>
+              <a:ahLst/>
+              <a:cxnLst/>
+              <a:rect l="l" t="t" r="r" b="b"/>
+              <a:pathLst>
+                <a:path w="941261" h="73954">
+                  <a:moveTo>
+                    <a:pt x="0" y="0"/>
+                  </a:moveTo>
+                  <a:lnTo>
+                    <a:pt x="941261" y="0"/>
+                  </a:lnTo>
+                  <a:lnTo>
+                    <a:pt x="941261" y="73954"/>
+                  </a:lnTo>
+                  <a:lnTo>
+                    <a:pt x="0" y="73954"/>
+                  </a:lnTo>
+                  <a:close/>
+                </a:path>
+              </a:pathLst>
+            </a:custGeom>
+            <a:solidFill>
+              <a:srgbClr val="FCB624"/>
+            </a:solidFill>
+          </p:spPr>
+        </p:sp>
+        <p:sp>
+          <p:nvSpPr>
+            <p:cNvPr id="47" name="TextBox 104">
+              <a:extLst>
+                <a:ext uri="{FF2B5EF4-FFF2-40B4-BE49-F238E27FC236}">
+                  <a16:creationId xmlns:a16="http://schemas.microsoft.com/office/drawing/2014/main" id="{4B36791D-15F6-2553-BB17-9B4EDE24EAD1}"/>
+                </a:ext>
+              </a:extLst>
+            </p:cNvPr>
+            <p:cNvSpPr txBox="1"/>
+            <p:nvPr/>
+          </p:nvSpPr>
+          <p:spPr>
+            <a:xfrm>
+              <a:off x="0" y="0"/>
+              <a:ext cx="941261" cy="73954"/>
+            </a:xfrm>
+            <a:prstGeom prst="rect">
+              <a:avLst/>
+            </a:prstGeom>
+          </p:spPr>
+          <p:txBody>
+            <a:bodyPr lIns="50800" tIns="50800" rIns="50800" bIns="50800" rtlCol="0" anchor="ctr"/>
+            <a:lstStyle/>
+            <a:p>
+              <a:pPr algn="ctr">
+                <a:lnSpc>
+                  <a:spcPts val="1110"/>
+                </a:lnSpc>
+              </a:pPr>
+              <a:endParaRPr/>
+            </a:p>
+          </p:txBody>
+        </p:sp>
+      </p:grpSp>
+      <p:grpSp>
+        <p:nvGrpSpPr>
+          <p:cNvPr id="48" name="Group 102">
+            <a:extLst>
+              <a:ext uri="{FF2B5EF4-FFF2-40B4-BE49-F238E27FC236}">
+                <a16:creationId xmlns:a16="http://schemas.microsoft.com/office/drawing/2014/main" id="{31BBE83A-2372-11E9-86E6-C1C9CB712614}"/>
+              </a:ext>
+            </a:extLst>
+          </p:cNvPr>
+          <p:cNvGrpSpPr/>
+          <p:nvPr/>
+        </p:nvGrpSpPr>
+        <p:grpSpPr>
+          <a:xfrm>
+            <a:off x="8048789" y="3471149"/>
+            <a:ext cx="704517" cy="262651"/>
+            <a:chOff x="0" y="0"/>
+            <a:chExt cx="941261" cy="73954"/>
+          </a:xfrm>
+        </p:grpSpPr>
+        <p:sp>
+          <p:nvSpPr>
+            <p:cNvPr id="49" name="Freeform 103">
+              <a:extLst>
+                <a:ext uri="{FF2B5EF4-FFF2-40B4-BE49-F238E27FC236}">
+                  <a16:creationId xmlns:a16="http://schemas.microsoft.com/office/drawing/2014/main" id="{31D36078-ADDF-7D00-297A-5FAB02A5268B}"/>
+                </a:ext>
+              </a:extLst>
+            </p:cNvPr>
+            <p:cNvSpPr/>
+            <p:nvPr/>
+          </p:nvSpPr>
+          <p:spPr>
+            <a:xfrm>
+              <a:off x="0" y="0"/>
+              <a:ext cx="941261" cy="73954"/>
+            </a:xfrm>
+            <a:custGeom>
+              <a:avLst/>
+              <a:gdLst/>
+              <a:ahLst/>
+              <a:cxnLst/>
+              <a:rect l="l" t="t" r="r" b="b"/>
+              <a:pathLst>
+                <a:path w="941261" h="73954">
+                  <a:moveTo>
+                    <a:pt x="0" y="0"/>
+                  </a:moveTo>
+                  <a:lnTo>
+                    <a:pt x="941261" y="0"/>
+                  </a:lnTo>
+                  <a:lnTo>
+                    <a:pt x="941261" y="73954"/>
+                  </a:lnTo>
+                  <a:lnTo>
+                    <a:pt x="0" y="73954"/>
+                  </a:lnTo>
+                  <a:close/>
+                </a:path>
+              </a:pathLst>
+            </a:custGeom>
+            <a:solidFill>
+              <a:srgbClr val="FCB624"/>
+            </a:solidFill>
+          </p:spPr>
+        </p:sp>
+        <p:sp>
+          <p:nvSpPr>
+            <p:cNvPr id="50" name="TextBox 104">
+              <a:extLst>
+                <a:ext uri="{FF2B5EF4-FFF2-40B4-BE49-F238E27FC236}">
+                  <a16:creationId xmlns:a16="http://schemas.microsoft.com/office/drawing/2014/main" id="{8C2B4261-BD88-8A2D-3ABD-357B167F78C4}"/>
+                </a:ext>
+              </a:extLst>
+            </p:cNvPr>
+            <p:cNvSpPr txBox="1"/>
+            <p:nvPr/>
+          </p:nvSpPr>
+          <p:spPr>
+            <a:xfrm>
+              <a:off x="0" y="0"/>
+              <a:ext cx="941261" cy="73954"/>
+            </a:xfrm>
+            <a:prstGeom prst="rect">
+              <a:avLst/>
+            </a:prstGeom>
+          </p:spPr>
+          <p:txBody>
+            <a:bodyPr lIns="50800" tIns="50800" rIns="50800" bIns="50800" rtlCol="0" anchor="ctr"/>
+            <a:lstStyle/>
+            <a:p>
+              <a:pPr algn="ctr">
+                <a:lnSpc>
+                  <a:spcPts val="1110"/>
+                </a:lnSpc>
+              </a:pPr>
+              <a:endParaRPr/>
+            </a:p>
+          </p:txBody>
+        </p:sp>
+      </p:grpSp>
+      <p:grpSp>
+        <p:nvGrpSpPr>
+          <p:cNvPr id="51" name="Group 102">
+            <a:extLst>
+              <a:ext uri="{FF2B5EF4-FFF2-40B4-BE49-F238E27FC236}">
+                <a16:creationId xmlns:a16="http://schemas.microsoft.com/office/drawing/2014/main" id="{04F4C3FA-DE0D-6A06-9459-C4A1A3E5AD8F}"/>
+              </a:ext>
+            </a:extLst>
+          </p:cNvPr>
+          <p:cNvGrpSpPr/>
+          <p:nvPr/>
+        </p:nvGrpSpPr>
+        <p:grpSpPr>
+          <a:xfrm>
+            <a:off x="8534400" y="3775949"/>
+            <a:ext cx="209215" cy="262651"/>
+            <a:chOff x="0" y="0"/>
+            <a:chExt cx="941261" cy="73954"/>
+          </a:xfrm>
+        </p:grpSpPr>
+        <p:sp>
+          <p:nvSpPr>
+            <p:cNvPr id="52" name="Freeform 103">
+              <a:extLst>
+                <a:ext uri="{FF2B5EF4-FFF2-40B4-BE49-F238E27FC236}">
+                  <a16:creationId xmlns:a16="http://schemas.microsoft.com/office/drawing/2014/main" id="{52F578D4-4EC3-AD80-8680-538A0A5ECBDC}"/>
+                </a:ext>
+              </a:extLst>
+            </p:cNvPr>
+            <p:cNvSpPr/>
+            <p:nvPr/>
+          </p:nvSpPr>
+          <p:spPr>
+            <a:xfrm>
+              <a:off x="0" y="0"/>
+              <a:ext cx="941261" cy="73954"/>
+            </a:xfrm>
+            <a:custGeom>
+              <a:avLst/>
+              <a:gdLst/>
+              <a:ahLst/>
+              <a:cxnLst/>
+              <a:rect l="l" t="t" r="r" b="b"/>
+              <a:pathLst>
+                <a:path w="941261" h="73954">
+                  <a:moveTo>
+                    <a:pt x="0" y="0"/>
+                  </a:moveTo>
+                  <a:lnTo>
+                    <a:pt x="941261" y="0"/>
+                  </a:lnTo>
+                  <a:lnTo>
+                    <a:pt x="941261" y="73954"/>
+                  </a:lnTo>
+                  <a:lnTo>
+                    <a:pt x="0" y="73954"/>
+                  </a:lnTo>
+                  <a:close/>
+                </a:path>
+              </a:pathLst>
+            </a:custGeom>
+            <a:solidFill>
+              <a:srgbClr val="FCB624"/>
+            </a:solidFill>
+          </p:spPr>
+        </p:sp>
+        <p:sp>
+          <p:nvSpPr>
+            <p:cNvPr id="53" name="TextBox 104">
+              <a:extLst>
+                <a:ext uri="{FF2B5EF4-FFF2-40B4-BE49-F238E27FC236}">
+                  <a16:creationId xmlns:a16="http://schemas.microsoft.com/office/drawing/2014/main" id="{575EFCD1-D5D9-D829-7317-4079F75703B4}"/>
+                </a:ext>
+              </a:extLst>
+            </p:cNvPr>
+            <p:cNvSpPr txBox="1"/>
+            <p:nvPr/>
+          </p:nvSpPr>
+          <p:spPr>
+            <a:xfrm>
+              <a:off x="0" y="0"/>
+              <a:ext cx="941261" cy="73954"/>
+            </a:xfrm>
+            <a:prstGeom prst="rect">
+              <a:avLst/>
+            </a:prstGeom>
+          </p:spPr>
+          <p:txBody>
+            <a:bodyPr lIns="50800" tIns="50800" rIns="50800" bIns="50800" rtlCol="0" anchor="ctr"/>
+            <a:lstStyle/>
+            <a:p>
+              <a:pPr algn="ctr">
+                <a:lnSpc>
+                  <a:spcPts val="1110"/>
+                </a:lnSpc>
+              </a:pPr>
+              <a:endParaRPr/>
+            </a:p>
+          </p:txBody>
+        </p:sp>
+      </p:grpSp>
+      <p:grpSp>
+        <p:nvGrpSpPr>
+          <p:cNvPr id="54" name="Group 102">
+            <a:extLst>
+              <a:ext uri="{FF2B5EF4-FFF2-40B4-BE49-F238E27FC236}">
+                <a16:creationId xmlns:a16="http://schemas.microsoft.com/office/drawing/2014/main" id="{C60DE951-5775-7074-E609-C72262CD348D}"/>
+              </a:ext>
+            </a:extLst>
+          </p:cNvPr>
+          <p:cNvGrpSpPr/>
+          <p:nvPr/>
+        </p:nvGrpSpPr>
+        <p:grpSpPr>
+          <a:xfrm>
+            <a:off x="8058482" y="2861549"/>
+            <a:ext cx="704518" cy="262651"/>
+            <a:chOff x="0" y="0"/>
+            <a:chExt cx="941261" cy="73954"/>
+          </a:xfrm>
+        </p:grpSpPr>
+        <p:sp>
+          <p:nvSpPr>
+            <p:cNvPr id="55" name="Freeform 103">
+              <a:extLst>
+                <a:ext uri="{FF2B5EF4-FFF2-40B4-BE49-F238E27FC236}">
+                  <a16:creationId xmlns:a16="http://schemas.microsoft.com/office/drawing/2014/main" id="{EAAE2631-1736-4010-0283-E59C42E72818}"/>
+                </a:ext>
+              </a:extLst>
+            </p:cNvPr>
+            <p:cNvSpPr/>
+            <p:nvPr/>
+          </p:nvSpPr>
+          <p:spPr>
+            <a:xfrm>
+              <a:off x="0" y="0"/>
+              <a:ext cx="941261" cy="73954"/>
+            </a:xfrm>
+            <a:custGeom>
+              <a:avLst/>
+              <a:gdLst/>
+              <a:ahLst/>
+              <a:cxnLst/>
+              <a:rect l="l" t="t" r="r" b="b"/>
+              <a:pathLst>
+                <a:path w="941261" h="73954">
+                  <a:moveTo>
+                    <a:pt x="0" y="0"/>
+                  </a:moveTo>
+                  <a:lnTo>
+                    <a:pt x="941261" y="0"/>
+                  </a:lnTo>
+                  <a:lnTo>
+                    <a:pt x="941261" y="73954"/>
+                  </a:lnTo>
+                  <a:lnTo>
+                    <a:pt x="0" y="73954"/>
+                  </a:lnTo>
+                  <a:close/>
+                </a:path>
+              </a:pathLst>
+            </a:custGeom>
+            <a:solidFill>
+              <a:srgbClr val="FCB624"/>
+            </a:solidFill>
+          </p:spPr>
+        </p:sp>
+        <p:sp>
+          <p:nvSpPr>
+            <p:cNvPr id="56" name="TextBox 104">
+              <a:extLst>
+                <a:ext uri="{FF2B5EF4-FFF2-40B4-BE49-F238E27FC236}">
+                  <a16:creationId xmlns:a16="http://schemas.microsoft.com/office/drawing/2014/main" id="{67D2DEA1-FEC4-521D-4A2F-95FB263D99F1}"/>
+                </a:ext>
+              </a:extLst>
+            </p:cNvPr>
+            <p:cNvSpPr txBox="1"/>
+            <p:nvPr/>
+          </p:nvSpPr>
+          <p:spPr>
+            <a:xfrm>
+              <a:off x="0" y="0"/>
+              <a:ext cx="941261" cy="73954"/>
+            </a:xfrm>
+            <a:prstGeom prst="rect">
+              <a:avLst/>
+            </a:prstGeom>
+          </p:spPr>
+          <p:txBody>
+            <a:bodyPr lIns="50800" tIns="50800" rIns="50800" bIns="50800" rtlCol="0" anchor="ctr"/>
+            <a:lstStyle/>
+            <a:p>
+              <a:pPr algn="ctr">
+                <a:lnSpc>
+                  <a:spcPts val="1110"/>
+                </a:lnSpc>
+              </a:pPr>
+              <a:endParaRPr/>
+            </a:p>
+          </p:txBody>
+        </p:sp>
+      </p:grpSp>
+      <p:grpSp>
+        <p:nvGrpSpPr>
+          <p:cNvPr id="61" name="Group 102">
+            <a:extLst>
+              <a:ext uri="{FF2B5EF4-FFF2-40B4-BE49-F238E27FC236}">
+                <a16:creationId xmlns:a16="http://schemas.microsoft.com/office/drawing/2014/main" id="{9998D994-4AF4-2D50-CC1A-0EB4B809EFA2}"/>
+              </a:ext>
+            </a:extLst>
+          </p:cNvPr>
+          <p:cNvGrpSpPr/>
+          <p:nvPr/>
+        </p:nvGrpSpPr>
+        <p:grpSpPr>
+          <a:xfrm>
+            <a:off x="8534400" y="4080749"/>
+            <a:ext cx="209215" cy="262651"/>
+            <a:chOff x="0" y="0"/>
+            <a:chExt cx="941261" cy="73954"/>
+          </a:xfrm>
+        </p:grpSpPr>
+        <p:sp>
+          <p:nvSpPr>
+            <p:cNvPr id="62" name="Freeform 103">
+              <a:extLst>
+                <a:ext uri="{FF2B5EF4-FFF2-40B4-BE49-F238E27FC236}">
+                  <a16:creationId xmlns:a16="http://schemas.microsoft.com/office/drawing/2014/main" id="{2DFF8621-3033-1A3A-0CA6-702B68FED1B3}"/>
+                </a:ext>
+              </a:extLst>
+            </p:cNvPr>
+            <p:cNvSpPr/>
+            <p:nvPr/>
+          </p:nvSpPr>
+          <p:spPr>
+            <a:xfrm>
+              <a:off x="0" y="0"/>
+              <a:ext cx="941261" cy="73954"/>
+            </a:xfrm>
+            <a:custGeom>
+              <a:avLst/>
+              <a:gdLst/>
+              <a:ahLst/>
+              <a:cxnLst/>
+              <a:rect l="l" t="t" r="r" b="b"/>
+              <a:pathLst>
+                <a:path w="941261" h="73954">
+                  <a:moveTo>
+                    <a:pt x="0" y="0"/>
+                  </a:moveTo>
+                  <a:lnTo>
+                    <a:pt x="941261" y="0"/>
+                  </a:lnTo>
+                  <a:lnTo>
+                    <a:pt x="941261" y="73954"/>
+                  </a:lnTo>
+                  <a:lnTo>
+                    <a:pt x="0" y="73954"/>
+                  </a:lnTo>
+                  <a:close/>
+                </a:path>
+              </a:pathLst>
+            </a:custGeom>
+            <a:solidFill>
+              <a:srgbClr val="FCB624"/>
+            </a:solidFill>
+          </p:spPr>
+        </p:sp>
+        <p:sp>
+          <p:nvSpPr>
+            <p:cNvPr id="63" name="TextBox 104">
+              <a:extLst>
+                <a:ext uri="{FF2B5EF4-FFF2-40B4-BE49-F238E27FC236}">
+                  <a16:creationId xmlns:a16="http://schemas.microsoft.com/office/drawing/2014/main" id="{670000AE-F072-7344-F72E-B8AD83719F6C}"/>
+                </a:ext>
+              </a:extLst>
+            </p:cNvPr>
+            <p:cNvSpPr txBox="1"/>
+            <p:nvPr/>
+          </p:nvSpPr>
+          <p:spPr>
+            <a:xfrm>
+              <a:off x="0" y="0"/>
+              <a:ext cx="941261" cy="73954"/>
+            </a:xfrm>
+            <a:prstGeom prst="rect">
+              <a:avLst/>
+            </a:prstGeom>
+          </p:spPr>
+          <p:txBody>
+            <a:bodyPr lIns="50800" tIns="50800" rIns="50800" bIns="50800" rtlCol="0" anchor="ctr"/>
+            <a:lstStyle/>
+            <a:p>
+              <a:pPr algn="ctr">
+                <a:lnSpc>
+                  <a:spcPts val="1110"/>
+                </a:lnSpc>
+              </a:pPr>
+              <a:endParaRPr/>
+            </a:p>
+          </p:txBody>
+        </p:sp>
+      </p:grpSp>
+      <p:grpSp>
+        <p:nvGrpSpPr>
+          <p:cNvPr id="128" name="Group 102">
+            <a:extLst>
+              <a:ext uri="{FF2B5EF4-FFF2-40B4-BE49-F238E27FC236}">
+                <a16:creationId xmlns:a16="http://schemas.microsoft.com/office/drawing/2014/main" id="{D4438AFB-9D32-2A48-A38E-4015971EE8FE}"/>
+              </a:ext>
+            </a:extLst>
+          </p:cNvPr>
+          <p:cNvGrpSpPr/>
+          <p:nvPr/>
+        </p:nvGrpSpPr>
+        <p:grpSpPr>
+          <a:xfrm>
+            <a:off x="8534399" y="4724400"/>
+            <a:ext cx="209215" cy="262651"/>
+            <a:chOff x="0" y="0"/>
+            <a:chExt cx="941261" cy="73954"/>
+          </a:xfrm>
+        </p:grpSpPr>
+        <p:sp>
+          <p:nvSpPr>
+            <p:cNvPr id="129" name="Freeform 103">
+              <a:extLst>
+                <a:ext uri="{FF2B5EF4-FFF2-40B4-BE49-F238E27FC236}">
+                  <a16:creationId xmlns:a16="http://schemas.microsoft.com/office/drawing/2014/main" id="{272726F6-EAA1-7A54-3A4B-030FE5444C4B}"/>
+                </a:ext>
+              </a:extLst>
+            </p:cNvPr>
+            <p:cNvSpPr/>
+            <p:nvPr/>
+          </p:nvSpPr>
+          <p:spPr>
+            <a:xfrm>
+              <a:off x="0" y="0"/>
+              <a:ext cx="941261" cy="73954"/>
+            </a:xfrm>
+            <a:custGeom>
+              <a:avLst/>
+              <a:gdLst/>
+              <a:ahLst/>
+              <a:cxnLst/>
+              <a:rect l="l" t="t" r="r" b="b"/>
+              <a:pathLst>
+                <a:path w="941261" h="73954">
+                  <a:moveTo>
+                    <a:pt x="0" y="0"/>
+                  </a:moveTo>
+                  <a:lnTo>
+                    <a:pt x="941261" y="0"/>
+                  </a:lnTo>
+                  <a:lnTo>
+                    <a:pt x="941261" y="73954"/>
+                  </a:lnTo>
+                  <a:lnTo>
+                    <a:pt x="0" y="73954"/>
+                  </a:lnTo>
+                  <a:close/>
+                </a:path>
+              </a:pathLst>
+            </a:custGeom>
+            <a:solidFill>
+              <a:srgbClr val="FCB624"/>
+            </a:solidFill>
+          </p:spPr>
+        </p:sp>
+        <p:sp>
+          <p:nvSpPr>
+            <p:cNvPr id="130" name="TextBox 104">
+              <a:extLst>
+                <a:ext uri="{FF2B5EF4-FFF2-40B4-BE49-F238E27FC236}">
+                  <a16:creationId xmlns:a16="http://schemas.microsoft.com/office/drawing/2014/main" id="{785BD680-D8E0-2C47-0292-5856E4C63599}"/>
+                </a:ext>
+              </a:extLst>
+            </p:cNvPr>
+            <p:cNvSpPr txBox="1"/>
+            <p:nvPr/>
+          </p:nvSpPr>
+          <p:spPr>
+            <a:xfrm>
+              <a:off x="0" y="0"/>
+              <a:ext cx="941261" cy="73954"/>
+            </a:xfrm>
+            <a:prstGeom prst="rect">
+              <a:avLst/>
+            </a:prstGeom>
+          </p:spPr>
+          <p:txBody>
+            <a:bodyPr lIns="50800" tIns="50800" rIns="50800" bIns="50800" rtlCol="0" anchor="ctr"/>
+            <a:lstStyle/>
+            <a:p>
+              <a:pPr algn="ctr">
+                <a:lnSpc>
+                  <a:spcPts val="1110"/>
+                </a:lnSpc>
+              </a:pPr>
+              <a:endParaRPr/>
+            </a:p>
+          </p:txBody>
+        </p:sp>
+      </p:grpSp>
+      <p:grpSp>
+        <p:nvGrpSpPr>
+          <p:cNvPr id="131" name="Group 102">
+            <a:extLst>
+              <a:ext uri="{FF2B5EF4-FFF2-40B4-BE49-F238E27FC236}">
+                <a16:creationId xmlns:a16="http://schemas.microsoft.com/office/drawing/2014/main" id="{98A52AE9-B2DB-10CF-1D1F-2FAF18649132}"/>
+              </a:ext>
+            </a:extLst>
+          </p:cNvPr>
+          <p:cNvGrpSpPr/>
+          <p:nvPr/>
+        </p:nvGrpSpPr>
+        <p:grpSpPr>
+          <a:xfrm>
+            <a:off x="8544091" y="5350228"/>
+            <a:ext cx="209215" cy="262651"/>
+            <a:chOff x="0" y="0"/>
+            <a:chExt cx="941261" cy="73954"/>
+          </a:xfrm>
+        </p:grpSpPr>
+        <p:sp>
+          <p:nvSpPr>
+            <p:cNvPr id="132" name="Freeform 103">
+              <a:extLst>
+                <a:ext uri="{FF2B5EF4-FFF2-40B4-BE49-F238E27FC236}">
+                  <a16:creationId xmlns:a16="http://schemas.microsoft.com/office/drawing/2014/main" id="{AA208D6F-1B38-1F4C-3712-45F330E0DC2C}"/>
+                </a:ext>
+              </a:extLst>
+            </p:cNvPr>
+            <p:cNvSpPr/>
+            <p:nvPr/>
+          </p:nvSpPr>
+          <p:spPr>
+            <a:xfrm>
+              <a:off x="0" y="0"/>
+              <a:ext cx="941261" cy="73954"/>
+            </a:xfrm>
+            <a:custGeom>
+              <a:avLst/>
+              <a:gdLst/>
+              <a:ahLst/>
+              <a:cxnLst/>
+              <a:rect l="l" t="t" r="r" b="b"/>
+              <a:pathLst>
+                <a:path w="941261" h="73954">
+                  <a:moveTo>
+                    <a:pt x="0" y="0"/>
+                  </a:moveTo>
+                  <a:lnTo>
+                    <a:pt x="941261" y="0"/>
+                  </a:lnTo>
+                  <a:lnTo>
+                    <a:pt x="941261" y="73954"/>
+                  </a:lnTo>
+                  <a:lnTo>
+                    <a:pt x="0" y="73954"/>
+                  </a:lnTo>
+                  <a:close/>
+                </a:path>
+              </a:pathLst>
+            </a:custGeom>
+            <a:solidFill>
+              <a:srgbClr val="FCB624"/>
+            </a:solidFill>
+          </p:spPr>
+        </p:sp>
+        <p:sp>
+          <p:nvSpPr>
+            <p:cNvPr id="133" name="TextBox 104">
+              <a:extLst>
+                <a:ext uri="{FF2B5EF4-FFF2-40B4-BE49-F238E27FC236}">
+                  <a16:creationId xmlns:a16="http://schemas.microsoft.com/office/drawing/2014/main" id="{F06CF4C4-6107-3205-AE7C-0F3771085355}"/>
+                </a:ext>
+              </a:extLst>
+            </p:cNvPr>
+            <p:cNvSpPr txBox="1"/>
+            <p:nvPr/>
+          </p:nvSpPr>
+          <p:spPr>
+            <a:xfrm>
+              <a:off x="0" y="0"/>
+              <a:ext cx="941261" cy="73954"/>
+            </a:xfrm>
+            <a:prstGeom prst="rect">
+              <a:avLst/>
+            </a:prstGeom>
+          </p:spPr>
+          <p:txBody>
+            <a:bodyPr lIns="50800" tIns="50800" rIns="50800" bIns="50800" rtlCol="0" anchor="ctr"/>
+            <a:lstStyle/>
+            <a:p>
+              <a:pPr algn="ctr">
+                <a:lnSpc>
+                  <a:spcPts val="1110"/>
+                </a:lnSpc>
+              </a:pPr>
+              <a:endParaRPr/>
+            </a:p>
+          </p:txBody>
+        </p:sp>
+      </p:grpSp>
+      <p:grpSp>
+        <p:nvGrpSpPr>
+          <p:cNvPr id="134" name="Group 102">
+            <a:extLst>
+              <a:ext uri="{FF2B5EF4-FFF2-40B4-BE49-F238E27FC236}">
+                <a16:creationId xmlns:a16="http://schemas.microsoft.com/office/drawing/2014/main" id="{1DCBCA0C-A1F7-5514-5BF7-C3CCD2475C08}"/>
+              </a:ext>
+            </a:extLst>
+          </p:cNvPr>
+          <p:cNvGrpSpPr/>
+          <p:nvPr/>
+        </p:nvGrpSpPr>
+        <p:grpSpPr>
+          <a:xfrm>
+            <a:off x="8717281" y="5935701"/>
+            <a:ext cx="45719" cy="262651"/>
+            <a:chOff x="0" y="0"/>
+            <a:chExt cx="941261" cy="73954"/>
+          </a:xfrm>
+        </p:grpSpPr>
+        <p:sp>
+          <p:nvSpPr>
+            <p:cNvPr id="135" name="Freeform 103">
+              <a:extLst>
+                <a:ext uri="{FF2B5EF4-FFF2-40B4-BE49-F238E27FC236}">
+                  <a16:creationId xmlns:a16="http://schemas.microsoft.com/office/drawing/2014/main" id="{1B3FF48C-EEC7-7463-53FC-1ABCB01074BB}"/>
+                </a:ext>
+              </a:extLst>
+            </p:cNvPr>
+            <p:cNvSpPr/>
+            <p:nvPr/>
+          </p:nvSpPr>
+          <p:spPr>
+            <a:xfrm>
+              <a:off x="0" y="0"/>
+              <a:ext cx="941261" cy="73954"/>
+            </a:xfrm>
+            <a:custGeom>
+              <a:avLst/>
+              <a:gdLst/>
+              <a:ahLst/>
+              <a:cxnLst/>
+              <a:rect l="l" t="t" r="r" b="b"/>
+              <a:pathLst>
+                <a:path w="941261" h="73954">
+                  <a:moveTo>
+                    <a:pt x="0" y="0"/>
+                  </a:moveTo>
+                  <a:lnTo>
+                    <a:pt x="941261" y="0"/>
+                  </a:lnTo>
+                  <a:lnTo>
+                    <a:pt x="941261" y="73954"/>
+                  </a:lnTo>
+                  <a:lnTo>
+                    <a:pt x="0" y="73954"/>
+                  </a:lnTo>
+                  <a:close/>
+                </a:path>
+              </a:pathLst>
+            </a:custGeom>
+            <a:solidFill>
+              <a:srgbClr val="FCB624"/>
+            </a:solidFill>
+          </p:spPr>
+        </p:sp>
+        <p:sp>
+          <p:nvSpPr>
+            <p:cNvPr id="136" name="TextBox 104">
+              <a:extLst>
+                <a:ext uri="{FF2B5EF4-FFF2-40B4-BE49-F238E27FC236}">
+                  <a16:creationId xmlns:a16="http://schemas.microsoft.com/office/drawing/2014/main" id="{E7E7AF5A-18D6-C3E6-07CC-E33FD606F8F9}"/>
+                </a:ext>
+              </a:extLst>
+            </p:cNvPr>
+            <p:cNvSpPr txBox="1"/>
+            <p:nvPr/>
+          </p:nvSpPr>
+          <p:spPr>
+            <a:xfrm>
+              <a:off x="0" y="0"/>
+              <a:ext cx="941261" cy="73954"/>
+            </a:xfrm>
+            <a:prstGeom prst="rect">
+              <a:avLst/>
+            </a:prstGeom>
+          </p:spPr>
+          <p:txBody>
+            <a:bodyPr lIns="50800" tIns="50800" rIns="50800" bIns="50800" rtlCol="0" anchor="ctr"/>
+            <a:lstStyle/>
+            <a:p>
+              <a:pPr algn="ctr">
+                <a:lnSpc>
+                  <a:spcPts val="1110"/>
+                </a:lnSpc>
+              </a:pPr>
+              <a:endParaRPr/>
+            </a:p>
+          </p:txBody>
+        </p:sp>
+      </p:grpSp>
+      <p:grpSp>
+        <p:nvGrpSpPr>
+          <p:cNvPr id="137" name="Group 102">
+            <a:extLst>
+              <a:ext uri="{FF2B5EF4-FFF2-40B4-BE49-F238E27FC236}">
+                <a16:creationId xmlns:a16="http://schemas.microsoft.com/office/drawing/2014/main" id="{F34E6177-E254-B517-3866-AB1AFCEA725A}"/>
+              </a:ext>
+            </a:extLst>
+          </p:cNvPr>
+          <p:cNvGrpSpPr/>
+          <p:nvPr/>
+        </p:nvGrpSpPr>
+        <p:grpSpPr>
+          <a:xfrm>
+            <a:off x="8717281" y="6257231"/>
+            <a:ext cx="45719" cy="262651"/>
+            <a:chOff x="0" y="0"/>
+            <a:chExt cx="941261" cy="73954"/>
+          </a:xfrm>
+        </p:grpSpPr>
+        <p:sp>
+          <p:nvSpPr>
+            <p:cNvPr id="138" name="Freeform 103">
+              <a:extLst>
+                <a:ext uri="{FF2B5EF4-FFF2-40B4-BE49-F238E27FC236}">
+                  <a16:creationId xmlns:a16="http://schemas.microsoft.com/office/drawing/2014/main" id="{F6D358CB-CBDE-53D4-F4E9-BBB39193CF05}"/>
+                </a:ext>
+              </a:extLst>
+            </p:cNvPr>
+            <p:cNvSpPr/>
+            <p:nvPr/>
+          </p:nvSpPr>
+          <p:spPr>
+            <a:xfrm>
+              <a:off x="0" y="0"/>
+              <a:ext cx="941261" cy="73954"/>
+            </a:xfrm>
+            <a:custGeom>
+              <a:avLst/>
+              <a:gdLst/>
+              <a:ahLst/>
+              <a:cxnLst/>
+              <a:rect l="l" t="t" r="r" b="b"/>
+              <a:pathLst>
+                <a:path w="941261" h="73954">
+                  <a:moveTo>
+                    <a:pt x="0" y="0"/>
+                  </a:moveTo>
+                  <a:lnTo>
+                    <a:pt x="941261" y="0"/>
+                  </a:lnTo>
+                  <a:lnTo>
+                    <a:pt x="941261" y="73954"/>
+                  </a:lnTo>
+                  <a:lnTo>
+                    <a:pt x="0" y="73954"/>
+                  </a:lnTo>
+                  <a:close/>
+                </a:path>
+              </a:pathLst>
+            </a:custGeom>
+            <a:solidFill>
+              <a:srgbClr val="FCB624"/>
+            </a:solidFill>
+          </p:spPr>
+        </p:sp>
+        <p:sp>
+          <p:nvSpPr>
+            <p:cNvPr id="139" name="TextBox 104">
+              <a:extLst>
+                <a:ext uri="{FF2B5EF4-FFF2-40B4-BE49-F238E27FC236}">
+                  <a16:creationId xmlns:a16="http://schemas.microsoft.com/office/drawing/2014/main" id="{21EFB5A7-CF37-3F03-0235-081997E70477}"/>
+                </a:ext>
+              </a:extLst>
+            </p:cNvPr>
+            <p:cNvSpPr txBox="1"/>
+            <p:nvPr/>
+          </p:nvSpPr>
+          <p:spPr>
+            <a:xfrm>
+              <a:off x="0" y="0"/>
+              <a:ext cx="941261" cy="73954"/>
+            </a:xfrm>
+            <a:prstGeom prst="rect">
+              <a:avLst/>
+            </a:prstGeom>
+          </p:spPr>
+          <p:txBody>
+            <a:bodyPr lIns="50800" tIns="50800" rIns="50800" bIns="50800" rtlCol="0" anchor="ctr"/>
+            <a:lstStyle/>
+            <a:p>
+              <a:pPr algn="ctr">
+                <a:lnSpc>
+                  <a:spcPts val="1110"/>
+                </a:lnSpc>
+              </a:pPr>
+              <a:endParaRPr/>
+            </a:p>
+          </p:txBody>
+        </p:sp>
+      </p:grpSp>
+      <p:sp>
+        <p:nvSpPr>
+          <p:cNvPr id="140" name="TextBox 170">
+            <a:extLst>
+              <a:ext uri="{FF2B5EF4-FFF2-40B4-BE49-F238E27FC236}">
+                <a16:creationId xmlns:a16="http://schemas.microsoft.com/office/drawing/2014/main" id="{55BA7813-9ADB-0728-D535-7375749636FD}"/>
+              </a:ext>
+            </a:extLst>
+          </p:cNvPr>
+          <p:cNvSpPr txBox="1"/>
+          <p:nvPr/>
+        </p:nvSpPr>
+        <p:spPr>
+          <a:xfrm>
+            <a:off x="2778608" y="6275263"/>
+            <a:ext cx="1769212" cy="142240"/>
+          </a:xfrm>
+          <a:prstGeom prst="rect">
+            <a:avLst/>
+          </a:prstGeom>
+        </p:spPr>
+        <p:txBody>
+          <a:bodyPr lIns="0" tIns="0" rIns="0" bIns="0" rtlCol="0" anchor="t">
+            <a:spAutoFit/>
+          </a:bodyPr>
+          <a:lstStyle/>
+          <a:p>
+            <a:pPr algn="l">
+              <a:lnSpc>
+                <a:spcPts val="1110"/>
+              </a:lnSpc>
+            </a:pPr>
+            <a:r>
+              <a:rPr lang="en-US" sz="1000" spc="-20" dirty="0">
+                <a:solidFill>
+                  <a:srgbClr val="231F20"/>
+                </a:solidFill>
+                <a:latin typeface="Bell MT" panose="02020503060305020303" pitchFamily="18" charset="0"/>
+                <a:ea typeface="Bricolage Grotesque 18" panose="020B0605040402000204"/>
+                <a:cs typeface="Bricolage Grotesque 18" panose="020B0605040402000204"/>
+                <a:sym typeface="Bricolage Grotesque 18" panose="020B0605040402000204"/>
+              </a:rPr>
+              <a:t>#cramming </a:t>
+            </a:r>
+            <a:r>
+              <a:rPr lang="en-US" sz="1000" spc="-20" dirty="0" err="1">
+                <a:solidFill>
+                  <a:srgbClr val="231F20"/>
+                </a:solidFill>
+                <a:latin typeface="Bell MT" panose="02020503060305020303" pitchFamily="18" charset="0"/>
+                <a:ea typeface="Bricolage Grotesque 18" panose="020B0605040402000204"/>
+                <a:cs typeface="Bricolage Grotesque 18" panose="020B0605040402000204"/>
+                <a:sym typeface="Bricolage Grotesque 18" panose="020B0605040402000204"/>
+              </a:rPr>
+              <a:t>malala</a:t>
+            </a:r>
+            <a:endParaRPr lang="en-US" sz="1000" spc="-20" dirty="0">
+              <a:solidFill>
+                <a:srgbClr val="231F20"/>
+              </a:solidFill>
+              <a:latin typeface="Bell MT" panose="02020503060305020303" pitchFamily="18" charset="0"/>
+              <a:ea typeface="Bricolage Grotesque 18" panose="020B0605040402000204"/>
+              <a:cs typeface="Bricolage Grotesque 18" panose="020B0605040402000204"/>
+              <a:sym typeface="Bricolage Grotesque 18" panose="020B0605040402000204"/>
+            </a:endParaRPr>
+          </a:p>
+        </p:txBody>
+      </p:sp>
+      <p:sp>
+        <p:nvSpPr>
+          <p:cNvPr id="57" name="TextBox 164">
+            <a:extLst>
+              <a:ext uri="{FF2B5EF4-FFF2-40B4-BE49-F238E27FC236}">
+                <a16:creationId xmlns:a16="http://schemas.microsoft.com/office/drawing/2014/main" id="{3CCCC9B1-7639-B1E8-D673-B3ED87A5CBAB}"/>
+              </a:ext>
+            </a:extLst>
+          </p:cNvPr>
+          <p:cNvSpPr txBox="1"/>
+          <p:nvPr/>
+        </p:nvSpPr>
+        <p:spPr>
+          <a:xfrm>
+            <a:off x="2750033" y="5105400"/>
+            <a:ext cx="1683999" cy="1128771"/>
+          </a:xfrm>
+          <a:prstGeom prst="rect">
+            <a:avLst/>
+          </a:prstGeom>
+          <a:solidFill>
+            <a:srgbClr val="FCB624"/>
+          </a:solidFill>
+        </p:spPr>
+        <p:txBody>
+          <a:bodyPr wrap="square" lIns="0" tIns="0" rIns="0" bIns="0" rtlCol="0" anchor="t">
+            <a:spAutoFit/>
+          </a:bodyPr>
+          <a:lstStyle/>
+          <a:p>
+            <a:pPr algn="l">
+              <a:lnSpc>
+                <a:spcPts val="1110"/>
+              </a:lnSpc>
+            </a:pPr>
+            <a:r>
+              <a:rPr lang="en-US" sz="1000" spc="-20" dirty="0">
+                <a:solidFill>
+                  <a:srgbClr val="231F20"/>
+                </a:solidFill>
+                <a:latin typeface="Aptos" panose="020B0004020202020204" pitchFamily="34" charset="0"/>
+                <a:ea typeface="Bricolage Grotesque 18" panose="020B0605040402000204"/>
+                <a:cs typeface="Bricolage Grotesque 18" panose="020B0605040402000204"/>
+                <a:sym typeface="Bricolage Grotesque 18" panose="020B0605040402000204"/>
+              </a:rPr>
+              <a:t>LEGEND:</a:t>
+            </a:r>
+          </a:p>
+          <a:p>
+            <a:pPr algn="l">
+              <a:lnSpc>
+                <a:spcPts val="1110"/>
+              </a:lnSpc>
+            </a:pPr>
+            <a:r>
+              <a:rPr lang="en-US" sz="1000" b="1" spc="-20" dirty="0">
+                <a:solidFill>
+                  <a:srgbClr val="231F20"/>
+                </a:solidFill>
+                <a:latin typeface="Aptos" panose="020B0004020202020204" pitchFamily="34" charset="0"/>
+                <a:ea typeface="Bricolage Grotesque 18" panose="020B0605040402000204"/>
+                <a:cs typeface="Bricolage Grotesque 18" panose="020B0605040402000204"/>
+                <a:sym typeface="Bricolage Grotesque 18" panose="020B0605040402000204"/>
+              </a:rPr>
+              <a:t>A</a:t>
+            </a:r>
+            <a:r>
+              <a:rPr lang="en-US" sz="1000" spc="-20" dirty="0">
+                <a:solidFill>
+                  <a:srgbClr val="231F20"/>
+                </a:solidFill>
+                <a:latin typeface="Aptos" panose="020B0004020202020204" pitchFamily="34" charset="0"/>
+                <a:ea typeface="Bricolage Grotesque 18" panose="020B0605040402000204"/>
+                <a:cs typeface="Bricolage Grotesque 18" panose="020B0605040402000204"/>
+                <a:sym typeface="Bricolage Grotesque 18" panose="020B0605040402000204"/>
+              </a:rPr>
+              <a:t> – Alexxa Concepcion</a:t>
+            </a:r>
+          </a:p>
+          <a:p>
+            <a:pPr algn="l">
+              <a:lnSpc>
+                <a:spcPts val="1110"/>
+              </a:lnSpc>
+            </a:pPr>
+            <a:r>
+              <a:rPr lang="en-US" sz="1000" b="1" spc="-20" dirty="0">
+                <a:solidFill>
+                  <a:srgbClr val="231F20"/>
+                </a:solidFill>
+                <a:latin typeface="Aptos" panose="020B0004020202020204" pitchFamily="34" charset="0"/>
+                <a:ea typeface="Bricolage Grotesque 18" panose="020B0605040402000204"/>
+                <a:cs typeface="Bricolage Grotesque 18" panose="020B0605040402000204"/>
+                <a:sym typeface="Bricolage Grotesque 18" panose="020B0605040402000204"/>
+              </a:rPr>
+              <a:t>B</a:t>
+            </a:r>
+            <a:r>
+              <a:rPr lang="en-US" sz="1000" spc="-20" dirty="0">
+                <a:solidFill>
+                  <a:srgbClr val="231F20"/>
+                </a:solidFill>
+                <a:latin typeface="Aptos" panose="020B0004020202020204" pitchFamily="34" charset="0"/>
+                <a:ea typeface="Bricolage Grotesque 18" panose="020B0605040402000204"/>
+                <a:cs typeface="Bricolage Grotesque 18" panose="020B0605040402000204"/>
+                <a:sym typeface="Bricolage Grotesque 18" panose="020B0605040402000204"/>
+              </a:rPr>
+              <a:t> – Bea Ramos</a:t>
+            </a:r>
+          </a:p>
+          <a:p>
+            <a:pPr algn="l">
+              <a:lnSpc>
+                <a:spcPts val="1110"/>
+              </a:lnSpc>
+            </a:pPr>
+            <a:r>
+              <a:rPr lang="en-US" sz="1000" b="1" spc="-20" dirty="0">
+                <a:solidFill>
+                  <a:srgbClr val="231F20"/>
+                </a:solidFill>
+                <a:latin typeface="Aptos" panose="020B0004020202020204" pitchFamily="34" charset="0"/>
+                <a:ea typeface="Bricolage Grotesque 18" panose="020B0605040402000204"/>
+                <a:cs typeface="Bricolage Grotesque 18" panose="020B0605040402000204"/>
+                <a:sym typeface="Bricolage Grotesque 18" panose="020B0605040402000204"/>
+              </a:rPr>
+              <a:t>C</a:t>
+            </a:r>
+            <a:r>
+              <a:rPr lang="en-US" sz="1000" spc="-20" dirty="0">
+                <a:solidFill>
+                  <a:srgbClr val="231F20"/>
+                </a:solidFill>
+                <a:latin typeface="Aptos" panose="020B0004020202020204" pitchFamily="34" charset="0"/>
+                <a:ea typeface="Bricolage Grotesque 18" panose="020B0605040402000204"/>
+                <a:cs typeface="Bricolage Grotesque 18" panose="020B0605040402000204"/>
+                <a:sym typeface="Bricolage Grotesque 18" panose="020B0605040402000204"/>
+              </a:rPr>
+              <a:t> – Cyrel Bucad</a:t>
+            </a:r>
+          </a:p>
+          <a:p>
+            <a:pPr algn="l">
+              <a:lnSpc>
+                <a:spcPts val="1110"/>
+              </a:lnSpc>
+            </a:pPr>
+            <a:r>
+              <a:rPr lang="en-US" sz="1000" b="1" spc="-20" dirty="0">
+                <a:solidFill>
+                  <a:srgbClr val="231F20"/>
+                </a:solidFill>
+                <a:latin typeface="Aptos" panose="020B0004020202020204" pitchFamily="34" charset="0"/>
+                <a:ea typeface="Bricolage Grotesque 18" panose="020B0605040402000204"/>
+                <a:cs typeface="Bricolage Grotesque 18" panose="020B0605040402000204"/>
+                <a:sym typeface="Bricolage Grotesque 18" panose="020B0605040402000204"/>
+              </a:rPr>
+              <a:t>D</a:t>
+            </a:r>
+            <a:r>
+              <a:rPr lang="en-US" sz="1000" spc="-20" dirty="0">
+                <a:solidFill>
+                  <a:srgbClr val="231F20"/>
+                </a:solidFill>
+                <a:latin typeface="Aptos" panose="020B0004020202020204" pitchFamily="34" charset="0"/>
+                <a:ea typeface="Bricolage Grotesque 18" panose="020B0605040402000204"/>
+                <a:cs typeface="Bricolage Grotesque 18" panose="020B0605040402000204"/>
+                <a:sym typeface="Bricolage Grotesque 18" panose="020B0605040402000204"/>
+              </a:rPr>
+              <a:t> – Daisy Rei Barce</a:t>
+            </a:r>
+          </a:p>
+          <a:p>
+            <a:pPr algn="l">
+              <a:lnSpc>
+                <a:spcPts val="1110"/>
+              </a:lnSpc>
+            </a:pPr>
+            <a:r>
+              <a:rPr lang="en-US" sz="1000" b="1" spc="-20" dirty="0">
+                <a:solidFill>
+                  <a:srgbClr val="231F20"/>
+                </a:solidFill>
+                <a:latin typeface="Aptos" panose="020B0004020202020204" pitchFamily="34" charset="0"/>
+                <a:ea typeface="Bricolage Grotesque 18" panose="020B0605040402000204"/>
+                <a:cs typeface="Bricolage Grotesque 18" panose="020B0605040402000204"/>
+                <a:sym typeface="Bricolage Grotesque 18" panose="020B0605040402000204"/>
+              </a:rPr>
+              <a:t>JHA</a:t>
+            </a:r>
+            <a:r>
+              <a:rPr lang="en-US" sz="1000" spc="-20" dirty="0">
+                <a:solidFill>
+                  <a:srgbClr val="231F20"/>
+                </a:solidFill>
+                <a:latin typeface="Aptos" panose="020B0004020202020204" pitchFamily="34" charset="0"/>
+                <a:ea typeface="Bricolage Grotesque 18" panose="020B0605040402000204"/>
+                <a:cs typeface="Bricolage Grotesque 18" panose="020B0605040402000204"/>
+                <a:sym typeface="Bricolage Grotesque 18" panose="020B0605040402000204"/>
+              </a:rPr>
+              <a:t> – Jhana Loraine </a:t>
+            </a:r>
+            <a:r>
+              <a:rPr lang="en-US" sz="1000" spc="-20" dirty="0" err="1">
+                <a:solidFill>
+                  <a:srgbClr val="231F20"/>
+                </a:solidFill>
+                <a:latin typeface="Aptos" panose="020B0004020202020204" pitchFamily="34" charset="0"/>
+                <a:ea typeface="Bricolage Grotesque 18" panose="020B0605040402000204"/>
+                <a:cs typeface="Bricolage Grotesque 18" panose="020B0605040402000204"/>
+                <a:sym typeface="Bricolage Grotesque 18" panose="020B0605040402000204"/>
+              </a:rPr>
+              <a:t>Raquid</a:t>
+            </a:r>
+            <a:endParaRPr lang="en-US" sz="1000" spc="-20" dirty="0">
+              <a:solidFill>
+                <a:srgbClr val="231F20"/>
+              </a:solidFill>
+              <a:latin typeface="Aptos" panose="020B0004020202020204" pitchFamily="34" charset="0"/>
+              <a:ea typeface="Bricolage Grotesque 18" panose="020B0605040402000204"/>
+              <a:cs typeface="Bricolage Grotesque 18" panose="020B0605040402000204"/>
+              <a:sym typeface="Bricolage Grotesque 18" panose="020B0605040402000204"/>
+            </a:endParaRPr>
+          </a:p>
+          <a:p>
+            <a:pPr algn="l">
+              <a:lnSpc>
+                <a:spcPts val="1110"/>
+              </a:lnSpc>
+            </a:pPr>
+            <a:r>
+              <a:rPr lang="en-US" sz="1000" b="1" spc="-20" dirty="0">
+                <a:solidFill>
+                  <a:srgbClr val="231F20"/>
+                </a:solidFill>
+                <a:latin typeface="Aptos" panose="020B0004020202020204" pitchFamily="34" charset="0"/>
+                <a:ea typeface="Bricolage Grotesque 18" panose="020B0605040402000204"/>
+                <a:cs typeface="Bricolage Grotesque 18" panose="020B0605040402000204"/>
+                <a:sym typeface="Bricolage Grotesque 18" panose="020B0605040402000204"/>
+              </a:rPr>
+              <a:t>JED</a:t>
+            </a:r>
+            <a:r>
+              <a:rPr lang="en-US" sz="1000" spc="-20" dirty="0">
+                <a:solidFill>
+                  <a:srgbClr val="231F20"/>
+                </a:solidFill>
+                <a:latin typeface="Aptos" panose="020B0004020202020204" pitchFamily="34" charset="0"/>
+                <a:ea typeface="Bricolage Grotesque 18" panose="020B0605040402000204"/>
+                <a:cs typeface="Bricolage Grotesque 18" panose="020B0605040402000204"/>
+                <a:sym typeface="Bricolage Grotesque 18" panose="020B0605040402000204"/>
+              </a:rPr>
+              <a:t> – Jed Ismael </a:t>
+            </a:r>
+            <a:r>
+              <a:rPr lang="en-US" sz="1000" spc="-20" dirty="0" err="1">
+                <a:solidFill>
+                  <a:srgbClr val="231F20"/>
+                </a:solidFill>
+                <a:latin typeface="Aptos" panose="020B0004020202020204" pitchFamily="34" charset="0"/>
+                <a:ea typeface="Bricolage Grotesque 18" panose="020B0605040402000204"/>
+                <a:cs typeface="Bricolage Grotesque 18" panose="020B0605040402000204"/>
+                <a:sym typeface="Bricolage Grotesque 18" panose="020B0605040402000204"/>
+              </a:rPr>
+              <a:t>Polong</a:t>
+            </a:r>
+            <a:endParaRPr lang="en-US" sz="1000" spc="-20" dirty="0">
+              <a:solidFill>
+                <a:srgbClr val="231F20"/>
+              </a:solidFill>
+              <a:latin typeface="Aptos" panose="020B0004020202020204" pitchFamily="34" charset="0"/>
+              <a:ea typeface="Bricolage Grotesque 18" panose="020B0605040402000204"/>
+              <a:cs typeface="Bricolage Grotesque 18" panose="020B0605040402000204"/>
+              <a:sym typeface="Bricolage Grotesque 18" panose="020B0605040402000204"/>
+            </a:endParaRPr>
+          </a:p>
+          <a:p>
+            <a:pPr algn="l">
+              <a:lnSpc>
+                <a:spcPts val="1110"/>
+              </a:lnSpc>
+            </a:pPr>
+            <a:endParaRPr lang="en-US" sz="1000" spc="-20" dirty="0">
+              <a:solidFill>
+                <a:srgbClr val="231F20"/>
+              </a:solidFill>
+              <a:latin typeface="Aptos" panose="020B0004020202020204" pitchFamily="34" charset="0"/>
+              <a:ea typeface="Bricolage Grotesque 18" panose="020B0605040402000204"/>
+              <a:cs typeface="Bricolage Grotesque 18" panose="020B0605040402000204"/>
+              <a:sym typeface="Bricolage Grotesque 18" panose="020B0605040402000204"/>
+            </a:endParaRPr>
+          </a:p>
+        </p:txBody>
+      </p:sp>
+      <p:sp>
+        <p:nvSpPr>
+          <p:cNvPr id="58" name="TextBox 57">
+            <a:extLst>
+              <a:ext uri="{FF2B5EF4-FFF2-40B4-BE49-F238E27FC236}">
+                <a16:creationId xmlns:a16="http://schemas.microsoft.com/office/drawing/2014/main" id="{C8B3336C-7555-D7CD-322A-30B8F4A0CD94}"/>
+              </a:ext>
+            </a:extLst>
+          </p:cNvPr>
+          <p:cNvSpPr txBox="1"/>
+          <p:nvPr/>
+        </p:nvSpPr>
+        <p:spPr>
+          <a:xfrm>
+            <a:off x="7296150" y="2875445"/>
+            <a:ext cx="609600" cy="246221"/>
+          </a:xfrm>
+          <a:prstGeom prst="rect">
+            <a:avLst/>
+          </a:prstGeom>
+          <a:noFill/>
+        </p:spPr>
+        <p:txBody>
+          <a:bodyPr wrap="square" rtlCol="0">
+            <a:spAutoFit/>
+          </a:bodyPr>
+          <a:lstStyle/>
+          <a:p>
+            <a:r>
+              <a:rPr lang="en-US" sz="1000" dirty="0"/>
+              <a:t>ABCDJJ</a:t>
+            </a:r>
+          </a:p>
+        </p:txBody>
+      </p:sp>
+      <p:sp>
+        <p:nvSpPr>
+          <p:cNvPr id="59" name="TextBox 58">
+            <a:extLst>
+              <a:ext uri="{FF2B5EF4-FFF2-40B4-BE49-F238E27FC236}">
+                <a16:creationId xmlns:a16="http://schemas.microsoft.com/office/drawing/2014/main" id="{A17A16EB-5FC7-4587-F57E-BB70D759B0D9}"/>
+              </a:ext>
+            </a:extLst>
+          </p:cNvPr>
+          <p:cNvSpPr txBox="1"/>
+          <p:nvPr/>
+        </p:nvSpPr>
+        <p:spPr>
+          <a:xfrm>
+            <a:off x="7277100" y="3180353"/>
+            <a:ext cx="609600" cy="246221"/>
+          </a:xfrm>
+          <a:prstGeom prst="rect">
+            <a:avLst/>
+          </a:prstGeom>
+          <a:noFill/>
+        </p:spPr>
+        <p:txBody>
+          <a:bodyPr wrap="square" rtlCol="0">
+            <a:spAutoFit/>
+          </a:bodyPr>
+          <a:lstStyle/>
+          <a:p>
+            <a:r>
+              <a:rPr lang="en-US" sz="1000" dirty="0"/>
+              <a:t>D-Jed</a:t>
+            </a:r>
+          </a:p>
+        </p:txBody>
+      </p:sp>
+      <p:sp>
+        <p:nvSpPr>
+          <p:cNvPr id="60" name="TextBox 59">
+            <a:extLst>
+              <a:ext uri="{FF2B5EF4-FFF2-40B4-BE49-F238E27FC236}">
+                <a16:creationId xmlns:a16="http://schemas.microsoft.com/office/drawing/2014/main" id="{89EA5F4A-FFF6-5DF0-CBA0-5D576EB23B6C}"/>
+              </a:ext>
+            </a:extLst>
+          </p:cNvPr>
+          <p:cNvSpPr txBox="1"/>
+          <p:nvPr/>
+        </p:nvSpPr>
+        <p:spPr>
+          <a:xfrm>
+            <a:off x="8105941" y="2875445"/>
+            <a:ext cx="609600" cy="246221"/>
+          </a:xfrm>
+          <a:prstGeom prst="rect">
+            <a:avLst/>
+          </a:prstGeom>
+          <a:noFill/>
+        </p:spPr>
+        <p:txBody>
+          <a:bodyPr wrap="square" rtlCol="0">
+            <a:spAutoFit/>
+          </a:bodyPr>
+          <a:lstStyle/>
+          <a:p>
+            <a:r>
+              <a:rPr lang="en-US" sz="1000" dirty="0"/>
+              <a:t>ABCDJJ</a:t>
+            </a:r>
+          </a:p>
+        </p:txBody>
+      </p:sp>
+      <p:sp>
+        <p:nvSpPr>
+          <p:cNvPr id="141" name="TextBox 140">
+            <a:extLst>
+              <a:ext uri="{FF2B5EF4-FFF2-40B4-BE49-F238E27FC236}">
+                <a16:creationId xmlns:a16="http://schemas.microsoft.com/office/drawing/2014/main" id="{A31BA43D-2581-8BFB-07F2-700F91E401FA}"/>
+              </a:ext>
+            </a:extLst>
+          </p:cNvPr>
+          <p:cNvSpPr txBox="1"/>
+          <p:nvPr/>
+        </p:nvSpPr>
+        <p:spPr>
+          <a:xfrm>
+            <a:off x="8086890" y="3199375"/>
+            <a:ext cx="609600" cy="246221"/>
+          </a:xfrm>
+          <a:prstGeom prst="rect">
+            <a:avLst/>
+          </a:prstGeom>
+          <a:noFill/>
+        </p:spPr>
+        <p:txBody>
+          <a:bodyPr wrap="square" rtlCol="0">
+            <a:spAutoFit/>
+          </a:bodyPr>
+          <a:lstStyle/>
+          <a:p>
+            <a:r>
+              <a:rPr lang="en-US" sz="1000" dirty="0"/>
+              <a:t>D-Jed</a:t>
+            </a:r>
+          </a:p>
+        </p:txBody>
+      </p:sp>
+      <p:sp>
+        <p:nvSpPr>
+          <p:cNvPr id="142" name="TextBox 141">
+            <a:extLst>
+              <a:ext uri="{FF2B5EF4-FFF2-40B4-BE49-F238E27FC236}">
+                <a16:creationId xmlns:a16="http://schemas.microsoft.com/office/drawing/2014/main" id="{D581FB53-FF9E-6C4E-3A9C-9390078F2F13}"/>
+              </a:ext>
+            </a:extLst>
+          </p:cNvPr>
+          <p:cNvSpPr txBox="1"/>
+          <p:nvPr/>
+        </p:nvSpPr>
+        <p:spPr>
+          <a:xfrm>
+            <a:off x="8067839" y="3487579"/>
+            <a:ext cx="928632" cy="246221"/>
+          </a:xfrm>
+          <a:prstGeom prst="rect">
+            <a:avLst/>
+          </a:prstGeom>
+          <a:noFill/>
+        </p:spPr>
+        <p:txBody>
+          <a:bodyPr wrap="square" rtlCol="0">
+            <a:spAutoFit/>
+          </a:bodyPr>
+          <a:lstStyle/>
+          <a:p>
+            <a:r>
+              <a:rPr lang="en-US" sz="1000" dirty="0"/>
+              <a:t>BCD-Jha-Jed</a:t>
+            </a:r>
+          </a:p>
+        </p:txBody>
+      </p:sp>
+      <p:sp>
+        <p:nvSpPr>
+          <p:cNvPr id="143" name="TextBox 142">
+            <a:extLst>
+              <a:ext uri="{FF2B5EF4-FFF2-40B4-BE49-F238E27FC236}">
+                <a16:creationId xmlns:a16="http://schemas.microsoft.com/office/drawing/2014/main" id="{5776E866-A240-F318-B517-0898B0F96A12}"/>
+              </a:ext>
+            </a:extLst>
+          </p:cNvPr>
+          <p:cNvSpPr txBox="1"/>
+          <p:nvPr/>
+        </p:nvSpPr>
+        <p:spPr>
+          <a:xfrm>
+            <a:off x="8468420" y="3792379"/>
+            <a:ext cx="751780" cy="246221"/>
+          </a:xfrm>
+          <a:prstGeom prst="rect">
+            <a:avLst/>
+          </a:prstGeom>
+          <a:noFill/>
+        </p:spPr>
+        <p:txBody>
+          <a:bodyPr wrap="square" rtlCol="0">
+            <a:spAutoFit/>
+          </a:bodyPr>
+          <a:lstStyle/>
+          <a:p>
+            <a:r>
+              <a:rPr lang="en-US" sz="1000" dirty="0"/>
+              <a:t>D-Jha-Jed</a:t>
+            </a:r>
+          </a:p>
+        </p:txBody>
+      </p:sp>
+      <p:sp>
+        <p:nvSpPr>
+          <p:cNvPr id="144" name="TextBox 143">
+            <a:extLst>
+              <a:ext uri="{FF2B5EF4-FFF2-40B4-BE49-F238E27FC236}">
+                <a16:creationId xmlns:a16="http://schemas.microsoft.com/office/drawing/2014/main" id="{46C1953D-778B-F0E8-015E-60CA8FAEA713}"/>
+              </a:ext>
+            </a:extLst>
+          </p:cNvPr>
+          <p:cNvSpPr txBox="1"/>
+          <p:nvPr/>
+        </p:nvSpPr>
+        <p:spPr>
+          <a:xfrm>
+            <a:off x="8468420" y="4088578"/>
+            <a:ext cx="751780" cy="246221"/>
+          </a:xfrm>
+          <a:prstGeom prst="rect">
+            <a:avLst/>
+          </a:prstGeom>
+          <a:noFill/>
+        </p:spPr>
+        <p:txBody>
+          <a:bodyPr wrap="square" rtlCol="0">
+            <a:spAutoFit/>
+          </a:bodyPr>
+          <a:lstStyle/>
+          <a:p>
+            <a:r>
+              <a:rPr lang="en-US" sz="1000" dirty="0"/>
+              <a:t>C-Jed</a:t>
+            </a:r>
+          </a:p>
+        </p:txBody>
+      </p:sp>
+      <p:sp>
+        <p:nvSpPr>
+          <p:cNvPr id="145" name="TextBox 144">
+            <a:extLst>
+              <a:ext uri="{FF2B5EF4-FFF2-40B4-BE49-F238E27FC236}">
+                <a16:creationId xmlns:a16="http://schemas.microsoft.com/office/drawing/2014/main" id="{995E4ABE-1B07-0531-F87F-1702508CEBED}"/>
+              </a:ext>
+            </a:extLst>
+          </p:cNvPr>
+          <p:cNvSpPr txBox="1"/>
+          <p:nvPr/>
+        </p:nvSpPr>
+        <p:spPr>
+          <a:xfrm>
+            <a:off x="8487470" y="4771419"/>
+            <a:ext cx="751780" cy="246221"/>
+          </a:xfrm>
+          <a:prstGeom prst="rect">
+            <a:avLst/>
+          </a:prstGeom>
+          <a:noFill/>
+        </p:spPr>
+        <p:txBody>
+          <a:bodyPr wrap="square" rtlCol="0">
+            <a:spAutoFit/>
+          </a:bodyPr>
+          <a:lstStyle/>
+          <a:p>
+            <a:r>
+              <a:rPr lang="en-US" sz="1000" dirty="0"/>
+              <a:t>Jed</a:t>
+            </a:r>
+          </a:p>
+        </p:txBody>
+      </p:sp>
+      <p:sp>
+        <p:nvSpPr>
+          <p:cNvPr id="146" name="TextBox 145">
+            <a:extLst>
+              <a:ext uri="{FF2B5EF4-FFF2-40B4-BE49-F238E27FC236}">
+                <a16:creationId xmlns:a16="http://schemas.microsoft.com/office/drawing/2014/main" id="{0A062D1D-391B-7753-BB25-404466B141B0}"/>
+              </a:ext>
+            </a:extLst>
+          </p:cNvPr>
+          <p:cNvSpPr txBox="1"/>
+          <p:nvPr/>
+        </p:nvSpPr>
+        <p:spPr>
+          <a:xfrm>
+            <a:off x="8487470" y="5375402"/>
+            <a:ext cx="751780" cy="246221"/>
+          </a:xfrm>
+          <a:prstGeom prst="rect">
+            <a:avLst/>
+          </a:prstGeom>
+          <a:noFill/>
+        </p:spPr>
+        <p:txBody>
+          <a:bodyPr wrap="square" rtlCol="0">
+            <a:spAutoFit/>
+          </a:bodyPr>
+          <a:lstStyle/>
+          <a:p>
+            <a:r>
+              <a:rPr lang="en-US" sz="1000" dirty="0"/>
+              <a:t>D-Jed</a:t>
+            </a:r>
+          </a:p>
+        </p:txBody>
+      </p:sp>
+      <p:sp>
+        <p:nvSpPr>
+          <p:cNvPr id="147" name="TextBox 170">
+            <a:extLst>
+              <a:ext uri="{FF2B5EF4-FFF2-40B4-BE49-F238E27FC236}">
+                <a16:creationId xmlns:a16="http://schemas.microsoft.com/office/drawing/2014/main" id="{82873D2C-1B88-CAC2-58FA-52D1CC954538}"/>
+              </a:ext>
+            </a:extLst>
+          </p:cNvPr>
+          <p:cNvSpPr txBox="1"/>
+          <p:nvPr/>
+        </p:nvSpPr>
+        <p:spPr>
+          <a:xfrm>
+            <a:off x="278068" y="6798253"/>
+            <a:ext cx="1769212" cy="142240"/>
+          </a:xfrm>
+          <a:prstGeom prst="rect">
+            <a:avLst/>
+          </a:prstGeom>
+        </p:spPr>
+        <p:txBody>
+          <a:bodyPr lIns="0" tIns="0" rIns="0" bIns="0" rtlCol="0" anchor="t">
+            <a:spAutoFit/>
+          </a:bodyPr>
+          <a:lstStyle/>
+          <a:p>
+            <a:pPr algn="l">
+              <a:lnSpc>
+                <a:spcPts val="1110"/>
+              </a:lnSpc>
+            </a:pPr>
+            <a:r>
+              <a:rPr lang="en-US" sz="1000" spc="-20" dirty="0">
+                <a:solidFill>
+                  <a:srgbClr val="231F20"/>
+                </a:solidFill>
+                <a:latin typeface="Bricolage Grotesque 18" panose="020B0605040402000204"/>
+                <a:ea typeface="Bricolage Grotesque 18" panose="020B0605040402000204"/>
+                <a:cs typeface="Bricolage Grotesque 18" panose="020B0605040402000204"/>
+                <a:sym typeface="Bricolage Grotesque 18" panose="020B0605040402000204"/>
+              </a:rPr>
+              <a:t>System Presentation</a:t>
+            </a:r>
+          </a:p>
+        </p:txBody>
+      </p:sp>
+      <p:grpSp>
+        <p:nvGrpSpPr>
+          <p:cNvPr id="154" name="Group 102">
+            <a:extLst>
+              <a:ext uri="{FF2B5EF4-FFF2-40B4-BE49-F238E27FC236}">
+                <a16:creationId xmlns:a16="http://schemas.microsoft.com/office/drawing/2014/main" id="{B269A1B6-1F7C-30F8-A117-A511CF1DA153}"/>
+              </a:ext>
+            </a:extLst>
+          </p:cNvPr>
+          <p:cNvGrpSpPr/>
+          <p:nvPr/>
+        </p:nvGrpSpPr>
+        <p:grpSpPr>
+          <a:xfrm>
+            <a:off x="8725066" y="6748521"/>
+            <a:ext cx="45719" cy="262651"/>
+            <a:chOff x="0" y="0"/>
+            <a:chExt cx="941261" cy="73954"/>
+          </a:xfrm>
+        </p:grpSpPr>
+        <p:sp>
+          <p:nvSpPr>
+            <p:cNvPr id="166" name="Freeform 103">
+              <a:extLst>
+                <a:ext uri="{FF2B5EF4-FFF2-40B4-BE49-F238E27FC236}">
+                  <a16:creationId xmlns:a16="http://schemas.microsoft.com/office/drawing/2014/main" id="{EDDD6BA5-35DF-E0BE-FD57-B76A0924D0D9}"/>
+                </a:ext>
+              </a:extLst>
+            </p:cNvPr>
+            <p:cNvSpPr/>
+            <p:nvPr/>
+          </p:nvSpPr>
+          <p:spPr>
+            <a:xfrm>
+              <a:off x="0" y="0"/>
+              <a:ext cx="941261" cy="73954"/>
+            </a:xfrm>
+            <a:custGeom>
+              <a:avLst/>
+              <a:gdLst/>
+              <a:ahLst/>
+              <a:cxnLst/>
+              <a:rect l="l" t="t" r="r" b="b"/>
+              <a:pathLst>
+                <a:path w="941261" h="73954">
+                  <a:moveTo>
+                    <a:pt x="0" y="0"/>
+                  </a:moveTo>
+                  <a:lnTo>
+                    <a:pt x="941261" y="0"/>
+                  </a:lnTo>
+                  <a:lnTo>
+                    <a:pt x="941261" y="73954"/>
+                  </a:lnTo>
+                  <a:lnTo>
+                    <a:pt x="0" y="73954"/>
+                  </a:lnTo>
+                  <a:close/>
+                </a:path>
+              </a:pathLst>
+            </a:custGeom>
+            <a:solidFill>
+              <a:srgbClr val="FCB624"/>
+            </a:solidFill>
+          </p:spPr>
+        </p:sp>
+        <p:sp>
+          <p:nvSpPr>
+            <p:cNvPr id="167" name="TextBox 104">
+              <a:extLst>
+                <a:ext uri="{FF2B5EF4-FFF2-40B4-BE49-F238E27FC236}">
+                  <a16:creationId xmlns:a16="http://schemas.microsoft.com/office/drawing/2014/main" id="{0E829B98-ADE1-40F5-3680-1F8772851A61}"/>
+                </a:ext>
+              </a:extLst>
+            </p:cNvPr>
+            <p:cNvSpPr txBox="1"/>
+            <p:nvPr/>
+          </p:nvSpPr>
+          <p:spPr>
+            <a:xfrm>
+              <a:off x="0" y="0"/>
+              <a:ext cx="941261" cy="73954"/>
+            </a:xfrm>
+            <a:prstGeom prst="rect">
+              <a:avLst/>
+            </a:prstGeom>
+          </p:spPr>
+          <p:txBody>
+            <a:bodyPr lIns="50800" tIns="50800" rIns="50800" bIns="50800" rtlCol="0" anchor="ctr"/>
+            <a:lstStyle/>
+            <a:p>
+              <a:pPr algn="ctr">
+                <a:lnSpc>
+                  <a:spcPts val="1110"/>
+                </a:lnSpc>
+              </a:pPr>
+              <a:endParaRPr/>
+            </a:p>
+          </p:txBody>
+        </p:sp>
+      </p:grpSp>
+      <p:sp>
+        <p:nvSpPr>
+          <p:cNvPr id="171" name="TextBox 170">
+            <a:extLst>
+              <a:ext uri="{FF2B5EF4-FFF2-40B4-BE49-F238E27FC236}">
+                <a16:creationId xmlns:a16="http://schemas.microsoft.com/office/drawing/2014/main" id="{7F42800A-7EDD-C923-62AB-3D0D163F79E6}"/>
+              </a:ext>
+            </a:extLst>
+          </p:cNvPr>
+          <p:cNvSpPr txBox="1"/>
+          <p:nvPr/>
+        </p:nvSpPr>
+        <p:spPr>
+          <a:xfrm>
+            <a:off x="7805654" y="6764274"/>
+            <a:ext cx="1038656" cy="246221"/>
+          </a:xfrm>
+          <a:prstGeom prst="rect">
+            <a:avLst/>
+          </a:prstGeom>
+          <a:noFill/>
+        </p:spPr>
+        <p:txBody>
+          <a:bodyPr wrap="square" rtlCol="0">
+            <a:spAutoFit/>
+          </a:bodyPr>
+          <a:lstStyle/>
+          <a:p>
+            <a:r>
+              <a:rPr lang="en-US" sz="1000" dirty="0"/>
+              <a:t>ABCD-Jha-Jed</a:t>
+            </a:r>
+          </a:p>
+        </p:txBody>
+      </p:sp>
+      <p:sp>
+        <p:nvSpPr>
+          <p:cNvPr id="174" name="TextBox 173">
+            <a:extLst>
+              <a:ext uri="{FF2B5EF4-FFF2-40B4-BE49-F238E27FC236}">
+                <a16:creationId xmlns:a16="http://schemas.microsoft.com/office/drawing/2014/main" id="{10261B02-18F8-4267-BEDD-E69EED74947F}"/>
+              </a:ext>
+            </a:extLst>
+          </p:cNvPr>
+          <p:cNvSpPr txBox="1"/>
+          <p:nvPr/>
+        </p:nvSpPr>
+        <p:spPr>
+          <a:xfrm>
+            <a:off x="8305800" y="5957139"/>
+            <a:ext cx="605218" cy="246221"/>
+          </a:xfrm>
+          <a:prstGeom prst="rect">
+            <a:avLst/>
+          </a:prstGeom>
+          <a:noFill/>
+        </p:spPr>
+        <p:txBody>
+          <a:bodyPr wrap="square" rtlCol="0">
+            <a:spAutoFit/>
+          </a:bodyPr>
+          <a:lstStyle/>
+          <a:p>
+            <a:r>
+              <a:rPr lang="en-US" sz="1000" dirty="0"/>
+              <a:t>C-Jed</a:t>
+            </a:r>
+          </a:p>
+        </p:txBody>
+      </p:sp>
+      <p:sp>
+        <p:nvSpPr>
+          <p:cNvPr id="175" name="TextBox 174">
+            <a:extLst>
+              <a:ext uri="{FF2B5EF4-FFF2-40B4-BE49-F238E27FC236}">
+                <a16:creationId xmlns:a16="http://schemas.microsoft.com/office/drawing/2014/main" id="{6E41CB32-9147-50D6-BB09-7C831A8365D0}"/>
+              </a:ext>
+            </a:extLst>
+          </p:cNvPr>
+          <p:cNvSpPr txBox="1"/>
+          <p:nvPr/>
+        </p:nvSpPr>
+        <p:spPr>
+          <a:xfrm>
+            <a:off x="8305800" y="6256179"/>
+            <a:ext cx="603057" cy="246221"/>
+          </a:xfrm>
+          <a:prstGeom prst="rect">
+            <a:avLst/>
+          </a:prstGeom>
+          <a:noFill/>
+        </p:spPr>
+        <p:txBody>
+          <a:bodyPr wrap="square" rtlCol="0">
+            <a:spAutoFit/>
+          </a:bodyPr>
+          <a:lstStyle/>
+          <a:p>
+            <a:r>
+              <a:rPr lang="en-US" sz="1000" dirty="0"/>
+              <a:t>C-Jed</a:t>
+            </a:r>
+          </a:p>
+        </p:txBody>
+      </p:sp>
+    </p:spTree>
+    <p:extLst>
+      <p:ext uri="{BB962C8B-B14F-4D97-AF65-F5344CB8AC3E}">
+        <p14:creationId xmlns:p14="http://schemas.microsoft.com/office/powerpoint/2010/main" val="419455721"/>
+      </p:ext>
+    </p:extLst>
+  </p:cSld>
+  <p:clrMapOvr>
+    <a:masterClrMapping/>
+  </p:clrMapOvr>
+</p:sld>
+</file>
+
+<file path=ppt/slides/slide3.xml><?xml version="1.0" encoding="utf-8"?>
+<p:sld xmlns:a="http://schemas.openxmlformats.org/drawingml/2006/main" xmlns:r="http://schemas.openxmlformats.org/officeDocument/2006/relationships" xmlns:p="http://schemas.openxmlformats.org/presentationml/2006/main">
+  <p:cSld>
+    <p:spTree>
+      <p:nvGrpSpPr>
+        <p:cNvPr id="1" name="">
+          <a:extLst>
+            <a:ext uri="{FF2B5EF4-FFF2-40B4-BE49-F238E27FC236}">
+              <a16:creationId xmlns:a16="http://schemas.microsoft.com/office/drawing/2014/main" id="{AA1215EB-5C9E-BBA1-F56E-9E0DA8E6DD08}"/>
+            </a:ext>
+          </a:extLst>
+        </p:cNvPr>
+        <p:cNvGrpSpPr/>
+        <p:nvPr/>
+      </p:nvGrpSpPr>
+      <p:grpSpPr>
+        <a:xfrm>
+          <a:off x="0" y="0"/>
+          <a:ext cx="0" cy="0"/>
+          <a:chOff x="0" y="0"/>
+          <a:chExt cx="0" cy="0"/>
+        </a:xfrm>
+      </p:grpSpPr>
+      <p:grpSp>
+        <p:nvGrpSpPr>
+          <p:cNvPr id="2" name="Group 2">
+            <a:extLst>
+              <a:ext uri="{FF2B5EF4-FFF2-40B4-BE49-F238E27FC236}">
+                <a16:creationId xmlns:a16="http://schemas.microsoft.com/office/drawing/2014/main" id="{9E5E39DF-6167-5BE7-E652-F39475A58C2C}"/>
+              </a:ext>
+            </a:extLst>
+          </p:cNvPr>
+          <p:cNvGrpSpPr/>
+          <p:nvPr/>
+        </p:nvGrpSpPr>
+        <p:grpSpPr>
+          <a:xfrm>
+            <a:off x="51655" y="722529"/>
+            <a:ext cx="9753600" cy="458774"/>
+            <a:chOff x="0" y="0"/>
+            <a:chExt cx="3612444" cy="169916"/>
+          </a:xfrm>
+        </p:grpSpPr>
+        <p:sp>
+          <p:nvSpPr>
+            <p:cNvPr id="3" name="Freeform 3">
+              <a:extLst>
+                <a:ext uri="{FF2B5EF4-FFF2-40B4-BE49-F238E27FC236}">
+                  <a16:creationId xmlns:a16="http://schemas.microsoft.com/office/drawing/2014/main" id="{62C92593-C3D4-EC8A-A18F-71FB529A750D}"/>
+                </a:ext>
+              </a:extLst>
+            </p:cNvPr>
+            <p:cNvSpPr/>
+            <p:nvPr/>
+          </p:nvSpPr>
+          <p:spPr>
+            <a:xfrm>
+              <a:off x="0" y="0"/>
+              <a:ext cx="3612445" cy="169916"/>
+            </a:xfrm>
+            <a:custGeom>
+              <a:avLst/>
+              <a:gdLst/>
+              <a:ahLst/>
+              <a:cxnLst/>
+              <a:rect l="l" t="t" r="r" b="b"/>
+              <a:pathLst>
+                <a:path w="3612445" h="169916">
+                  <a:moveTo>
+                    <a:pt x="1588" y="0"/>
+                  </a:moveTo>
+                  <a:lnTo>
+                    <a:pt x="3610857" y="0"/>
+                  </a:lnTo>
+                  <a:cubicBezTo>
+                    <a:pt x="3611278" y="0"/>
+                    <a:pt x="3611682" y="167"/>
+                    <a:pt x="3611980" y="465"/>
+                  </a:cubicBezTo>
+                  <a:cubicBezTo>
+                    <a:pt x="3612277" y="763"/>
+                    <a:pt x="3612445" y="1166"/>
+                    <a:pt x="3612445" y="1588"/>
+                  </a:cubicBezTo>
+                  <a:lnTo>
+                    <a:pt x="3612445" y="168329"/>
+                  </a:lnTo>
+                  <a:cubicBezTo>
+                    <a:pt x="3612445" y="169206"/>
+                    <a:pt x="3611734" y="169916"/>
+                    <a:pt x="3610857" y="169916"/>
+                  </a:cubicBezTo>
+                  <a:lnTo>
+                    <a:pt x="1588" y="169916"/>
+                  </a:lnTo>
+                  <a:cubicBezTo>
+                    <a:pt x="1166" y="169916"/>
+                    <a:pt x="763" y="169749"/>
+                    <a:pt x="465" y="169451"/>
+                  </a:cubicBezTo>
+                  <a:cubicBezTo>
+                    <a:pt x="167" y="169154"/>
+                    <a:pt x="0" y="168750"/>
+                    <a:pt x="0" y="168329"/>
+                  </a:cubicBezTo>
+                  <a:lnTo>
+                    <a:pt x="0" y="1588"/>
+                  </a:lnTo>
+                  <a:cubicBezTo>
+                    <a:pt x="0" y="711"/>
+                    <a:pt x="711" y="0"/>
+                    <a:pt x="1588" y="0"/>
+                  </a:cubicBezTo>
+                  <a:close/>
+                </a:path>
+              </a:pathLst>
+            </a:custGeom>
+            <a:solidFill>
+              <a:srgbClr val="F7F7FF"/>
+            </a:solidFill>
+          </p:spPr>
+        </p:sp>
+        <p:sp>
+          <p:nvSpPr>
+            <p:cNvPr id="4" name="TextBox 4">
+              <a:extLst>
+                <a:ext uri="{FF2B5EF4-FFF2-40B4-BE49-F238E27FC236}">
+                  <a16:creationId xmlns:a16="http://schemas.microsoft.com/office/drawing/2014/main" id="{D1A53889-2C01-4189-C422-0C2F163C99E9}"/>
+                </a:ext>
+              </a:extLst>
+            </p:cNvPr>
+            <p:cNvSpPr txBox="1"/>
+            <p:nvPr/>
+          </p:nvSpPr>
+          <p:spPr>
+            <a:xfrm>
+              <a:off x="0" y="0"/>
+              <a:ext cx="3612444" cy="169916"/>
+            </a:xfrm>
+            <a:prstGeom prst="rect">
+              <a:avLst/>
+            </a:prstGeom>
+          </p:spPr>
+          <p:txBody>
+            <a:bodyPr lIns="0" tIns="0" rIns="0" bIns="0" rtlCol="0" anchor="ctr"/>
+            <a:lstStyle/>
+            <a:p>
+              <a:pPr algn="ctr">
+                <a:lnSpc>
+                  <a:spcPts val="1110"/>
+                </a:lnSpc>
+              </a:pPr>
+              <a:endParaRPr/>
+            </a:p>
+          </p:txBody>
+        </p:sp>
+      </p:grpSp>
+      <p:grpSp>
+        <p:nvGrpSpPr>
+          <p:cNvPr id="5" name="Group 5">
+            <a:extLst>
+              <a:ext uri="{FF2B5EF4-FFF2-40B4-BE49-F238E27FC236}">
+                <a16:creationId xmlns:a16="http://schemas.microsoft.com/office/drawing/2014/main" id="{45751E28-2C6C-CED8-93C3-4C3A02E7EF44}"/>
+              </a:ext>
+            </a:extLst>
+          </p:cNvPr>
+          <p:cNvGrpSpPr/>
+          <p:nvPr/>
+        </p:nvGrpSpPr>
+        <p:grpSpPr>
+          <a:xfrm>
+            <a:off x="264098" y="1276554"/>
+            <a:ext cx="1714670" cy="280249"/>
+            <a:chOff x="0" y="0"/>
+            <a:chExt cx="635063" cy="103796"/>
+          </a:xfrm>
+        </p:grpSpPr>
+        <p:sp>
+          <p:nvSpPr>
+            <p:cNvPr id="6" name="Freeform 6">
+              <a:extLst>
+                <a:ext uri="{FF2B5EF4-FFF2-40B4-BE49-F238E27FC236}">
+                  <a16:creationId xmlns:a16="http://schemas.microsoft.com/office/drawing/2014/main" id="{EB314779-2BDB-2817-7DF9-8976CA4EF556}"/>
+                </a:ext>
+              </a:extLst>
+            </p:cNvPr>
+            <p:cNvSpPr/>
+            <p:nvPr/>
+          </p:nvSpPr>
+          <p:spPr>
+            <a:xfrm>
+              <a:off x="0" y="0"/>
+              <a:ext cx="635063" cy="103796"/>
+            </a:xfrm>
+            <a:custGeom>
+              <a:avLst/>
+              <a:gdLst/>
+              <a:ahLst/>
+              <a:cxnLst/>
+              <a:rect l="l" t="t" r="r" b="b"/>
+              <a:pathLst>
+                <a:path w="635063" h="103796">
+                  <a:moveTo>
+                    <a:pt x="9030" y="0"/>
+                  </a:moveTo>
+                  <a:lnTo>
+                    <a:pt x="626033" y="0"/>
+                  </a:lnTo>
+                  <a:cubicBezTo>
+                    <a:pt x="631020" y="0"/>
+                    <a:pt x="635063" y="4043"/>
+                    <a:pt x="635063" y="9030"/>
+                  </a:cubicBezTo>
+                  <a:lnTo>
+                    <a:pt x="635063" y="94766"/>
+                  </a:lnTo>
+                  <a:cubicBezTo>
+                    <a:pt x="635063" y="97161"/>
+                    <a:pt x="634112" y="99458"/>
+                    <a:pt x="632418" y="101151"/>
+                  </a:cubicBezTo>
+                  <a:cubicBezTo>
+                    <a:pt x="630725" y="102845"/>
+                    <a:pt x="628428" y="103796"/>
+                    <a:pt x="626033" y="103796"/>
+                  </a:cubicBezTo>
+                  <a:lnTo>
+                    <a:pt x="9030" y="103796"/>
+                  </a:lnTo>
+                  <a:cubicBezTo>
+                    <a:pt x="4043" y="103796"/>
+                    <a:pt x="0" y="99753"/>
+                    <a:pt x="0" y="94766"/>
+                  </a:cubicBezTo>
+                  <a:lnTo>
+                    <a:pt x="0" y="9030"/>
+                  </a:lnTo>
+                  <a:cubicBezTo>
+                    <a:pt x="0" y="4043"/>
+                    <a:pt x="4043" y="0"/>
+                    <a:pt x="9030" y="0"/>
+                  </a:cubicBezTo>
+                  <a:close/>
+                </a:path>
+              </a:pathLst>
+            </a:custGeom>
+            <a:solidFill>
+              <a:srgbClr val="FCB624"/>
+            </a:solidFill>
+          </p:spPr>
+        </p:sp>
+        <p:sp>
+          <p:nvSpPr>
+            <p:cNvPr id="7" name="TextBox 7">
+              <a:extLst>
+                <a:ext uri="{FF2B5EF4-FFF2-40B4-BE49-F238E27FC236}">
+                  <a16:creationId xmlns:a16="http://schemas.microsoft.com/office/drawing/2014/main" id="{9AE7A355-FFAA-8CD8-FD66-1CBC8ED1A777}"/>
+                </a:ext>
+              </a:extLst>
+            </p:cNvPr>
+            <p:cNvSpPr txBox="1"/>
+            <p:nvPr/>
+          </p:nvSpPr>
+          <p:spPr>
+            <a:xfrm>
+              <a:off x="0" y="0"/>
+              <a:ext cx="635063" cy="103796"/>
+            </a:xfrm>
+            <a:prstGeom prst="rect">
+              <a:avLst/>
+            </a:prstGeom>
+          </p:spPr>
+          <p:txBody>
+            <a:bodyPr lIns="0" tIns="0" rIns="0" bIns="0" rtlCol="0" anchor="ctr"/>
+            <a:lstStyle/>
+            <a:p>
+              <a:pPr algn="ctr">
+                <a:lnSpc>
+                  <a:spcPts val="1110"/>
+                </a:lnSpc>
+              </a:pPr>
+              <a:endParaRPr/>
+            </a:p>
+          </p:txBody>
+        </p:sp>
+      </p:grpSp>
+      <p:grpSp>
+        <p:nvGrpSpPr>
+          <p:cNvPr id="11" name="Group 11">
+            <a:extLst>
+              <a:ext uri="{FF2B5EF4-FFF2-40B4-BE49-F238E27FC236}">
+                <a16:creationId xmlns:a16="http://schemas.microsoft.com/office/drawing/2014/main" id="{31A521F3-BA99-6D68-D870-0F6F4EFF0267}"/>
+              </a:ext>
+            </a:extLst>
+          </p:cNvPr>
+          <p:cNvGrpSpPr/>
+          <p:nvPr/>
+        </p:nvGrpSpPr>
+        <p:grpSpPr>
+          <a:xfrm>
+            <a:off x="264098" y="1870885"/>
+            <a:ext cx="1714670" cy="280249"/>
+            <a:chOff x="0" y="0"/>
+            <a:chExt cx="635063" cy="103796"/>
+          </a:xfrm>
+          <a:solidFill>
+            <a:srgbClr val="FCB624"/>
+          </a:solidFill>
+        </p:grpSpPr>
+        <p:sp>
+          <p:nvSpPr>
+            <p:cNvPr id="12" name="Freeform 12">
+              <a:extLst>
+                <a:ext uri="{FF2B5EF4-FFF2-40B4-BE49-F238E27FC236}">
+                  <a16:creationId xmlns:a16="http://schemas.microsoft.com/office/drawing/2014/main" id="{3FFABE70-C308-4797-C40C-B80A2A05D03C}"/>
+                </a:ext>
+              </a:extLst>
+            </p:cNvPr>
+            <p:cNvSpPr/>
+            <p:nvPr/>
+          </p:nvSpPr>
+          <p:spPr>
+            <a:xfrm>
+              <a:off x="0" y="0"/>
+              <a:ext cx="635063" cy="103796"/>
+            </a:xfrm>
+            <a:custGeom>
+              <a:avLst/>
+              <a:gdLst/>
+              <a:ahLst/>
+              <a:cxnLst/>
+              <a:rect l="l" t="t" r="r" b="b"/>
+              <a:pathLst>
+                <a:path w="635063" h="103796">
+                  <a:moveTo>
+                    <a:pt x="9030" y="0"/>
+                  </a:moveTo>
+                  <a:lnTo>
+                    <a:pt x="626033" y="0"/>
+                  </a:lnTo>
+                  <a:cubicBezTo>
+                    <a:pt x="631020" y="0"/>
+                    <a:pt x="635063" y="4043"/>
+                    <a:pt x="635063" y="9030"/>
+                  </a:cubicBezTo>
+                  <a:lnTo>
+                    <a:pt x="635063" y="94766"/>
+                  </a:lnTo>
+                  <a:cubicBezTo>
+                    <a:pt x="635063" y="97161"/>
+                    <a:pt x="634112" y="99458"/>
+                    <a:pt x="632418" y="101151"/>
+                  </a:cubicBezTo>
+                  <a:cubicBezTo>
+                    <a:pt x="630725" y="102845"/>
+                    <a:pt x="628428" y="103796"/>
+                    <a:pt x="626033" y="103796"/>
+                  </a:cubicBezTo>
+                  <a:lnTo>
+                    <a:pt x="9030" y="103796"/>
+                  </a:lnTo>
+                  <a:cubicBezTo>
+                    <a:pt x="4043" y="103796"/>
+                    <a:pt x="0" y="99753"/>
+                    <a:pt x="0" y="94766"/>
+                  </a:cubicBezTo>
+                  <a:lnTo>
+                    <a:pt x="0" y="9030"/>
+                  </a:lnTo>
+                  <a:cubicBezTo>
+                    <a:pt x="0" y="4043"/>
+                    <a:pt x="4043" y="0"/>
+                    <a:pt x="9030" y="0"/>
+                  </a:cubicBezTo>
+                  <a:close/>
+                </a:path>
+              </a:pathLst>
+            </a:custGeom>
+            <a:grpFill/>
+          </p:spPr>
+        </p:sp>
+        <p:sp>
+          <p:nvSpPr>
+            <p:cNvPr id="13" name="TextBox 13">
+              <a:extLst>
+                <a:ext uri="{FF2B5EF4-FFF2-40B4-BE49-F238E27FC236}">
+                  <a16:creationId xmlns:a16="http://schemas.microsoft.com/office/drawing/2014/main" id="{9DB1E392-F5F8-5E6A-329C-337FF2A55742}"/>
+                </a:ext>
+              </a:extLst>
+            </p:cNvPr>
+            <p:cNvSpPr txBox="1"/>
+            <p:nvPr/>
+          </p:nvSpPr>
+          <p:spPr>
+            <a:xfrm>
+              <a:off x="0" y="0"/>
+              <a:ext cx="635063" cy="103796"/>
+            </a:xfrm>
+            <a:prstGeom prst="rect">
+              <a:avLst/>
+            </a:prstGeom>
+            <a:grpFill/>
+          </p:spPr>
+          <p:txBody>
+            <a:bodyPr lIns="0" tIns="0" rIns="0" bIns="0" rtlCol="0" anchor="ctr"/>
+            <a:lstStyle/>
+            <a:p>
+              <a:pPr algn="ctr">
+                <a:lnSpc>
+                  <a:spcPts val="1110"/>
+                </a:lnSpc>
+              </a:pPr>
+              <a:endParaRPr/>
+            </a:p>
+          </p:txBody>
+        </p:sp>
+      </p:grpSp>
+      <p:grpSp>
+        <p:nvGrpSpPr>
+          <p:cNvPr id="14" name="Group 14">
+            <a:extLst>
+              <a:ext uri="{FF2B5EF4-FFF2-40B4-BE49-F238E27FC236}">
+                <a16:creationId xmlns:a16="http://schemas.microsoft.com/office/drawing/2014/main" id="{2DD54BE8-288F-3E63-8FED-B653BC607001}"/>
+              </a:ext>
+            </a:extLst>
+          </p:cNvPr>
+          <p:cNvGrpSpPr/>
+          <p:nvPr/>
+        </p:nvGrpSpPr>
+        <p:grpSpPr>
+          <a:xfrm>
+            <a:off x="264098" y="2518996"/>
+            <a:ext cx="1714670" cy="280249"/>
+            <a:chOff x="0" y="0"/>
+            <a:chExt cx="635063" cy="103796"/>
+          </a:xfrm>
+          <a:solidFill>
+            <a:srgbClr val="FCB624"/>
+          </a:solidFill>
+        </p:grpSpPr>
+        <p:sp>
+          <p:nvSpPr>
+            <p:cNvPr id="15" name="Freeform 15">
+              <a:extLst>
+                <a:ext uri="{FF2B5EF4-FFF2-40B4-BE49-F238E27FC236}">
+                  <a16:creationId xmlns:a16="http://schemas.microsoft.com/office/drawing/2014/main" id="{F6546C27-3E5C-4C28-3800-9864B255BD1D}"/>
+                </a:ext>
+              </a:extLst>
+            </p:cNvPr>
+            <p:cNvSpPr/>
+            <p:nvPr/>
+          </p:nvSpPr>
+          <p:spPr>
+            <a:xfrm>
+              <a:off x="0" y="0"/>
+              <a:ext cx="635063" cy="103796"/>
+            </a:xfrm>
+            <a:custGeom>
+              <a:avLst/>
+              <a:gdLst/>
+              <a:ahLst/>
+              <a:cxnLst/>
+              <a:rect l="l" t="t" r="r" b="b"/>
+              <a:pathLst>
+                <a:path w="635063" h="103796">
+                  <a:moveTo>
+                    <a:pt x="9030" y="0"/>
+                  </a:moveTo>
+                  <a:lnTo>
+                    <a:pt x="626033" y="0"/>
+                  </a:lnTo>
+                  <a:cubicBezTo>
+                    <a:pt x="631020" y="0"/>
+                    <a:pt x="635063" y="4043"/>
+                    <a:pt x="635063" y="9030"/>
+                  </a:cubicBezTo>
+                  <a:lnTo>
+                    <a:pt x="635063" y="94766"/>
+                  </a:lnTo>
+                  <a:cubicBezTo>
+                    <a:pt x="635063" y="97161"/>
+                    <a:pt x="634112" y="99458"/>
+                    <a:pt x="632418" y="101151"/>
+                  </a:cubicBezTo>
+                  <a:cubicBezTo>
+                    <a:pt x="630725" y="102845"/>
+                    <a:pt x="628428" y="103796"/>
+                    <a:pt x="626033" y="103796"/>
+                  </a:cubicBezTo>
+                  <a:lnTo>
+                    <a:pt x="9030" y="103796"/>
+                  </a:lnTo>
+                  <a:cubicBezTo>
+                    <a:pt x="4043" y="103796"/>
+                    <a:pt x="0" y="99753"/>
+                    <a:pt x="0" y="94766"/>
+                  </a:cubicBezTo>
+                  <a:lnTo>
+                    <a:pt x="0" y="9030"/>
+                  </a:lnTo>
+                  <a:cubicBezTo>
+                    <a:pt x="0" y="4043"/>
+                    <a:pt x="4043" y="0"/>
+                    <a:pt x="9030" y="0"/>
+                  </a:cubicBezTo>
+                  <a:close/>
+                </a:path>
+              </a:pathLst>
+            </a:custGeom>
+            <a:grpFill/>
+          </p:spPr>
+        </p:sp>
+        <p:sp>
+          <p:nvSpPr>
+            <p:cNvPr id="16" name="TextBox 16">
+              <a:extLst>
+                <a:ext uri="{FF2B5EF4-FFF2-40B4-BE49-F238E27FC236}">
+                  <a16:creationId xmlns:a16="http://schemas.microsoft.com/office/drawing/2014/main" id="{D609F41B-2D20-0D33-1A41-0DEDE73C4C34}"/>
+                </a:ext>
+              </a:extLst>
+            </p:cNvPr>
+            <p:cNvSpPr txBox="1"/>
+            <p:nvPr/>
+          </p:nvSpPr>
+          <p:spPr>
+            <a:xfrm>
+              <a:off x="0" y="0"/>
+              <a:ext cx="635063" cy="103796"/>
+            </a:xfrm>
+            <a:prstGeom prst="rect">
+              <a:avLst/>
+            </a:prstGeom>
+            <a:grpFill/>
+          </p:spPr>
+          <p:txBody>
+            <a:bodyPr lIns="0" tIns="0" rIns="0" bIns="0" rtlCol="0" anchor="ctr"/>
+            <a:lstStyle/>
+            <a:p>
+              <a:pPr algn="ctr">
+                <a:lnSpc>
+                  <a:spcPts val="1110"/>
+                </a:lnSpc>
+              </a:pPr>
+              <a:endParaRPr/>
+            </a:p>
+          </p:txBody>
+        </p:sp>
+      </p:grpSp>
+      <p:grpSp>
+        <p:nvGrpSpPr>
+          <p:cNvPr id="17" name="Group 17">
+            <a:extLst>
+              <a:ext uri="{FF2B5EF4-FFF2-40B4-BE49-F238E27FC236}">
+                <a16:creationId xmlns:a16="http://schemas.microsoft.com/office/drawing/2014/main" id="{EAFCFA70-9C4F-679C-5BF8-C8A7CC81F7CA}"/>
+              </a:ext>
+            </a:extLst>
+          </p:cNvPr>
+          <p:cNvGrpSpPr/>
+          <p:nvPr/>
+        </p:nvGrpSpPr>
+        <p:grpSpPr>
+          <a:xfrm>
+            <a:off x="264098" y="4444151"/>
+            <a:ext cx="1714670" cy="280249"/>
+            <a:chOff x="0" y="0"/>
+            <a:chExt cx="635063" cy="103796"/>
+          </a:xfrm>
+          <a:solidFill>
+            <a:srgbClr val="FCB624"/>
+          </a:solidFill>
+        </p:grpSpPr>
+        <p:sp>
+          <p:nvSpPr>
+            <p:cNvPr id="18" name="Freeform 18">
+              <a:extLst>
+                <a:ext uri="{FF2B5EF4-FFF2-40B4-BE49-F238E27FC236}">
+                  <a16:creationId xmlns:a16="http://schemas.microsoft.com/office/drawing/2014/main" id="{7D3107E7-F5DA-E068-82C8-1884EBB006C8}"/>
+                </a:ext>
+              </a:extLst>
+            </p:cNvPr>
+            <p:cNvSpPr/>
+            <p:nvPr/>
+          </p:nvSpPr>
+          <p:spPr>
+            <a:xfrm>
+              <a:off x="0" y="0"/>
+              <a:ext cx="635063" cy="103796"/>
+            </a:xfrm>
+            <a:custGeom>
+              <a:avLst/>
+              <a:gdLst/>
+              <a:ahLst/>
+              <a:cxnLst/>
+              <a:rect l="l" t="t" r="r" b="b"/>
+              <a:pathLst>
+                <a:path w="635063" h="103796">
+                  <a:moveTo>
+                    <a:pt x="9030" y="0"/>
+                  </a:moveTo>
+                  <a:lnTo>
+                    <a:pt x="626033" y="0"/>
+                  </a:lnTo>
+                  <a:cubicBezTo>
+                    <a:pt x="631020" y="0"/>
+                    <a:pt x="635063" y="4043"/>
+                    <a:pt x="635063" y="9030"/>
+                  </a:cubicBezTo>
+                  <a:lnTo>
+                    <a:pt x="635063" y="94766"/>
+                  </a:lnTo>
+                  <a:cubicBezTo>
+                    <a:pt x="635063" y="97161"/>
+                    <a:pt x="634112" y="99458"/>
+                    <a:pt x="632418" y="101151"/>
+                  </a:cubicBezTo>
+                  <a:cubicBezTo>
+                    <a:pt x="630725" y="102845"/>
+                    <a:pt x="628428" y="103796"/>
+                    <a:pt x="626033" y="103796"/>
+                  </a:cubicBezTo>
+                  <a:lnTo>
+                    <a:pt x="9030" y="103796"/>
+                  </a:lnTo>
+                  <a:cubicBezTo>
+                    <a:pt x="4043" y="103796"/>
+                    <a:pt x="0" y="99753"/>
+                    <a:pt x="0" y="94766"/>
+                  </a:cubicBezTo>
+                  <a:lnTo>
+                    <a:pt x="0" y="9030"/>
+                  </a:lnTo>
+                  <a:cubicBezTo>
+                    <a:pt x="0" y="4043"/>
+                    <a:pt x="4043" y="0"/>
+                    <a:pt x="9030" y="0"/>
+                  </a:cubicBezTo>
+                  <a:close/>
+                </a:path>
+              </a:pathLst>
+            </a:custGeom>
+            <a:grpFill/>
+          </p:spPr>
+        </p:sp>
+        <p:sp>
+          <p:nvSpPr>
+            <p:cNvPr id="19" name="TextBox 19">
+              <a:extLst>
+                <a:ext uri="{FF2B5EF4-FFF2-40B4-BE49-F238E27FC236}">
+                  <a16:creationId xmlns:a16="http://schemas.microsoft.com/office/drawing/2014/main" id="{051F27DD-555F-44A8-6756-D10C831375A8}"/>
+                </a:ext>
+              </a:extLst>
+            </p:cNvPr>
+            <p:cNvSpPr txBox="1"/>
+            <p:nvPr/>
+          </p:nvSpPr>
+          <p:spPr>
+            <a:xfrm>
+              <a:off x="0" y="0"/>
+              <a:ext cx="635063" cy="103796"/>
+            </a:xfrm>
+            <a:prstGeom prst="rect">
+              <a:avLst/>
+            </a:prstGeom>
+            <a:grpFill/>
+          </p:spPr>
+          <p:txBody>
+            <a:bodyPr lIns="0" tIns="0" rIns="0" bIns="0" rtlCol="0" anchor="ctr"/>
+            <a:lstStyle/>
+            <a:p>
+              <a:pPr algn="ctr">
+                <a:lnSpc>
+                  <a:spcPts val="1110"/>
+                </a:lnSpc>
+              </a:pPr>
+              <a:endParaRPr/>
+            </a:p>
+          </p:txBody>
+        </p:sp>
+      </p:grpSp>
+      <p:grpSp>
+        <p:nvGrpSpPr>
+          <p:cNvPr id="20" name="Group 20">
+            <a:extLst>
+              <a:ext uri="{FF2B5EF4-FFF2-40B4-BE49-F238E27FC236}">
+                <a16:creationId xmlns:a16="http://schemas.microsoft.com/office/drawing/2014/main" id="{A6CF5A58-E12A-B128-96E8-6448DBE02A41}"/>
+              </a:ext>
+            </a:extLst>
+          </p:cNvPr>
+          <p:cNvGrpSpPr/>
+          <p:nvPr/>
+        </p:nvGrpSpPr>
+        <p:grpSpPr>
+          <a:xfrm>
+            <a:off x="273623" y="5638938"/>
+            <a:ext cx="1714670" cy="280249"/>
+            <a:chOff x="0" y="0"/>
+            <a:chExt cx="635063" cy="103796"/>
+          </a:xfrm>
+          <a:solidFill>
+            <a:srgbClr val="FCB624"/>
+          </a:solidFill>
+        </p:grpSpPr>
+        <p:sp>
+          <p:nvSpPr>
+            <p:cNvPr id="21" name="Freeform 21">
+              <a:extLst>
+                <a:ext uri="{FF2B5EF4-FFF2-40B4-BE49-F238E27FC236}">
+                  <a16:creationId xmlns:a16="http://schemas.microsoft.com/office/drawing/2014/main" id="{67A71D81-B6EB-4B98-D4C4-48F7D879B6BA}"/>
+                </a:ext>
+              </a:extLst>
+            </p:cNvPr>
+            <p:cNvSpPr/>
+            <p:nvPr/>
+          </p:nvSpPr>
+          <p:spPr>
+            <a:xfrm>
+              <a:off x="0" y="0"/>
+              <a:ext cx="635063" cy="103796"/>
+            </a:xfrm>
+            <a:custGeom>
+              <a:avLst/>
+              <a:gdLst/>
+              <a:ahLst/>
+              <a:cxnLst/>
+              <a:rect l="l" t="t" r="r" b="b"/>
+              <a:pathLst>
+                <a:path w="635063" h="103796">
+                  <a:moveTo>
+                    <a:pt x="9030" y="0"/>
+                  </a:moveTo>
+                  <a:lnTo>
+                    <a:pt x="626033" y="0"/>
+                  </a:lnTo>
+                  <a:cubicBezTo>
+                    <a:pt x="631020" y="0"/>
+                    <a:pt x="635063" y="4043"/>
+                    <a:pt x="635063" y="9030"/>
+                  </a:cubicBezTo>
+                  <a:lnTo>
+                    <a:pt x="635063" y="94766"/>
+                  </a:lnTo>
+                  <a:cubicBezTo>
+                    <a:pt x="635063" y="97161"/>
+                    <a:pt x="634112" y="99458"/>
+                    <a:pt x="632418" y="101151"/>
+                  </a:cubicBezTo>
+                  <a:cubicBezTo>
+                    <a:pt x="630725" y="102845"/>
+                    <a:pt x="628428" y="103796"/>
+                    <a:pt x="626033" y="103796"/>
+                  </a:cubicBezTo>
+                  <a:lnTo>
+                    <a:pt x="9030" y="103796"/>
+                  </a:lnTo>
+                  <a:cubicBezTo>
+                    <a:pt x="4043" y="103796"/>
+                    <a:pt x="0" y="99753"/>
+                    <a:pt x="0" y="94766"/>
+                  </a:cubicBezTo>
+                  <a:lnTo>
+                    <a:pt x="0" y="9030"/>
+                  </a:lnTo>
+                  <a:cubicBezTo>
+                    <a:pt x="0" y="4043"/>
+                    <a:pt x="4043" y="0"/>
+                    <a:pt x="9030" y="0"/>
+                  </a:cubicBezTo>
+                  <a:close/>
+                </a:path>
+              </a:pathLst>
+            </a:custGeom>
+            <a:grpFill/>
+          </p:spPr>
+        </p:sp>
+        <p:sp>
+          <p:nvSpPr>
+            <p:cNvPr id="22" name="TextBox 22">
+              <a:extLst>
+                <a:ext uri="{FF2B5EF4-FFF2-40B4-BE49-F238E27FC236}">
+                  <a16:creationId xmlns:a16="http://schemas.microsoft.com/office/drawing/2014/main" id="{DE87C240-E608-A6C2-4E32-E69F2B465774}"/>
+                </a:ext>
+              </a:extLst>
+            </p:cNvPr>
+            <p:cNvSpPr txBox="1"/>
+            <p:nvPr/>
+          </p:nvSpPr>
+          <p:spPr>
+            <a:xfrm>
+              <a:off x="0" y="0"/>
+              <a:ext cx="635063" cy="103796"/>
+            </a:xfrm>
+            <a:prstGeom prst="rect">
+              <a:avLst/>
+            </a:prstGeom>
+            <a:grpFill/>
+          </p:spPr>
+          <p:txBody>
+            <a:bodyPr lIns="0" tIns="0" rIns="0" bIns="0" rtlCol="0" anchor="ctr"/>
+            <a:lstStyle/>
+            <a:p>
+              <a:pPr algn="ctr">
+                <a:lnSpc>
+                  <a:spcPts val="1110"/>
+                </a:lnSpc>
+              </a:pPr>
+              <a:endParaRPr/>
+            </a:p>
+          </p:txBody>
+        </p:sp>
+      </p:grpSp>
+      <p:sp>
+        <p:nvSpPr>
+          <p:cNvPr id="32" name="AutoShape 32">
+            <a:extLst>
+              <a:ext uri="{FF2B5EF4-FFF2-40B4-BE49-F238E27FC236}">
+                <a16:creationId xmlns:a16="http://schemas.microsoft.com/office/drawing/2014/main" id="{CEEC6F7D-E8D1-6CF4-DD84-29093825DD38}"/>
+              </a:ext>
+            </a:extLst>
+          </p:cNvPr>
+          <p:cNvSpPr/>
+          <p:nvPr/>
+        </p:nvSpPr>
+        <p:spPr>
+          <a:xfrm>
+            <a:off x="2352313" y="2594666"/>
+            <a:ext cx="7151476" cy="0"/>
+          </a:xfrm>
+          <a:prstGeom prst="line">
+            <a:avLst/>
+          </a:prstGeom>
+          <a:ln w="9525" cap="flat">
+            <a:solidFill>
+              <a:srgbClr val="D5D5D5"/>
+            </a:solidFill>
+            <a:prstDash val="solid"/>
+            <a:headEnd type="none" w="sm" len="sm"/>
+            <a:tailEnd type="none" w="sm" len="sm"/>
+          </a:ln>
+        </p:spPr>
+      </p:sp>
+      <p:sp>
+        <p:nvSpPr>
+          <p:cNvPr id="34" name="AutoShape 34">
+            <a:extLst>
+              <a:ext uri="{FF2B5EF4-FFF2-40B4-BE49-F238E27FC236}">
+                <a16:creationId xmlns:a16="http://schemas.microsoft.com/office/drawing/2014/main" id="{5C5523BB-9013-2FDC-C671-5042B65AE727}"/>
+              </a:ext>
+            </a:extLst>
+          </p:cNvPr>
+          <p:cNvSpPr/>
+          <p:nvPr/>
+        </p:nvSpPr>
+        <p:spPr>
+          <a:xfrm>
+            <a:off x="2352313" y="7099781"/>
+            <a:ext cx="7151476" cy="0"/>
+          </a:xfrm>
+          <a:prstGeom prst="line">
+            <a:avLst/>
+          </a:prstGeom>
+          <a:ln w="9525" cap="flat">
+            <a:solidFill>
+              <a:srgbClr val="D5D5D5"/>
+            </a:solidFill>
+            <a:prstDash val="solid"/>
+            <a:headEnd type="none" w="sm" len="sm"/>
+            <a:tailEnd type="none" w="sm" len="sm"/>
+          </a:ln>
+        </p:spPr>
+      </p:sp>
+      <p:sp>
+        <p:nvSpPr>
+          <p:cNvPr id="41" name="AutoShape 41">
+            <a:extLst>
+              <a:ext uri="{FF2B5EF4-FFF2-40B4-BE49-F238E27FC236}">
+                <a16:creationId xmlns:a16="http://schemas.microsoft.com/office/drawing/2014/main" id="{D0D7BF3C-59D5-5141-64BB-80FAE67CF0B0}"/>
+              </a:ext>
+            </a:extLst>
+          </p:cNvPr>
+          <p:cNvSpPr/>
+          <p:nvPr/>
+        </p:nvSpPr>
+        <p:spPr>
+          <a:xfrm>
+            <a:off x="2352313" y="3767891"/>
+            <a:ext cx="7151476" cy="0"/>
+          </a:xfrm>
+          <a:prstGeom prst="line">
+            <a:avLst/>
+          </a:prstGeom>
+          <a:ln w="9525" cap="flat">
+            <a:solidFill>
+              <a:srgbClr val="D5D5D5"/>
+            </a:solidFill>
+            <a:prstDash val="solid"/>
+            <a:headEnd type="none" w="sm" len="sm"/>
+            <a:tailEnd type="none" w="sm" len="sm"/>
+          </a:ln>
+        </p:spPr>
+      </p:sp>
+      <p:sp>
+        <p:nvSpPr>
+          <p:cNvPr id="42" name="AutoShape 42">
+            <a:extLst>
+              <a:ext uri="{FF2B5EF4-FFF2-40B4-BE49-F238E27FC236}">
+                <a16:creationId xmlns:a16="http://schemas.microsoft.com/office/drawing/2014/main" id="{B973221F-FECE-000F-90E0-6ABF9189DF9F}"/>
+              </a:ext>
+            </a:extLst>
+          </p:cNvPr>
+          <p:cNvSpPr/>
+          <p:nvPr/>
+        </p:nvSpPr>
+        <p:spPr>
+          <a:xfrm>
+            <a:off x="2352313" y="4941117"/>
+            <a:ext cx="7151476" cy="0"/>
+          </a:xfrm>
+          <a:prstGeom prst="line">
+            <a:avLst/>
+          </a:prstGeom>
+          <a:ln w="9525" cap="flat">
+            <a:solidFill>
+              <a:srgbClr val="D5D5D5"/>
+            </a:solidFill>
+            <a:prstDash val="solid"/>
+            <a:headEnd type="none" w="sm" len="sm"/>
+            <a:tailEnd type="none" w="sm" len="sm"/>
+          </a:ln>
+        </p:spPr>
+      </p:sp>
+      <p:sp>
+        <p:nvSpPr>
+          <p:cNvPr id="43" name="AutoShape 43">
+            <a:extLst>
+              <a:ext uri="{FF2B5EF4-FFF2-40B4-BE49-F238E27FC236}">
+                <a16:creationId xmlns:a16="http://schemas.microsoft.com/office/drawing/2014/main" id="{F80FC94A-005D-B470-6C13-8AF19C4C0B1D}"/>
+              </a:ext>
+            </a:extLst>
+          </p:cNvPr>
+          <p:cNvSpPr/>
+          <p:nvPr/>
+        </p:nvSpPr>
+        <p:spPr>
+          <a:xfrm>
+            <a:off x="2352313" y="6114342"/>
+            <a:ext cx="7151476" cy="0"/>
+          </a:xfrm>
+          <a:prstGeom prst="line">
+            <a:avLst/>
+          </a:prstGeom>
+          <a:ln w="9525" cap="flat">
+            <a:solidFill>
+              <a:srgbClr val="D5D5D5"/>
+            </a:solidFill>
+            <a:prstDash val="solid"/>
+            <a:headEnd type="none" w="sm" len="sm"/>
+            <a:tailEnd type="none" w="sm" len="sm"/>
+          </a:ln>
+        </p:spPr>
+      </p:sp>
+      <p:grpSp>
+        <p:nvGrpSpPr>
+          <p:cNvPr id="148" name="Group 148">
+            <a:extLst>
+              <a:ext uri="{FF2B5EF4-FFF2-40B4-BE49-F238E27FC236}">
+                <a16:creationId xmlns:a16="http://schemas.microsoft.com/office/drawing/2014/main" id="{D27805A0-B1A0-1633-C806-0087AC256BEB}"/>
+              </a:ext>
+            </a:extLst>
+          </p:cNvPr>
+          <p:cNvGrpSpPr/>
+          <p:nvPr/>
+        </p:nvGrpSpPr>
+        <p:grpSpPr>
+          <a:xfrm>
+            <a:off x="1440782" y="263606"/>
+            <a:ext cx="215333" cy="215333"/>
+            <a:chOff x="0" y="0"/>
+            <a:chExt cx="812800" cy="812800"/>
+          </a:xfrm>
+          <a:solidFill>
+            <a:schemeClr val="accent3">
+              <a:lumMod val="50000"/>
+            </a:schemeClr>
+          </a:solidFill>
+        </p:grpSpPr>
+        <p:sp>
+          <p:nvSpPr>
+            <p:cNvPr id="149" name="Freeform 149">
+              <a:extLst>
+                <a:ext uri="{FF2B5EF4-FFF2-40B4-BE49-F238E27FC236}">
+                  <a16:creationId xmlns:a16="http://schemas.microsoft.com/office/drawing/2014/main" id="{CA096216-1287-3147-F282-DC9124E56E83}"/>
+                </a:ext>
+              </a:extLst>
+            </p:cNvPr>
+            <p:cNvSpPr/>
+            <p:nvPr/>
+          </p:nvSpPr>
+          <p:spPr>
+            <a:xfrm>
+              <a:off x="0" y="0"/>
+              <a:ext cx="812800" cy="812800"/>
+            </a:xfrm>
+            <a:custGeom>
+              <a:avLst/>
+              <a:gdLst/>
+              <a:ahLst/>
+              <a:cxnLst/>
+              <a:rect l="l" t="t" r="r" b="b"/>
+              <a:pathLst>
+                <a:path w="812800" h="812800">
+                  <a:moveTo>
+                    <a:pt x="406400" y="0"/>
+                  </a:moveTo>
+                  <a:cubicBezTo>
+                    <a:pt x="181951" y="0"/>
+                    <a:pt x="0" y="181951"/>
+                    <a:pt x="0" y="406400"/>
+                  </a:cubicBezTo>
+                  <a:cubicBezTo>
+                    <a:pt x="0" y="630849"/>
+                    <a:pt x="181951" y="812800"/>
+                    <a:pt x="406400" y="812800"/>
+                  </a:cubicBezTo>
+                  <a:cubicBezTo>
+                    <a:pt x="630849" y="812800"/>
+                    <a:pt x="812800" y="630849"/>
+                    <a:pt x="812800" y="406400"/>
+                  </a:cubicBezTo>
+                  <a:cubicBezTo>
+                    <a:pt x="812800" y="181951"/>
+                    <a:pt x="630849" y="0"/>
+                    <a:pt x="406400" y="0"/>
+                  </a:cubicBezTo>
+                  <a:close/>
+                </a:path>
+              </a:pathLst>
+            </a:custGeom>
+            <a:grpFill/>
+          </p:spPr>
+        </p:sp>
+        <p:sp>
+          <p:nvSpPr>
+            <p:cNvPr id="150" name="TextBox 150">
+              <a:extLst>
+                <a:ext uri="{FF2B5EF4-FFF2-40B4-BE49-F238E27FC236}">
+                  <a16:creationId xmlns:a16="http://schemas.microsoft.com/office/drawing/2014/main" id="{C00CE30D-8A1B-6C7E-68FE-81DB02B12316}"/>
+                </a:ext>
+              </a:extLst>
+            </p:cNvPr>
+            <p:cNvSpPr txBox="1"/>
+            <p:nvPr/>
+          </p:nvSpPr>
+          <p:spPr>
+            <a:xfrm>
+              <a:off x="76200" y="47625"/>
+              <a:ext cx="660400" cy="688975"/>
+            </a:xfrm>
+            <a:prstGeom prst="rect">
+              <a:avLst/>
+            </a:prstGeom>
+            <a:grpFill/>
+          </p:spPr>
+          <p:txBody>
+            <a:bodyPr lIns="50800" tIns="50800" rIns="50800" bIns="50800" rtlCol="0" anchor="ctr"/>
+            <a:lstStyle/>
+            <a:p>
+              <a:pPr algn="ctr">
+                <a:lnSpc>
+                  <a:spcPts val="1110"/>
+                </a:lnSpc>
+              </a:pPr>
+              <a:endParaRPr/>
+            </a:p>
+          </p:txBody>
+        </p:sp>
+      </p:grpSp>
+      <p:grpSp>
+        <p:nvGrpSpPr>
+          <p:cNvPr id="151" name="Group 151">
+            <a:extLst>
+              <a:ext uri="{FF2B5EF4-FFF2-40B4-BE49-F238E27FC236}">
+                <a16:creationId xmlns:a16="http://schemas.microsoft.com/office/drawing/2014/main" id="{4970C45E-846D-BC18-A648-01E4F3492A79}"/>
+              </a:ext>
+            </a:extLst>
+          </p:cNvPr>
+          <p:cNvGrpSpPr/>
+          <p:nvPr/>
+        </p:nvGrpSpPr>
+        <p:grpSpPr>
+          <a:xfrm>
+            <a:off x="8097486" y="263606"/>
+            <a:ext cx="215333" cy="215333"/>
+            <a:chOff x="0" y="0"/>
+            <a:chExt cx="812800" cy="812800"/>
+          </a:xfrm>
+          <a:solidFill>
+            <a:schemeClr val="accent3">
+              <a:lumMod val="50000"/>
+            </a:schemeClr>
+          </a:solidFill>
+        </p:grpSpPr>
+        <p:sp>
+          <p:nvSpPr>
+            <p:cNvPr id="152" name="Freeform 152">
+              <a:extLst>
+                <a:ext uri="{FF2B5EF4-FFF2-40B4-BE49-F238E27FC236}">
+                  <a16:creationId xmlns:a16="http://schemas.microsoft.com/office/drawing/2014/main" id="{09EF6325-745A-64C5-FDFC-2BD775D23C90}"/>
+                </a:ext>
+              </a:extLst>
+            </p:cNvPr>
+            <p:cNvSpPr/>
+            <p:nvPr/>
+          </p:nvSpPr>
+          <p:spPr>
+            <a:xfrm>
+              <a:off x="0" y="0"/>
+              <a:ext cx="812800" cy="812800"/>
+            </a:xfrm>
+            <a:custGeom>
+              <a:avLst/>
+              <a:gdLst/>
+              <a:ahLst/>
+              <a:cxnLst/>
+              <a:rect l="l" t="t" r="r" b="b"/>
+              <a:pathLst>
+                <a:path w="812800" h="812800">
+                  <a:moveTo>
+                    <a:pt x="406400" y="0"/>
+                  </a:moveTo>
+                  <a:cubicBezTo>
+                    <a:pt x="181951" y="0"/>
+                    <a:pt x="0" y="181951"/>
+                    <a:pt x="0" y="406400"/>
+                  </a:cubicBezTo>
+                  <a:cubicBezTo>
+                    <a:pt x="0" y="630849"/>
+                    <a:pt x="181951" y="812800"/>
+                    <a:pt x="406400" y="812800"/>
+                  </a:cubicBezTo>
+                  <a:cubicBezTo>
+                    <a:pt x="630849" y="812800"/>
+                    <a:pt x="812800" y="630849"/>
+                    <a:pt x="812800" y="406400"/>
+                  </a:cubicBezTo>
+                  <a:cubicBezTo>
+                    <a:pt x="812800" y="181951"/>
+                    <a:pt x="630849" y="0"/>
+                    <a:pt x="406400" y="0"/>
+                  </a:cubicBezTo>
+                  <a:close/>
+                </a:path>
+              </a:pathLst>
+            </a:custGeom>
+            <a:grpFill/>
+          </p:spPr>
+        </p:sp>
+        <p:sp>
+          <p:nvSpPr>
+            <p:cNvPr id="153" name="TextBox 153">
+              <a:extLst>
+                <a:ext uri="{FF2B5EF4-FFF2-40B4-BE49-F238E27FC236}">
+                  <a16:creationId xmlns:a16="http://schemas.microsoft.com/office/drawing/2014/main" id="{D0D459A7-E02D-50B6-6993-3F84DB3D7D68}"/>
+                </a:ext>
+              </a:extLst>
+            </p:cNvPr>
+            <p:cNvSpPr txBox="1"/>
+            <p:nvPr/>
+          </p:nvSpPr>
+          <p:spPr>
+            <a:xfrm>
+              <a:off x="76200" y="47625"/>
+              <a:ext cx="660400" cy="688975"/>
+            </a:xfrm>
+            <a:prstGeom prst="rect">
+              <a:avLst/>
+            </a:prstGeom>
+            <a:grpFill/>
+          </p:spPr>
+          <p:txBody>
+            <a:bodyPr lIns="50800" tIns="50800" rIns="50800" bIns="50800" rtlCol="0" anchor="ctr"/>
+            <a:lstStyle/>
+            <a:p>
+              <a:pPr algn="ctr">
+                <a:lnSpc>
+                  <a:spcPts val="1110"/>
+                </a:lnSpc>
+              </a:pPr>
+              <a:endParaRPr/>
+            </a:p>
+          </p:txBody>
+        </p:sp>
+      </p:grpSp>
+      <p:sp>
+        <p:nvSpPr>
+          <p:cNvPr id="155" name="TextBox 155">
+            <a:extLst>
+              <a:ext uri="{FF2B5EF4-FFF2-40B4-BE49-F238E27FC236}">
+                <a16:creationId xmlns:a16="http://schemas.microsoft.com/office/drawing/2014/main" id="{E8D1BC20-4D13-4428-2A38-5CBE2DE34B78}"/>
+              </a:ext>
+            </a:extLst>
+          </p:cNvPr>
+          <p:cNvSpPr txBox="1"/>
+          <p:nvPr/>
+        </p:nvSpPr>
+        <p:spPr>
+          <a:xfrm>
+            <a:off x="1773193" y="205728"/>
+            <a:ext cx="6207214" cy="597535"/>
+          </a:xfrm>
+          <a:prstGeom prst="rect">
+            <a:avLst/>
+          </a:prstGeom>
+        </p:spPr>
+        <p:txBody>
+          <a:bodyPr lIns="0" tIns="0" rIns="0" bIns="0" rtlCol="0" anchor="t">
+            <a:spAutoFit/>
+          </a:bodyPr>
+          <a:lstStyle/>
+          <a:p>
+            <a:pPr algn="ctr">
+              <a:lnSpc>
+                <a:spcPts val="2330"/>
+              </a:lnSpc>
+            </a:pPr>
+            <a:r>
+              <a:rPr lang="en-US" sz="2100" b="1" spc="-41" dirty="0">
+                <a:solidFill>
+                  <a:schemeClr val="accent3">
+                    <a:lumMod val="50000"/>
+                  </a:schemeClr>
+                </a:solidFill>
+                <a:latin typeface="Berlin Sans FB Demi" panose="020E0802020502020306" pitchFamily="34" charset="0"/>
+                <a:ea typeface="Bricolage Grotesque 18 Bold" panose="020B0605040402000204"/>
+                <a:cs typeface="Arial" panose="020B0604020202020204" pitchFamily="34" charset="0"/>
+                <a:sym typeface="Bricolage Grotesque 18 Bold" panose="020B0605040402000204"/>
+              </a:rPr>
+              <a:t>C2B </a:t>
+            </a:r>
+            <a:r>
+              <a:rPr lang="en-US" sz="2100" b="1" spc="-41" dirty="0" err="1">
+                <a:solidFill>
+                  <a:schemeClr val="accent3">
+                    <a:lumMod val="50000"/>
+                  </a:schemeClr>
+                </a:solidFill>
+                <a:latin typeface="Berlin Sans FB Demi" panose="020E0802020502020306" pitchFamily="34" charset="0"/>
+                <a:ea typeface="Bricolage Grotesque 18 Bold" panose="020B0605040402000204"/>
+                <a:cs typeface="Arial" panose="020B0604020202020204" pitchFamily="34" charset="0"/>
+                <a:sym typeface="Bricolage Grotesque 18 Bold" panose="020B0605040402000204"/>
+              </a:rPr>
+              <a:t>iPawnshop</a:t>
+            </a:r>
+            <a:r>
+              <a:rPr lang="en-US" sz="2100" b="1" spc="-41" dirty="0">
+                <a:solidFill>
+                  <a:schemeClr val="accent3">
+                    <a:lumMod val="50000"/>
+                  </a:schemeClr>
+                </a:solidFill>
+                <a:latin typeface="Berlin Sans FB Demi" panose="020E0802020502020306" pitchFamily="34" charset="0"/>
+                <a:ea typeface="Bricolage Grotesque 18 Bold" panose="020B0605040402000204"/>
+                <a:cs typeface="Arial" panose="020B0604020202020204" pitchFamily="34" charset="0"/>
+                <a:sym typeface="Bricolage Grotesque 18 Bold" panose="020B0605040402000204"/>
+              </a:rPr>
+              <a:t> System Development Gantt Chart</a:t>
+            </a:r>
+          </a:p>
+          <a:p>
+            <a:pPr algn="ctr">
+              <a:lnSpc>
+                <a:spcPts val="2330"/>
+              </a:lnSpc>
+            </a:pPr>
+            <a:r>
+              <a:rPr lang="en-US" sz="2100" b="1" spc="-41" dirty="0">
+                <a:solidFill>
+                  <a:schemeClr val="accent3">
+                    <a:lumMod val="50000"/>
+                  </a:schemeClr>
+                </a:solidFill>
+                <a:latin typeface="Berlin Sans FB Demi" panose="020E0802020502020306" pitchFamily="34" charset="0"/>
+                <a:ea typeface="Bricolage Grotesque 18 Bold" panose="020B0605040402000204"/>
+                <a:cs typeface="Arial" panose="020B0604020202020204" pitchFamily="34" charset="0"/>
+                <a:sym typeface="Bricolage Grotesque 18 Bold" panose="020B0605040402000204"/>
+              </a:rPr>
+              <a:t>Actualization Individual Work (C)</a:t>
+            </a:r>
+          </a:p>
+        </p:txBody>
+      </p:sp>
+      <p:sp>
+        <p:nvSpPr>
+          <p:cNvPr id="156" name="TextBox 156">
+            <a:extLst>
+              <a:ext uri="{FF2B5EF4-FFF2-40B4-BE49-F238E27FC236}">
+                <a16:creationId xmlns:a16="http://schemas.microsoft.com/office/drawing/2014/main" id="{8A61ADE3-DB04-D520-09AE-5B7C25CAEA07}"/>
+              </a:ext>
+            </a:extLst>
+          </p:cNvPr>
+          <p:cNvSpPr txBox="1"/>
+          <p:nvPr/>
+        </p:nvSpPr>
+        <p:spPr>
+          <a:xfrm>
+            <a:off x="374058" y="1344288"/>
+            <a:ext cx="1604710" cy="142240"/>
+          </a:xfrm>
+          <a:prstGeom prst="rect">
+            <a:avLst/>
+          </a:prstGeom>
+        </p:spPr>
+        <p:txBody>
+          <a:bodyPr lIns="0" tIns="0" rIns="0" bIns="0" rtlCol="0" anchor="t">
+            <a:spAutoFit/>
+          </a:bodyPr>
+          <a:lstStyle/>
+          <a:p>
+            <a:pPr algn="l">
+              <a:lnSpc>
+                <a:spcPts val="1110"/>
+              </a:lnSpc>
+            </a:pPr>
+            <a:r>
+              <a:rPr lang="en-US" sz="1000" b="1" spc="-45">
+                <a:solidFill>
+                  <a:srgbClr val="231F20"/>
+                </a:solidFill>
+                <a:latin typeface="Bricolage Grotesque 18 Bold" panose="020B0605040402000204"/>
+                <a:ea typeface="Bricolage Grotesque 18 Bold" panose="020B0605040402000204"/>
+                <a:cs typeface="Bricolage Grotesque 18 Bold" panose="020B0605040402000204"/>
+                <a:sym typeface="Bricolage Grotesque 18 Bold" panose="020B0605040402000204"/>
+              </a:rPr>
+              <a:t>Planning Phase</a:t>
+            </a:r>
+          </a:p>
+        </p:txBody>
+      </p:sp>
+      <p:sp>
+        <p:nvSpPr>
+          <p:cNvPr id="157" name="TextBox 157">
+            <a:extLst>
+              <a:ext uri="{FF2B5EF4-FFF2-40B4-BE49-F238E27FC236}">
+                <a16:creationId xmlns:a16="http://schemas.microsoft.com/office/drawing/2014/main" id="{DBC2FE6D-641E-6D14-3BAF-18F42C28F9D7}"/>
+              </a:ext>
+            </a:extLst>
+          </p:cNvPr>
+          <p:cNvSpPr txBox="1"/>
+          <p:nvPr/>
+        </p:nvSpPr>
+        <p:spPr>
+          <a:xfrm>
+            <a:off x="328973" y="1931698"/>
+            <a:ext cx="1604710" cy="142240"/>
+          </a:xfrm>
+          <a:prstGeom prst="rect">
+            <a:avLst/>
+          </a:prstGeom>
+        </p:spPr>
+        <p:txBody>
+          <a:bodyPr lIns="0" tIns="0" rIns="0" bIns="0" rtlCol="0" anchor="t">
+            <a:spAutoFit/>
+          </a:bodyPr>
+          <a:lstStyle/>
+          <a:p>
+            <a:pPr algn="l">
+              <a:lnSpc>
+                <a:spcPts val="1110"/>
+              </a:lnSpc>
+            </a:pPr>
+            <a:r>
+              <a:rPr lang="en-US" sz="900" b="1" spc="-45">
+                <a:solidFill>
+                  <a:schemeClr val="tx1"/>
+                </a:solidFill>
+                <a:latin typeface="Bricolage Grotesque 18 Bold" panose="020B0605040402000204"/>
+                <a:ea typeface="Bricolage Grotesque 18 Bold" panose="020B0605040402000204"/>
+                <a:cs typeface="Bricolage Grotesque 18 Bold" panose="020B0605040402000204"/>
+                <a:sym typeface="Bricolage Grotesque 18 Bold" panose="020B0605040402000204"/>
+              </a:rPr>
+              <a:t>System Design &amp; Prototyping</a:t>
+            </a:r>
+          </a:p>
+        </p:txBody>
+      </p:sp>
+      <p:sp>
+        <p:nvSpPr>
+          <p:cNvPr id="158" name="TextBox 158">
+            <a:extLst>
+              <a:ext uri="{FF2B5EF4-FFF2-40B4-BE49-F238E27FC236}">
+                <a16:creationId xmlns:a16="http://schemas.microsoft.com/office/drawing/2014/main" id="{88E2A57A-83A0-61C8-1C32-6C02B1A0F4FA}"/>
+              </a:ext>
+            </a:extLst>
+          </p:cNvPr>
+          <p:cNvSpPr txBox="1"/>
+          <p:nvPr/>
+        </p:nvSpPr>
+        <p:spPr>
+          <a:xfrm>
+            <a:off x="304843" y="2586730"/>
+            <a:ext cx="1604710" cy="142240"/>
+          </a:xfrm>
+          <a:prstGeom prst="rect">
+            <a:avLst/>
+          </a:prstGeom>
+        </p:spPr>
+        <p:txBody>
+          <a:bodyPr lIns="0" tIns="0" rIns="0" bIns="0" rtlCol="0" anchor="t">
+            <a:spAutoFit/>
+          </a:bodyPr>
+          <a:lstStyle/>
+          <a:p>
+            <a:pPr algn="l">
+              <a:lnSpc>
+                <a:spcPts val="1110"/>
+              </a:lnSpc>
+            </a:pPr>
+            <a:r>
+              <a:rPr lang="en-US" sz="1000" b="1" spc="-45">
+                <a:solidFill>
+                  <a:schemeClr val="tx1"/>
+                </a:solidFill>
+                <a:latin typeface="Bricolage Grotesque 18 Bold" panose="020B0605040402000204"/>
+                <a:ea typeface="Bricolage Grotesque 18 Bold" panose="020B0605040402000204"/>
+                <a:cs typeface="Bricolage Grotesque 18 Bold" panose="020B0605040402000204"/>
+                <a:sym typeface="Bricolage Grotesque 18 Bold" panose="020B0605040402000204"/>
+              </a:rPr>
+              <a:t>Frontend Development</a:t>
+            </a:r>
+          </a:p>
+        </p:txBody>
+      </p:sp>
+      <p:sp>
+        <p:nvSpPr>
+          <p:cNvPr id="159" name="TextBox 159">
+            <a:extLst>
+              <a:ext uri="{FF2B5EF4-FFF2-40B4-BE49-F238E27FC236}">
+                <a16:creationId xmlns:a16="http://schemas.microsoft.com/office/drawing/2014/main" id="{3EFE882E-AC37-3EA3-4B64-1A3477FB86B5}"/>
+              </a:ext>
+            </a:extLst>
+          </p:cNvPr>
+          <p:cNvSpPr txBox="1"/>
+          <p:nvPr/>
+        </p:nvSpPr>
+        <p:spPr>
+          <a:xfrm>
+            <a:off x="328973" y="4505960"/>
+            <a:ext cx="1604710" cy="142240"/>
+          </a:xfrm>
+          <a:prstGeom prst="rect">
+            <a:avLst/>
+          </a:prstGeom>
+        </p:spPr>
+        <p:txBody>
+          <a:bodyPr lIns="0" tIns="0" rIns="0" bIns="0" rtlCol="0" anchor="t">
+            <a:spAutoFit/>
+          </a:bodyPr>
+          <a:lstStyle/>
+          <a:p>
+            <a:pPr algn="l">
+              <a:lnSpc>
+                <a:spcPts val="1110"/>
+              </a:lnSpc>
+            </a:pPr>
+            <a:r>
+              <a:rPr lang="en-US" sz="1000" b="1" spc="-45" dirty="0">
+                <a:solidFill>
+                  <a:srgbClr val="231F20"/>
+                </a:solidFill>
+                <a:latin typeface="Bricolage Grotesque 18 Bold" panose="020B0605040402000204"/>
+                <a:ea typeface="Bricolage Grotesque 18 Bold" panose="020B0605040402000204"/>
+                <a:cs typeface="Bricolage Grotesque 18 Bold" panose="020B0605040402000204"/>
+                <a:sym typeface="Bricolage Grotesque 18 Bold" panose="020B0605040402000204"/>
+              </a:rPr>
+              <a:t>Backend Development</a:t>
+            </a:r>
+          </a:p>
+        </p:txBody>
+      </p:sp>
+      <p:sp>
+        <p:nvSpPr>
+          <p:cNvPr id="160" name="TextBox 160">
+            <a:extLst>
+              <a:ext uri="{FF2B5EF4-FFF2-40B4-BE49-F238E27FC236}">
+                <a16:creationId xmlns:a16="http://schemas.microsoft.com/office/drawing/2014/main" id="{169998EB-D04B-A4BC-7046-2B92EA147785}"/>
+              </a:ext>
+            </a:extLst>
+          </p:cNvPr>
+          <p:cNvSpPr txBox="1"/>
+          <p:nvPr/>
+        </p:nvSpPr>
+        <p:spPr>
+          <a:xfrm>
+            <a:off x="328973" y="5707942"/>
+            <a:ext cx="1604710" cy="142240"/>
+          </a:xfrm>
+          <a:prstGeom prst="rect">
+            <a:avLst/>
+          </a:prstGeom>
+        </p:spPr>
+        <p:txBody>
+          <a:bodyPr lIns="0" tIns="0" rIns="0" bIns="0" rtlCol="0" anchor="t">
+            <a:spAutoFit/>
+          </a:bodyPr>
+          <a:lstStyle/>
+          <a:p>
+            <a:pPr algn="l">
+              <a:lnSpc>
+                <a:spcPts val="1110"/>
+              </a:lnSpc>
+            </a:pPr>
+            <a:r>
+              <a:rPr lang="en-US" sz="1000" b="1" spc="-45">
+                <a:solidFill>
+                  <a:schemeClr val="tx1"/>
+                </a:solidFill>
+                <a:latin typeface="Bricolage Grotesque 18 Bold" panose="020B0605040402000204"/>
+                <a:ea typeface="Bricolage Grotesque 18 Bold" panose="020B0605040402000204"/>
+                <a:cs typeface="Bricolage Grotesque 18 Bold" panose="020B0605040402000204"/>
+                <a:sym typeface="Bricolage Grotesque 18 Bold" panose="020B0605040402000204"/>
+              </a:rPr>
+              <a:t>Testing and Debugging</a:t>
+            </a:r>
+          </a:p>
+        </p:txBody>
+      </p:sp>
+      <p:sp>
+        <p:nvSpPr>
+          <p:cNvPr id="161" name="TextBox 161">
+            <a:extLst>
+              <a:ext uri="{FF2B5EF4-FFF2-40B4-BE49-F238E27FC236}">
+                <a16:creationId xmlns:a16="http://schemas.microsoft.com/office/drawing/2014/main" id="{FB2FE368-0775-545A-9301-75645AA681AD}"/>
+              </a:ext>
+            </a:extLst>
+          </p:cNvPr>
+          <p:cNvSpPr txBox="1"/>
+          <p:nvPr/>
+        </p:nvSpPr>
+        <p:spPr>
+          <a:xfrm>
+            <a:off x="264098" y="1642968"/>
+            <a:ext cx="2073928" cy="142240"/>
+          </a:xfrm>
+          <a:prstGeom prst="rect">
+            <a:avLst/>
+          </a:prstGeom>
+        </p:spPr>
+        <p:txBody>
+          <a:bodyPr lIns="0" tIns="0" rIns="0" bIns="0" rtlCol="0" anchor="t">
+            <a:spAutoFit/>
+          </a:bodyPr>
+          <a:lstStyle/>
+          <a:p>
+            <a:pPr algn="l">
+              <a:lnSpc>
+                <a:spcPts val="1110"/>
+              </a:lnSpc>
+            </a:pPr>
+            <a:r>
+              <a:rPr lang="en-US" sz="1000" spc="-20">
+                <a:solidFill>
+                  <a:srgbClr val="231F20"/>
+                </a:solidFill>
+                <a:latin typeface="Bricolage Grotesque 18" panose="020B0605040402000204"/>
+                <a:ea typeface="Bricolage Grotesque 18" panose="020B0605040402000204"/>
+                <a:cs typeface="Bricolage Grotesque 18" panose="020B0605040402000204"/>
+                <a:sym typeface="Bricolage Grotesque 18" panose="020B0605040402000204"/>
+              </a:rPr>
+              <a:t>Brainstorming of ideas</a:t>
+            </a:r>
+          </a:p>
+        </p:txBody>
+      </p:sp>
+      <p:sp>
+        <p:nvSpPr>
+          <p:cNvPr id="162" name="TextBox 162">
+            <a:extLst>
+              <a:ext uri="{FF2B5EF4-FFF2-40B4-BE49-F238E27FC236}">
+                <a16:creationId xmlns:a16="http://schemas.microsoft.com/office/drawing/2014/main" id="{8F84B1B6-87E5-A8A2-F3A6-D9DB74835BDB}"/>
+              </a:ext>
+            </a:extLst>
+          </p:cNvPr>
+          <p:cNvSpPr txBox="1"/>
+          <p:nvPr/>
+        </p:nvSpPr>
+        <p:spPr>
+          <a:xfrm>
+            <a:off x="264098" y="2265830"/>
+            <a:ext cx="2088216" cy="142240"/>
+          </a:xfrm>
+          <a:prstGeom prst="rect">
+            <a:avLst/>
+          </a:prstGeom>
+        </p:spPr>
+        <p:txBody>
+          <a:bodyPr lIns="0" tIns="0" rIns="0" bIns="0" rtlCol="0" anchor="t">
+            <a:spAutoFit/>
+          </a:bodyPr>
+          <a:lstStyle/>
+          <a:p>
+            <a:pPr algn="l">
+              <a:lnSpc>
+                <a:spcPts val="1110"/>
+              </a:lnSpc>
+            </a:pPr>
+            <a:r>
+              <a:rPr lang="en-US" sz="1000" spc="-20">
+                <a:solidFill>
+                  <a:srgbClr val="231F20"/>
+                </a:solidFill>
+                <a:latin typeface="Bricolage Grotesque 18" panose="020B0605040402000204"/>
+                <a:ea typeface="Bricolage Grotesque 18" panose="020B0605040402000204"/>
+                <a:cs typeface="Bricolage Grotesque 18" panose="020B0605040402000204"/>
+                <a:sym typeface="Bricolage Grotesque 18" panose="020B0605040402000204"/>
+              </a:rPr>
+              <a:t>Presentation of system </a:t>
+            </a:r>
+          </a:p>
+        </p:txBody>
+      </p:sp>
+      <p:sp>
+        <p:nvSpPr>
+          <p:cNvPr id="163" name="TextBox 163">
+            <a:extLst>
+              <a:ext uri="{FF2B5EF4-FFF2-40B4-BE49-F238E27FC236}">
+                <a16:creationId xmlns:a16="http://schemas.microsoft.com/office/drawing/2014/main" id="{ADB418B9-1C8A-E262-A433-D0C6832A9EB3}"/>
+              </a:ext>
+            </a:extLst>
+          </p:cNvPr>
+          <p:cNvSpPr txBox="1"/>
+          <p:nvPr/>
+        </p:nvSpPr>
+        <p:spPr>
+          <a:xfrm>
+            <a:off x="264098" y="2939825"/>
+            <a:ext cx="2083453" cy="142240"/>
+          </a:xfrm>
+          <a:prstGeom prst="rect">
+            <a:avLst/>
+          </a:prstGeom>
+        </p:spPr>
+        <p:txBody>
+          <a:bodyPr lIns="0" tIns="0" rIns="0" bIns="0" rtlCol="0" anchor="t">
+            <a:spAutoFit/>
+          </a:bodyPr>
+          <a:lstStyle/>
+          <a:p>
+            <a:pPr algn="l">
+              <a:lnSpc>
+                <a:spcPts val="1110"/>
+              </a:lnSpc>
+            </a:pPr>
+            <a:r>
+              <a:rPr lang="en-US" sz="1000" spc="-20">
+                <a:solidFill>
+                  <a:srgbClr val="231F20"/>
+                </a:solidFill>
+                <a:latin typeface="Bricolage Grotesque 18" panose="020B0605040402000204"/>
+                <a:ea typeface="Bricolage Grotesque 18" panose="020B0605040402000204"/>
+                <a:cs typeface="Bricolage Grotesque 18" panose="020B0605040402000204"/>
+                <a:sym typeface="Bricolage Grotesque 18" panose="020B0605040402000204"/>
+              </a:rPr>
+              <a:t>Landing page and home interface</a:t>
+            </a:r>
+          </a:p>
+        </p:txBody>
+      </p:sp>
+      <p:sp>
+        <p:nvSpPr>
+          <p:cNvPr id="164" name="TextBox 164">
+            <a:extLst>
+              <a:ext uri="{FF2B5EF4-FFF2-40B4-BE49-F238E27FC236}">
+                <a16:creationId xmlns:a16="http://schemas.microsoft.com/office/drawing/2014/main" id="{F77BD4A7-B5F0-9C80-BFF1-7A36E03627AA}"/>
+              </a:ext>
+            </a:extLst>
+          </p:cNvPr>
+          <p:cNvSpPr txBox="1"/>
+          <p:nvPr/>
+        </p:nvSpPr>
+        <p:spPr>
+          <a:xfrm>
+            <a:off x="264098" y="3896360"/>
+            <a:ext cx="2073928" cy="142240"/>
+          </a:xfrm>
+          <a:prstGeom prst="rect">
+            <a:avLst/>
+          </a:prstGeom>
+        </p:spPr>
+        <p:txBody>
+          <a:bodyPr lIns="0" tIns="0" rIns="0" bIns="0" rtlCol="0" anchor="t">
+            <a:spAutoFit/>
+          </a:bodyPr>
+          <a:lstStyle/>
+          <a:p>
+            <a:pPr algn="l">
+              <a:lnSpc>
+                <a:spcPts val="1110"/>
+              </a:lnSpc>
+            </a:pPr>
+            <a:r>
+              <a:rPr lang="en-US" sz="1000" spc="-20" dirty="0">
+                <a:solidFill>
+                  <a:srgbClr val="231F20"/>
+                </a:solidFill>
+                <a:latin typeface="Bricolage Grotesque 18" panose="020B0605040402000204"/>
+                <a:ea typeface="Bricolage Grotesque 18" panose="020B0605040402000204"/>
+                <a:cs typeface="Bricolage Grotesque 18" panose="020B0605040402000204"/>
+                <a:sym typeface="Bricolage Grotesque 18" panose="020B0605040402000204"/>
+              </a:rPr>
+              <a:t>E-commerce store interface </a:t>
+            </a:r>
+          </a:p>
+        </p:txBody>
+      </p:sp>
+      <p:sp>
+        <p:nvSpPr>
+          <p:cNvPr id="165" name="TextBox 165">
+            <a:extLst>
+              <a:ext uri="{FF2B5EF4-FFF2-40B4-BE49-F238E27FC236}">
+                <a16:creationId xmlns:a16="http://schemas.microsoft.com/office/drawing/2014/main" id="{36DD10DD-5E40-EFD3-73C1-C5377DD13D41}"/>
+              </a:ext>
+            </a:extLst>
+          </p:cNvPr>
+          <p:cNvSpPr txBox="1"/>
+          <p:nvPr/>
+        </p:nvSpPr>
+        <p:spPr>
+          <a:xfrm>
+            <a:off x="273623" y="6019762"/>
+            <a:ext cx="1769212" cy="142240"/>
+          </a:xfrm>
+          <a:prstGeom prst="rect">
+            <a:avLst/>
+          </a:prstGeom>
+        </p:spPr>
+        <p:txBody>
+          <a:bodyPr lIns="0" tIns="0" rIns="0" bIns="0" rtlCol="0" anchor="t">
+            <a:spAutoFit/>
+          </a:bodyPr>
+          <a:lstStyle/>
+          <a:p>
+            <a:pPr algn="l">
+              <a:lnSpc>
+                <a:spcPts val="1110"/>
+              </a:lnSpc>
+            </a:pPr>
+            <a:r>
+              <a:rPr lang="en-US" sz="1000" spc="-20">
+                <a:solidFill>
+                  <a:srgbClr val="231F20"/>
+                </a:solidFill>
+                <a:latin typeface="Bricolage Grotesque 18" panose="020B0605040402000204"/>
+                <a:ea typeface="Bricolage Grotesque 18" panose="020B0605040402000204"/>
+                <a:cs typeface="Bricolage Grotesque 18" panose="020B0605040402000204"/>
+                <a:sym typeface="Bricolage Grotesque 18" panose="020B0605040402000204"/>
+              </a:rPr>
+              <a:t>Unit Testing </a:t>
+            </a:r>
+          </a:p>
+        </p:txBody>
+      </p:sp>
+      <p:sp>
+        <p:nvSpPr>
+          <p:cNvPr id="168" name="TextBox 168">
+            <a:extLst>
+              <a:ext uri="{FF2B5EF4-FFF2-40B4-BE49-F238E27FC236}">
+                <a16:creationId xmlns:a16="http://schemas.microsoft.com/office/drawing/2014/main" id="{1B2855EF-2C1D-75A3-1629-D577BF5E3706}"/>
+              </a:ext>
+            </a:extLst>
+          </p:cNvPr>
+          <p:cNvSpPr txBox="1"/>
+          <p:nvPr/>
+        </p:nvSpPr>
+        <p:spPr>
+          <a:xfrm>
+            <a:off x="268543" y="3210560"/>
+            <a:ext cx="2083453" cy="142240"/>
+          </a:xfrm>
+          <a:prstGeom prst="rect">
+            <a:avLst/>
+          </a:prstGeom>
+        </p:spPr>
+        <p:txBody>
+          <a:bodyPr lIns="0" tIns="0" rIns="0" bIns="0" rtlCol="0" anchor="t">
+            <a:spAutoFit/>
+          </a:bodyPr>
+          <a:lstStyle/>
+          <a:p>
+            <a:pPr algn="l">
+              <a:lnSpc>
+                <a:spcPts val="1110"/>
+              </a:lnSpc>
+            </a:pPr>
+            <a:r>
+              <a:rPr lang="en-US" sz="1000" spc="-20" dirty="0">
+                <a:solidFill>
+                  <a:srgbClr val="231F20"/>
+                </a:solidFill>
+                <a:latin typeface="Bricolage Grotesque 18" panose="020B0605040402000204"/>
+                <a:ea typeface="Bricolage Grotesque 18" panose="020B0605040402000204"/>
+                <a:cs typeface="Bricolage Grotesque 18" panose="020B0605040402000204"/>
+                <a:sym typeface="Bricolage Grotesque 18" panose="020B0605040402000204"/>
+              </a:rPr>
+              <a:t>User and admin registration</a:t>
+            </a:r>
+          </a:p>
+        </p:txBody>
+      </p:sp>
+      <p:sp>
+        <p:nvSpPr>
+          <p:cNvPr id="169" name="TextBox 169">
+            <a:extLst>
+              <a:ext uri="{FF2B5EF4-FFF2-40B4-BE49-F238E27FC236}">
+                <a16:creationId xmlns:a16="http://schemas.microsoft.com/office/drawing/2014/main" id="{9867D9CC-1833-141B-620F-290EA1CFFC05}"/>
+              </a:ext>
+            </a:extLst>
+          </p:cNvPr>
+          <p:cNvSpPr txBox="1"/>
+          <p:nvPr/>
+        </p:nvSpPr>
+        <p:spPr>
+          <a:xfrm>
+            <a:off x="278068" y="4886960"/>
+            <a:ext cx="2073928" cy="142240"/>
+          </a:xfrm>
+          <a:prstGeom prst="rect">
+            <a:avLst/>
+          </a:prstGeom>
+        </p:spPr>
+        <p:txBody>
+          <a:bodyPr lIns="0" tIns="0" rIns="0" bIns="0" rtlCol="0" anchor="t">
+            <a:spAutoFit/>
+          </a:bodyPr>
+          <a:lstStyle/>
+          <a:p>
+            <a:pPr algn="l">
+              <a:lnSpc>
+                <a:spcPts val="1110"/>
+              </a:lnSpc>
+            </a:pPr>
+            <a:r>
+              <a:rPr lang="en-US" sz="1000" spc="-20" dirty="0">
+                <a:solidFill>
+                  <a:srgbClr val="231F20"/>
+                </a:solidFill>
+                <a:latin typeface="Bricolage Grotesque 18" panose="020B0605040402000204"/>
+                <a:ea typeface="Bricolage Grotesque 18" panose="020B0605040402000204"/>
+                <a:cs typeface="Bricolage Grotesque 18" panose="020B0605040402000204"/>
+                <a:sym typeface="Bricolage Grotesque 18" panose="020B0605040402000204"/>
+              </a:rPr>
+              <a:t>Database Development </a:t>
+            </a:r>
+          </a:p>
+        </p:txBody>
+      </p:sp>
+      <p:sp>
+        <p:nvSpPr>
+          <p:cNvPr id="170" name="TextBox 170">
+            <a:extLst>
+              <a:ext uri="{FF2B5EF4-FFF2-40B4-BE49-F238E27FC236}">
+                <a16:creationId xmlns:a16="http://schemas.microsoft.com/office/drawing/2014/main" id="{84CD7BCA-0920-D8E5-8936-52E35302B633}"/>
+              </a:ext>
+            </a:extLst>
+          </p:cNvPr>
+          <p:cNvSpPr txBox="1"/>
+          <p:nvPr/>
+        </p:nvSpPr>
+        <p:spPr>
+          <a:xfrm>
+            <a:off x="264098" y="6248655"/>
+            <a:ext cx="1769212" cy="142240"/>
+          </a:xfrm>
+          <a:prstGeom prst="rect">
+            <a:avLst/>
+          </a:prstGeom>
+        </p:spPr>
+        <p:txBody>
+          <a:bodyPr lIns="0" tIns="0" rIns="0" bIns="0" rtlCol="0" anchor="t">
+            <a:spAutoFit/>
+          </a:bodyPr>
+          <a:lstStyle/>
+          <a:p>
+            <a:pPr algn="l">
+              <a:lnSpc>
+                <a:spcPts val="1110"/>
+              </a:lnSpc>
+            </a:pPr>
+            <a:r>
+              <a:rPr lang="en-US" sz="1000" spc="-20" dirty="0">
+                <a:solidFill>
+                  <a:srgbClr val="231F20"/>
+                </a:solidFill>
+                <a:latin typeface="Bricolage Grotesque 18" panose="020B0605040402000204"/>
+                <a:ea typeface="Bricolage Grotesque 18" panose="020B0605040402000204"/>
+                <a:cs typeface="Bricolage Grotesque 18" panose="020B0605040402000204"/>
+                <a:sym typeface="Bricolage Grotesque 18" panose="020B0605040402000204"/>
+              </a:rPr>
+              <a:t>Performance Testing</a:t>
+            </a:r>
+          </a:p>
+        </p:txBody>
+      </p:sp>
+      <p:sp>
+        <p:nvSpPr>
+          <p:cNvPr id="172" name="TextBox 172">
+            <a:extLst>
+              <a:ext uri="{FF2B5EF4-FFF2-40B4-BE49-F238E27FC236}">
+                <a16:creationId xmlns:a16="http://schemas.microsoft.com/office/drawing/2014/main" id="{ABEB8D67-196F-50E7-822C-4D90F6BCCAA6}"/>
+              </a:ext>
+            </a:extLst>
+          </p:cNvPr>
+          <p:cNvSpPr txBox="1"/>
+          <p:nvPr/>
+        </p:nvSpPr>
+        <p:spPr>
+          <a:xfrm>
+            <a:off x="268543" y="3449320"/>
+            <a:ext cx="2083453" cy="284480"/>
+          </a:xfrm>
+          <a:prstGeom prst="rect">
+            <a:avLst/>
+          </a:prstGeom>
+        </p:spPr>
+        <p:txBody>
+          <a:bodyPr lIns="0" tIns="0" rIns="0" bIns="0" rtlCol="0" anchor="t">
+            <a:spAutoFit/>
+          </a:bodyPr>
+          <a:lstStyle/>
+          <a:p>
+            <a:pPr algn="l">
+              <a:lnSpc>
+                <a:spcPts val="1110"/>
+              </a:lnSpc>
+            </a:pPr>
+            <a:r>
+              <a:rPr lang="en-US" sz="1000" spc="-20" dirty="0">
+                <a:solidFill>
+                  <a:srgbClr val="231F20"/>
+                </a:solidFill>
+                <a:latin typeface="Bricolage Grotesque 18" panose="020B0605040402000204"/>
+                <a:ea typeface="Bricolage Grotesque 18" panose="020B0605040402000204"/>
+                <a:cs typeface="Bricolage Grotesque 18" panose="020B0605040402000204"/>
+                <a:sym typeface="Bricolage Grotesque 18" panose="020B0605040402000204"/>
+              </a:rPr>
+              <a:t>Product listing &amp; pawn item submission </a:t>
+            </a:r>
+          </a:p>
+        </p:txBody>
+      </p:sp>
+      <p:sp>
+        <p:nvSpPr>
+          <p:cNvPr id="173" name="TextBox 173">
+            <a:extLst>
+              <a:ext uri="{FF2B5EF4-FFF2-40B4-BE49-F238E27FC236}">
+                <a16:creationId xmlns:a16="http://schemas.microsoft.com/office/drawing/2014/main" id="{F30AAD12-9E00-F68A-9EAE-58FFFA03F385}"/>
+              </a:ext>
+            </a:extLst>
+          </p:cNvPr>
+          <p:cNvSpPr txBox="1"/>
+          <p:nvPr/>
+        </p:nvSpPr>
+        <p:spPr>
+          <a:xfrm>
+            <a:off x="329125" y="881838"/>
+            <a:ext cx="1554393" cy="166116"/>
+          </a:xfrm>
+          <a:prstGeom prst="rect">
+            <a:avLst/>
+          </a:prstGeom>
+        </p:spPr>
+        <p:txBody>
+          <a:bodyPr lIns="0" tIns="0" rIns="0" bIns="0" rtlCol="0" anchor="t">
+            <a:spAutoFit/>
+          </a:bodyPr>
+          <a:lstStyle/>
+          <a:p>
+            <a:pPr algn="l">
+              <a:lnSpc>
+                <a:spcPts val="1330"/>
+              </a:lnSpc>
+            </a:pPr>
+            <a:r>
+              <a:rPr lang="en-US" sz="1200" b="1" spc="-24">
+                <a:solidFill>
+                  <a:srgbClr val="231F20"/>
+                </a:solidFill>
+                <a:latin typeface="Bricolage Grotesque 18 Bold" panose="020B0605040402000204"/>
+                <a:ea typeface="Bricolage Grotesque 18 Bold" panose="020B0605040402000204"/>
+                <a:cs typeface="Bricolage Grotesque 18 Bold" panose="020B0605040402000204"/>
+                <a:sym typeface="Bricolage Grotesque 18 Bold" panose="020B0605040402000204"/>
+              </a:rPr>
+              <a:t>Timeline</a:t>
+            </a:r>
+          </a:p>
+        </p:txBody>
+      </p:sp>
+      <p:graphicFrame>
+        <p:nvGraphicFramePr>
+          <p:cNvPr id="197" name="Table 196">
+            <a:extLst>
+              <a:ext uri="{FF2B5EF4-FFF2-40B4-BE49-F238E27FC236}">
+                <a16:creationId xmlns:a16="http://schemas.microsoft.com/office/drawing/2014/main" id="{4D9EBD48-A97D-72D9-1E9F-467F6B438B82}"/>
+              </a:ext>
+            </a:extLst>
+          </p:cNvPr>
           <p:cNvGraphicFramePr/>
           <p:nvPr>
             <p:custDataLst>
@@ -8730,7 +14487,7 @@
         </p:nvGraphicFramePr>
         <p:xfrm>
           <a:off x="2286000" y="812800"/>
-          <a:ext cx="7200900" cy="6280150"/>
+          <a:ext cx="7200900" cy="6423660"/>
         </p:xfrm>
         <a:graphic>
           <a:graphicData uri="http://schemas.openxmlformats.org/drawingml/2006/table">
@@ -9012,7 +14769,7 @@
                       <a:pPr>
                         <a:buNone/>
                       </a:pPr>
-                      <a:endParaRPr lang="en-US" sz="1000"/>
+                      <a:endParaRPr lang="en-US" sz="1000" dirty="0"/>
                     </a:p>
                   </a:txBody>
                   <a:tcPr/>
@@ -9114,7 +14871,7 @@
                   </a:ext>
                 </a:extLst>
               </a:tr>
-              <a:tr h="1446530">
+              <a:tr h="1590040">
                 <a:tc>
                   <a:txBody>
                     <a:bodyPr/>
@@ -9162,7 +14919,7 @@
                       <a:pPr>
                         <a:buNone/>
                       </a:pPr>
-                      <a:endParaRPr lang="en-US" sz="1000"/>
+                      <a:endParaRPr lang="en-US" sz="1000" dirty="0"/>
                     </a:p>
                   </a:txBody>
                   <a:tcPr/>
@@ -9397,7 +15154,7 @@
                       <a:pPr>
                         <a:buNone/>
                       </a:pPr>
-                      <a:endParaRPr lang="en-US"/>
+                      <a:endParaRPr lang="en-US" dirty="0"/>
                     </a:p>
                   </a:txBody>
                   <a:tcPr/>
@@ -9475,7 +15232,7 @@
                       <a:pPr>
                         <a:buNone/>
                       </a:pPr>
-                      <a:endParaRPr lang="en-US"/>
+                      <a:endParaRPr lang="en-US" dirty="0"/>
                     </a:p>
                   </a:txBody>
                   <a:tcPr/>
@@ -9514,7 +15271,7 @@
                       <a:pPr>
                         <a:buNone/>
                       </a:pPr>
-                      <a:endParaRPr lang="en-US"/>
+                      <a:endParaRPr lang="en-US" dirty="0"/>
                     </a:p>
                   </a:txBody>
                   <a:tcPr/>
@@ -9531,13 +15288,19 @@
       </p:graphicFrame>
       <p:sp>
         <p:nvSpPr>
-          <p:cNvPr id="8" name="TextBox 164"/>
+          <p:cNvPr id="8" name="TextBox 164">
+            <a:extLst>
+              <a:ext uri="{FF2B5EF4-FFF2-40B4-BE49-F238E27FC236}">
+                <a16:creationId xmlns:a16="http://schemas.microsoft.com/office/drawing/2014/main" id="{D8EE20F8-16EF-FBA2-816F-922A8184C55C}"/>
+              </a:ext>
+            </a:extLst>
+          </p:cNvPr>
           <p:cNvSpPr txBox="1"/>
           <p:nvPr/>
         </p:nvSpPr>
         <p:spPr>
           <a:xfrm>
-            <a:off x="268543" y="4009331"/>
+            <a:off x="268543" y="4124960"/>
             <a:ext cx="2073928" cy="142240"/>
           </a:xfrm>
           <a:prstGeom prst="rect">
@@ -9556,7 +15319,7 @@
               </a:lnSpc>
             </a:pPr>
             <a:r>
-              <a:rPr lang="en-US" sz="1000" spc="-20">
+              <a:rPr lang="en-US" sz="1000" spc="-20" dirty="0">
                 <a:solidFill>
                   <a:srgbClr val="231F20"/>
                 </a:solidFill>
@@ -9572,13 +15335,19 @@
       </p:sp>
       <p:sp>
         <p:nvSpPr>
-          <p:cNvPr id="9" name="TextBox 169"/>
+          <p:cNvPr id="23" name="TextBox 169">
+            <a:extLst>
+              <a:ext uri="{FF2B5EF4-FFF2-40B4-BE49-F238E27FC236}">
+                <a16:creationId xmlns:a16="http://schemas.microsoft.com/office/drawing/2014/main" id="{410132D9-CA3E-6097-9147-D357F0CD6572}"/>
+              </a:ext>
+            </a:extLst>
+          </p:cNvPr>
           <p:cNvSpPr txBox="1"/>
           <p:nvPr/>
         </p:nvSpPr>
         <p:spPr>
           <a:xfrm>
-            <a:off x="278068" y="4907514"/>
+            <a:off x="271242" y="5318681"/>
             <a:ext cx="2073928" cy="142240"/>
           </a:xfrm>
           <a:prstGeom prst="rect">
@@ -9597,110 +15366,7 @@
               </a:lnSpc>
             </a:pPr>
             <a:r>
-              <a:rPr lang="en-US" sz="1000" spc="-20">
-                <a:solidFill>
-                  <a:srgbClr val="231F20"/>
-                </a:solidFill>
-                <a:latin typeface="Bricolage Grotesque 18" panose="020B0605040402000204"/>
-                <a:ea typeface="Bricolage Grotesque 18" panose="020B0605040402000204"/>
-                <a:cs typeface="Bricolage Grotesque 18" panose="020B0605040402000204"/>
-                <a:sym typeface="Bricolage Grotesque 18" panose="020B0605040402000204"/>
-              </a:rPr>
-              <a:t>API Development for payments </a:t>
-            </a:r>
-          </a:p>
-        </p:txBody>
-      </p:sp>
-      <p:sp>
-        <p:nvSpPr>
-          <p:cNvPr id="10" name="TextBox 169"/>
-          <p:cNvSpPr txBox="1"/>
-          <p:nvPr/>
-        </p:nvSpPr>
-        <p:spPr>
-          <a:xfrm>
-            <a:off x="273623" y="5181834"/>
-            <a:ext cx="2073928" cy="142240"/>
-          </a:xfrm>
-          <a:prstGeom prst="rect">
-            <a:avLst/>
-          </a:prstGeom>
-        </p:spPr>
-        <p:txBody>
-          <a:bodyPr lIns="0" tIns="0" rIns="0" bIns="0" rtlCol="0" anchor="t">
-            <a:spAutoFit/>
-          </a:bodyPr>
-          <a:lstStyle/>
-          <a:p>
-            <a:pPr algn="l">
-              <a:lnSpc>
-                <a:spcPts val="1110"/>
-              </a:lnSpc>
-            </a:pPr>
-            <a:r>
-              <a:rPr lang="en-US" sz="1000" spc="-20">
-                <a:solidFill>
-                  <a:srgbClr val="231F20"/>
-                </a:solidFill>
-                <a:latin typeface="Bricolage Grotesque 18" panose="020B0605040402000204"/>
-                <a:ea typeface="Bricolage Grotesque 18" panose="020B0605040402000204"/>
-                <a:cs typeface="Bricolage Grotesque 18" panose="020B0605040402000204"/>
-                <a:sym typeface="Bricolage Grotesque 18" panose="020B0605040402000204"/>
-              </a:rPr>
-              <a:t>Security implementation (</a:t>
-            </a:r>
-            <a:r>
-              <a:rPr lang="en-US" sz="900" spc="-20">
-                <a:solidFill>
-                  <a:srgbClr val="231F20"/>
-                </a:solidFill>
-                <a:latin typeface="Bricolage Grotesque 18" panose="020B0605040402000204"/>
-                <a:ea typeface="Bricolage Grotesque 18" panose="020B0605040402000204"/>
-                <a:cs typeface="Bricolage Grotesque 18" panose="020B0605040402000204"/>
-                <a:sym typeface="Bricolage Grotesque 18" panose="020B0605040402000204"/>
-              </a:rPr>
-              <a:t>encryption) </a:t>
-            </a:r>
-            <a:endParaRPr lang="en-US" sz="1000" spc="-20">
-              <a:solidFill>
-                <a:srgbClr val="231F20"/>
-              </a:solidFill>
-              <a:latin typeface="Bricolage Grotesque 18" panose="020B0605040402000204"/>
-              <a:ea typeface="Bricolage Grotesque 18" panose="020B0605040402000204"/>
-              <a:cs typeface="Bricolage Grotesque 18" panose="020B0605040402000204"/>
-              <a:sym typeface="Bricolage Grotesque 18" panose="020B0605040402000204"/>
-            </a:endParaRPr>
-          </a:p>
-        </p:txBody>
-      </p:sp>
-      <p:sp>
-        <p:nvSpPr>
-          <p:cNvPr id="23" name="TextBox 169"/>
-          <p:cNvSpPr txBox="1"/>
-          <p:nvPr/>
-        </p:nvSpPr>
-        <p:spPr>
-          <a:xfrm>
-            <a:off x="278068" y="5410434"/>
-            <a:ext cx="2073928" cy="142240"/>
-          </a:xfrm>
-          <a:prstGeom prst="rect">
-            <a:avLst/>
-          </a:prstGeom>
-        </p:spPr>
-        <p:txBody>
-          <a:bodyPr lIns="0" tIns="0" rIns="0" bIns="0" rtlCol="0" anchor="t">
-            <a:spAutoFit/>
-          </a:bodyPr>
-          <a:lstStyle/>
-          <a:p>
-            <a:pPr algn="l">
-              <a:lnSpc>
-                <a:spcPts val="1110"/>
-              </a:lnSpc>
-            </a:pPr>
-            <a:r>
-              <a:rPr lang="en-US" sz="1000" spc="-20">
+              <a:rPr lang="en-US" sz="1000" spc="-20" dirty="0">
                 <a:solidFill>
                   <a:srgbClr val="231F20"/>
                 </a:solidFill>
@@ -9716,7 +15382,13 @@
       </p:sp>
       <p:grpSp>
         <p:nvGrpSpPr>
-          <p:cNvPr id="24" name="Group 20"/>
+          <p:cNvPr id="24" name="Group 20">
+            <a:extLst>
+              <a:ext uri="{FF2B5EF4-FFF2-40B4-BE49-F238E27FC236}">
+                <a16:creationId xmlns:a16="http://schemas.microsoft.com/office/drawing/2014/main" id="{5EF882AE-411D-D705-5B75-0672F345BB41}"/>
+              </a:ext>
+            </a:extLst>
+          </p:cNvPr>
           <p:cNvGrpSpPr/>
           <p:nvPr/>
         </p:nvGrpSpPr>
@@ -9733,7 +15405,13 @@
         </p:grpSpPr>
         <p:sp>
           <p:nvSpPr>
-            <p:cNvPr id="25" name="Freeform 21"/>
+            <p:cNvPr id="25" name="Freeform 21">
+              <a:extLst>
+                <a:ext uri="{FF2B5EF4-FFF2-40B4-BE49-F238E27FC236}">
+                  <a16:creationId xmlns:a16="http://schemas.microsoft.com/office/drawing/2014/main" id="{D40E4EE2-436E-EAB1-8630-59FD52F13C94}"/>
+                </a:ext>
+              </a:extLst>
+            </p:cNvPr>
             <p:cNvSpPr/>
             <p:nvPr/>
           </p:nvSpPr>
@@ -9799,7 +15477,13 @@
         </p:sp>
         <p:sp>
           <p:nvSpPr>
-            <p:cNvPr id="26" name="TextBox 22"/>
+            <p:cNvPr id="26" name="TextBox 22">
+              <a:extLst>
+                <a:ext uri="{FF2B5EF4-FFF2-40B4-BE49-F238E27FC236}">
+                  <a16:creationId xmlns:a16="http://schemas.microsoft.com/office/drawing/2014/main" id="{80D6849B-D1A6-581B-0860-30CE91ADB698}"/>
+                </a:ext>
+              </a:extLst>
+            </p:cNvPr>
             <p:cNvSpPr txBox="1"/>
             <p:nvPr/>
           </p:nvSpPr>
@@ -9829,7 +15513,13 @@
       </p:grpSp>
       <p:sp>
         <p:nvSpPr>
-          <p:cNvPr id="27" name="TextBox 160"/>
+          <p:cNvPr id="27" name="TextBox 160">
+            <a:extLst>
+              <a:ext uri="{FF2B5EF4-FFF2-40B4-BE49-F238E27FC236}">
+                <a16:creationId xmlns:a16="http://schemas.microsoft.com/office/drawing/2014/main" id="{CA0CBC9D-C75D-C9B2-B775-93FA437F586F}"/>
+              </a:ext>
+            </a:extLst>
+          </p:cNvPr>
           <p:cNvSpPr txBox="1"/>
           <p:nvPr/>
         </p:nvSpPr>
@@ -9873,7 +15563,7 @@
           <p:cNvPr id="28" name="Group 102">
             <a:extLst>
               <a:ext uri="{FF2B5EF4-FFF2-40B4-BE49-F238E27FC236}">
-                <a16:creationId xmlns:a16="http://schemas.microsoft.com/office/drawing/2014/main" id="{14EB8FF7-4CE6-3A51-AE71-F80C7C5CE1E0}"/>
+                <a16:creationId xmlns:a16="http://schemas.microsoft.com/office/drawing/2014/main" id="{870B7138-724F-ED41-44B3-3EDEA89E93B3}"/>
               </a:ext>
             </a:extLst>
           </p:cNvPr>
@@ -9893,7 +15583,7 @@
             <p:cNvPr id="29" name="Freeform 103">
               <a:extLst>
                 <a:ext uri="{FF2B5EF4-FFF2-40B4-BE49-F238E27FC236}">
-                  <a16:creationId xmlns:a16="http://schemas.microsoft.com/office/drawing/2014/main" id="{D69CD242-30D0-082C-28C5-D97CC391270C}"/>
+                  <a16:creationId xmlns:a16="http://schemas.microsoft.com/office/drawing/2014/main" id="{780E70B3-6686-FA6F-57E3-40A1949DE647}"/>
                 </a:ext>
               </a:extLst>
             </p:cNvPr>
@@ -9939,7 +15629,7 @@
             <p:cNvPr id="30" name="TextBox 104">
               <a:extLst>
                 <a:ext uri="{FF2B5EF4-FFF2-40B4-BE49-F238E27FC236}">
-                  <a16:creationId xmlns:a16="http://schemas.microsoft.com/office/drawing/2014/main" id="{F65096C8-6605-D8D4-9151-689CF6D136E3}"/>
+                  <a16:creationId xmlns:a16="http://schemas.microsoft.com/office/drawing/2014/main" id="{A1ABA321-7B38-5FE9-C7FE-0ECF7D78BB89}"/>
                 </a:ext>
               </a:extLst>
             </p:cNvPr>
@@ -9974,7 +15664,7 @@
           <p:cNvPr id="31" name="Group 102">
             <a:extLst>
               <a:ext uri="{FF2B5EF4-FFF2-40B4-BE49-F238E27FC236}">
-                <a16:creationId xmlns:a16="http://schemas.microsoft.com/office/drawing/2014/main" id="{3F7A65D0-C21B-C52F-286F-DBD0D6B6EA1A}"/>
+                <a16:creationId xmlns:a16="http://schemas.microsoft.com/office/drawing/2014/main" id="{09499890-5B16-8E8E-C9E4-4A6F37368A4C}"/>
               </a:ext>
             </a:extLst>
           </p:cNvPr>
@@ -9994,7 +15684,7 @@
             <p:cNvPr id="33" name="Freeform 103">
               <a:extLst>
                 <a:ext uri="{FF2B5EF4-FFF2-40B4-BE49-F238E27FC236}">
-                  <a16:creationId xmlns:a16="http://schemas.microsoft.com/office/drawing/2014/main" id="{109AAA9C-CD92-0640-AA3B-B494FE19520A}"/>
+                  <a16:creationId xmlns:a16="http://schemas.microsoft.com/office/drawing/2014/main" id="{D06F1B3D-3728-D09F-D902-3071E8514DAD}"/>
                 </a:ext>
               </a:extLst>
             </p:cNvPr>
@@ -10040,7 +15730,7 @@
             <p:cNvPr id="35" name="TextBox 104">
               <a:extLst>
                 <a:ext uri="{FF2B5EF4-FFF2-40B4-BE49-F238E27FC236}">
-                  <a16:creationId xmlns:a16="http://schemas.microsoft.com/office/drawing/2014/main" id="{777504BC-95EA-AFFF-71C7-C49ACE870FDB}"/>
+                  <a16:creationId xmlns:a16="http://schemas.microsoft.com/office/drawing/2014/main" id="{68C9F2AD-2683-93D0-1EB6-8CA63C72DA10}"/>
                 </a:ext>
               </a:extLst>
             </p:cNvPr>
@@ -10075,7 +15765,7 @@
           <p:cNvPr id="36" name="Group 102">
             <a:extLst>
               <a:ext uri="{FF2B5EF4-FFF2-40B4-BE49-F238E27FC236}">
-                <a16:creationId xmlns:a16="http://schemas.microsoft.com/office/drawing/2014/main" id="{8D1FDECD-E040-0924-326F-A32758584F30}"/>
+                <a16:creationId xmlns:a16="http://schemas.microsoft.com/office/drawing/2014/main" id="{0DC0C7F7-AE88-112C-FA76-216A414EC40B}"/>
               </a:ext>
             </a:extLst>
           </p:cNvPr>
@@ -10084,7 +15774,7 @@
         </p:nvGrpSpPr>
         <p:grpSpPr>
           <a:xfrm>
-            <a:off x="7315200" y="2819399"/>
+            <a:off x="7315200" y="2861549"/>
             <a:ext cx="533400" cy="262651"/>
             <a:chOff x="0" y="0"/>
             <a:chExt cx="941261" cy="73954"/>
@@ -10095,7 +15785,7 @@
             <p:cNvPr id="37" name="Freeform 103">
               <a:extLst>
                 <a:ext uri="{FF2B5EF4-FFF2-40B4-BE49-F238E27FC236}">
-                  <a16:creationId xmlns:a16="http://schemas.microsoft.com/office/drawing/2014/main" id="{CC40AAA2-8813-2CDD-F75D-05787A3E125F}"/>
+                  <a16:creationId xmlns:a16="http://schemas.microsoft.com/office/drawing/2014/main" id="{1838320C-49C2-7AC3-3BAA-E47AA21178A2}"/>
                 </a:ext>
               </a:extLst>
             </p:cNvPr>
@@ -10141,7 +15831,7 @@
             <p:cNvPr id="38" name="TextBox 104">
               <a:extLst>
                 <a:ext uri="{FF2B5EF4-FFF2-40B4-BE49-F238E27FC236}">
-                  <a16:creationId xmlns:a16="http://schemas.microsoft.com/office/drawing/2014/main" id="{610B1ABA-E5FC-1401-AF0B-65EEF0D1466F}"/>
+                  <a16:creationId xmlns:a16="http://schemas.microsoft.com/office/drawing/2014/main" id="{CB41BEC4-9D15-89A9-D3AD-FC390A8AAB69}"/>
                 </a:ext>
               </a:extLst>
             </p:cNvPr>
@@ -10173,10 +15863,10 @@
       </p:grpSp>
       <p:grpSp>
         <p:nvGrpSpPr>
-          <p:cNvPr id="39" name="Group 102">
+          <p:cNvPr id="48" name="Group 102">
             <a:extLst>
               <a:ext uri="{FF2B5EF4-FFF2-40B4-BE49-F238E27FC236}">
-                <a16:creationId xmlns:a16="http://schemas.microsoft.com/office/drawing/2014/main" id="{ABFF9D98-A648-9FDE-AC2A-9594C0072D38}"/>
+                <a16:creationId xmlns:a16="http://schemas.microsoft.com/office/drawing/2014/main" id="{79D63C8F-1BFC-1838-36BF-0EADB374749E}"/>
               </a:ext>
             </a:extLst>
           </p:cNvPr>
@@ -10185,18 +15875,18 @@
         </p:nvGrpSpPr>
         <p:grpSpPr>
           <a:xfrm>
-            <a:off x="7315200" y="3140675"/>
-            <a:ext cx="228600" cy="262651"/>
+            <a:off x="8048789" y="3471149"/>
+            <a:ext cx="704517" cy="262651"/>
             <a:chOff x="0" y="0"/>
             <a:chExt cx="941261" cy="73954"/>
           </a:xfrm>
         </p:grpSpPr>
         <p:sp>
           <p:nvSpPr>
-            <p:cNvPr id="40" name="Freeform 103">
+            <p:cNvPr id="49" name="Freeform 103">
               <a:extLst>
                 <a:ext uri="{FF2B5EF4-FFF2-40B4-BE49-F238E27FC236}">
-                  <a16:creationId xmlns:a16="http://schemas.microsoft.com/office/drawing/2014/main" id="{D087B66D-58AD-DC08-C7F1-2C9A9246DD04}"/>
+                  <a16:creationId xmlns:a16="http://schemas.microsoft.com/office/drawing/2014/main" id="{DABA141F-C86D-40DC-4D12-11845C667196}"/>
                 </a:ext>
               </a:extLst>
             </p:cNvPr>
@@ -10239,10 +15929,10 @@
         </p:sp>
         <p:sp>
           <p:nvSpPr>
-            <p:cNvPr id="44" name="TextBox 104">
+            <p:cNvPr id="50" name="TextBox 104">
               <a:extLst>
                 <a:ext uri="{FF2B5EF4-FFF2-40B4-BE49-F238E27FC236}">
-                  <a16:creationId xmlns:a16="http://schemas.microsoft.com/office/drawing/2014/main" id="{E16DDCB1-4724-611F-6983-CE95C7F55AD9}"/>
+                  <a16:creationId xmlns:a16="http://schemas.microsoft.com/office/drawing/2014/main" id="{2B4153E3-B118-CE86-B795-428587AE8491}"/>
                 </a:ext>
               </a:extLst>
             </p:cNvPr>
@@ -10272,7 +15962,815 @@
           </p:txBody>
         </p:sp>
       </p:grpSp>
+      <p:grpSp>
+        <p:nvGrpSpPr>
+          <p:cNvPr id="51" name="Group 102">
+            <a:extLst>
+              <a:ext uri="{FF2B5EF4-FFF2-40B4-BE49-F238E27FC236}">
+                <a16:creationId xmlns:a16="http://schemas.microsoft.com/office/drawing/2014/main" id="{AF690466-C3DE-8996-F5ED-DAFD55B2C4BF}"/>
+              </a:ext>
+            </a:extLst>
+          </p:cNvPr>
+          <p:cNvGrpSpPr/>
+          <p:nvPr/>
+        </p:nvGrpSpPr>
+        <p:grpSpPr>
+          <a:xfrm>
+            <a:off x="8048789" y="3796157"/>
+            <a:ext cx="209215" cy="262651"/>
+            <a:chOff x="0" y="0"/>
+            <a:chExt cx="941261" cy="73954"/>
+          </a:xfrm>
+        </p:grpSpPr>
+        <p:sp>
+          <p:nvSpPr>
+            <p:cNvPr id="52" name="Freeform 103">
+              <a:extLst>
+                <a:ext uri="{FF2B5EF4-FFF2-40B4-BE49-F238E27FC236}">
+                  <a16:creationId xmlns:a16="http://schemas.microsoft.com/office/drawing/2014/main" id="{26438C93-B455-4096-4613-BD4F1138B99A}"/>
+                </a:ext>
+              </a:extLst>
+            </p:cNvPr>
+            <p:cNvSpPr/>
+            <p:nvPr/>
+          </p:nvSpPr>
+          <p:spPr>
+            <a:xfrm>
+              <a:off x="0" y="0"/>
+              <a:ext cx="941261" cy="73954"/>
+            </a:xfrm>
+            <a:custGeom>
+              <a:avLst/>
+              <a:gdLst/>
+              <a:ahLst/>
+              <a:cxnLst/>
+              <a:rect l="l" t="t" r="r" b="b"/>
+              <a:pathLst>
+                <a:path w="941261" h="73954">
+                  <a:moveTo>
+                    <a:pt x="0" y="0"/>
+                  </a:moveTo>
+                  <a:lnTo>
+                    <a:pt x="941261" y="0"/>
+                  </a:lnTo>
+                  <a:lnTo>
+                    <a:pt x="941261" y="73954"/>
+                  </a:lnTo>
+                  <a:lnTo>
+                    <a:pt x="0" y="73954"/>
+                  </a:lnTo>
+                  <a:close/>
+                </a:path>
+              </a:pathLst>
+            </a:custGeom>
+            <a:solidFill>
+              <a:srgbClr val="FCB624"/>
+            </a:solidFill>
+          </p:spPr>
+        </p:sp>
+        <p:sp>
+          <p:nvSpPr>
+            <p:cNvPr id="53" name="TextBox 104">
+              <a:extLst>
+                <a:ext uri="{FF2B5EF4-FFF2-40B4-BE49-F238E27FC236}">
+                  <a16:creationId xmlns:a16="http://schemas.microsoft.com/office/drawing/2014/main" id="{B26B4B52-59ED-615A-3EB9-62E2DF0D8294}"/>
+                </a:ext>
+              </a:extLst>
+            </p:cNvPr>
+            <p:cNvSpPr txBox="1"/>
+            <p:nvPr/>
+          </p:nvSpPr>
+          <p:spPr>
+            <a:xfrm>
+              <a:off x="0" y="0"/>
+              <a:ext cx="941261" cy="73954"/>
+            </a:xfrm>
+            <a:prstGeom prst="rect">
+              <a:avLst/>
+            </a:prstGeom>
+          </p:spPr>
+          <p:txBody>
+            <a:bodyPr lIns="50800" tIns="50800" rIns="50800" bIns="50800" rtlCol="0" anchor="ctr"/>
+            <a:lstStyle/>
+            <a:p>
+              <a:pPr algn="ctr">
+                <a:lnSpc>
+                  <a:spcPts val="1110"/>
+                </a:lnSpc>
+              </a:pPr>
+              <a:endParaRPr/>
+            </a:p>
+          </p:txBody>
+        </p:sp>
+      </p:grpSp>
+      <p:grpSp>
+        <p:nvGrpSpPr>
+          <p:cNvPr id="54" name="Group 102">
+            <a:extLst>
+              <a:ext uri="{FF2B5EF4-FFF2-40B4-BE49-F238E27FC236}">
+                <a16:creationId xmlns:a16="http://schemas.microsoft.com/office/drawing/2014/main" id="{8C4A095F-6FF3-64DC-2838-0101496060A0}"/>
+              </a:ext>
+            </a:extLst>
+          </p:cNvPr>
+          <p:cNvGrpSpPr/>
+          <p:nvPr/>
+        </p:nvGrpSpPr>
+        <p:grpSpPr>
+          <a:xfrm>
+            <a:off x="8058482" y="2861549"/>
+            <a:ext cx="704518" cy="262651"/>
+            <a:chOff x="0" y="0"/>
+            <a:chExt cx="941261" cy="73954"/>
+          </a:xfrm>
+        </p:grpSpPr>
+        <p:sp>
+          <p:nvSpPr>
+            <p:cNvPr id="55" name="Freeform 103">
+              <a:extLst>
+                <a:ext uri="{FF2B5EF4-FFF2-40B4-BE49-F238E27FC236}">
+                  <a16:creationId xmlns:a16="http://schemas.microsoft.com/office/drawing/2014/main" id="{D536BB00-B632-47CC-4EE5-19EC7A60A30C}"/>
+                </a:ext>
+              </a:extLst>
+            </p:cNvPr>
+            <p:cNvSpPr/>
+            <p:nvPr/>
+          </p:nvSpPr>
+          <p:spPr>
+            <a:xfrm>
+              <a:off x="0" y="0"/>
+              <a:ext cx="941261" cy="73954"/>
+            </a:xfrm>
+            <a:custGeom>
+              <a:avLst/>
+              <a:gdLst/>
+              <a:ahLst/>
+              <a:cxnLst/>
+              <a:rect l="l" t="t" r="r" b="b"/>
+              <a:pathLst>
+                <a:path w="941261" h="73954">
+                  <a:moveTo>
+                    <a:pt x="0" y="0"/>
+                  </a:moveTo>
+                  <a:lnTo>
+                    <a:pt x="941261" y="0"/>
+                  </a:lnTo>
+                  <a:lnTo>
+                    <a:pt x="941261" y="73954"/>
+                  </a:lnTo>
+                  <a:lnTo>
+                    <a:pt x="0" y="73954"/>
+                  </a:lnTo>
+                  <a:close/>
+                </a:path>
+              </a:pathLst>
+            </a:custGeom>
+            <a:solidFill>
+              <a:srgbClr val="FCB624"/>
+            </a:solidFill>
+          </p:spPr>
+        </p:sp>
+        <p:sp>
+          <p:nvSpPr>
+            <p:cNvPr id="56" name="TextBox 104">
+              <a:extLst>
+                <a:ext uri="{FF2B5EF4-FFF2-40B4-BE49-F238E27FC236}">
+                  <a16:creationId xmlns:a16="http://schemas.microsoft.com/office/drawing/2014/main" id="{0047995D-10E1-2A7F-A8E2-F10743D2664E}"/>
+                </a:ext>
+              </a:extLst>
+            </p:cNvPr>
+            <p:cNvSpPr txBox="1"/>
+            <p:nvPr/>
+          </p:nvSpPr>
+          <p:spPr>
+            <a:xfrm>
+              <a:off x="0" y="0"/>
+              <a:ext cx="941261" cy="73954"/>
+            </a:xfrm>
+            <a:prstGeom prst="rect">
+              <a:avLst/>
+            </a:prstGeom>
+          </p:spPr>
+          <p:txBody>
+            <a:bodyPr lIns="50800" tIns="50800" rIns="50800" bIns="50800" rtlCol="0" anchor="ctr"/>
+            <a:lstStyle/>
+            <a:p>
+              <a:pPr algn="ctr">
+                <a:lnSpc>
+                  <a:spcPts val="1110"/>
+                </a:lnSpc>
+              </a:pPr>
+              <a:endParaRPr/>
+            </a:p>
+          </p:txBody>
+        </p:sp>
+      </p:grpSp>
+      <p:grpSp>
+        <p:nvGrpSpPr>
+          <p:cNvPr id="61" name="Group 102">
+            <a:extLst>
+              <a:ext uri="{FF2B5EF4-FFF2-40B4-BE49-F238E27FC236}">
+                <a16:creationId xmlns:a16="http://schemas.microsoft.com/office/drawing/2014/main" id="{39423461-29BC-A64D-ED57-E7FE3C89087E}"/>
+              </a:ext>
+            </a:extLst>
+          </p:cNvPr>
+          <p:cNvGrpSpPr/>
+          <p:nvPr/>
+        </p:nvGrpSpPr>
+        <p:grpSpPr>
+          <a:xfrm>
+            <a:off x="8534400" y="4080749"/>
+            <a:ext cx="209215" cy="262651"/>
+            <a:chOff x="0" y="0"/>
+            <a:chExt cx="941261" cy="73954"/>
+          </a:xfrm>
+        </p:grpSpPr>
+        <p:sp>
+          <p:nvSpPr>
+            <p:cNvPr id="62" name="Freeform 103">
+              <a:extLst>
+                <a:ext uri="{FF2B5EF4-FFF2-40B4-BE49-F238E27FC236}">
+                  <a16:creationId xmlns:a16="http://schemas.microsoft.com/office/drawing/2014/main" id="{53373B02-EEAB-3180-330C-26442468136C}"/>
+                </a:ext>
+              </a:extLst>
+            </p:cNvPr>
+            <p:cNvSpPr/>
+            <p:nvPr/>
+          </p:nvSpPr>
+          <p:spPr>
+            <a:xfrm>
+              <a:off x="0" y="0"/>
+              <a:ext cx="941261" cy="73954"/>
+            </a:xfrm>
+            <a:custGeom>
+              <a:avLst/>
+              <a:gdLst/>
+              <a:ahLst/>
+              <a:cxnLst/>
+              <a:rect l="l" t="t" r="r" b="b"/>
+              <a:pathLst>
+                <a:path w="941261" h="73954">
+                  <a:moveTo>
+                    <a:pt x="0" y="0"/>
+                  </a:moveTo>
+                  <a:lnTo>
+                    <a:pt x="941261" y="0"/>
+                  </a:lnTo>
+                  <a:lnTo>
+                    <a:pt x="941261" y="73954"/>
+                  </a:lnTo>
+                  <a:lnTo>
+                    <a:pt x="0" y="73954"/>
+                  </a:lnTo>
+                  <a:close/>
+                </a:path>
+              </a:pathLst>
+            </a:custGeom>
+            <a:solidFill>
+              <a:srgbClr val="FCB624"/>
+            </a:solidFill>
+          </p:spPr>
+        </p:sp>
+        <p:sp>
+          <p:nvSpPr>
+            <p:cNvPr id="63" name="TextBox 104">
+              <a:extLst>
+                <a:ext uri="{FF2B5EF4-FFF2-40B4-BE49-F238E27FC236}">
+                  <a16:creationId xmlns:a16="http://schemas.microsoft.com/office/drawing/2014/main" id="{4943D240-DB10-2E88-C033-90342F1B15C4}"/>
+                </a:ext>
+              </a:extLst>
+            </p:cNvPr>
+            <p:cNvSpPr txBox="1"/>
+            <p:nvPr/>
+          </p:nvSpPr>
+          <p:spPr>
+            <a:xfrm>
+              <a:off x="0" y="0"/>
+              <a:ext cx="941261" cy="73954"/>
+            </a:xfrm>
+            <a:prstGeom prst="rect">
+              <a:avLst/>
+            </a:prstGeom>
+          </p:spPr>
+          <p:txBody>
+            <a:bodyPr lIns="50800" tIns="50800" rIns="50800" bIns="50800" rtlCol="0" anchor="ctr"/>
+            <a:lstStyle/>
+            <a:p>
+              <a:pPr algn="ctr">
+                <a:lnSpc>
+                  <a:spcPts val="1110"/>
+                </a:lnSpc>
+              </a:pPr>
+              <a:endParaRPr/>
+            </a:p>
+          </p:txBody>
+        </p:sp>
+      </p:grpSp>
+      <p:grpSp>
+        <p:nvGrpSpPr>
+          <p:cNvPr id="134" name="Group 102">
+            <a:extLst>
+              <a:ext uri="{FF2B5EF4-FFF2-40B4-BE49-F238E27FC236}">
+                <a16:creationId xmlns:a16="http://schemas.microsoft.com/office/drawing/2014/main" id="{E35E03B9-24DB-C178-3763-8A1F676312C3}"/>
+              </a:ext>
+            </a:extLst>
+          </p:cNvPr>
+          <p:cNvGrpSpPr/>
+          <p:nvPr/>
+        </p:nvGrpSpPr>
+        <p:grpSpPr>
+          <a:xfrm>
+            <a:off x="8717281" y="5935701"/>
+            <a:ext cx="45719" cy="262651"/>
+            <a:chOff x="0" y="0"/>
+            <a:chExt cx="941261" cy="73954"/>
+          </a:xfrm>
+        </p:grpSpPr>
+        <p:sp>
+          <p:nvSpPr>
+            <p:cNvPr id="135" name="Freeform 103">
+              <a:extLst>
+                <a:ext uri="{FF2B5EF4-FFF2-40B4-BE49-F238E27FC236}">
+                  <a16:creationId xmlns:a16="http://schemas.microsoft.com/office/drawing/2014/main" id="{D4424920-6096-2DCC-144F-374EE1770528}"/>
+                </a:ext>
+              </a:extLst>
+            </p:cNvPr>
+            <p:cNvSpPr/>
+            <p:nvPr/>
+          </p:nvSpPr>
+          <p:spPr>
+            <a:xfrm>
+              <a:off x="0" y="0"/>
+              <a:ext cx="941261" cy="73954"/>
+            </a:xfrm>
+            <a:custGeom>
+              <a:avLst/>
+              <a:gdLst/>
+              <a:ahLst/>
+              <a:cxnLst/>
+              <a:rect l="l" t="t" r="r" b="b"/>
+              <a:pathLst>
+                <a:path w="941261" h="73954">
+                  <a:moveTo>
+                    <a:pt x="0" y="0"/>
+                  </a:moveTo>
+                  <a:lnTo>
+                    <a:pt x="941261" y="0"/>
+                  </a:lnTo>
+                  <a:lnTo>
+                    <a:pt x="941261" y="73954"/>
+                  </a:lnTo>
+                  <a:lnTo>
+                    <a:pt x="0" y="73954"/>
+                  </a:lnTo>
+                  <a:close/>
+                </a:path>
+              </a:pathLst>
+            </a:custGeom>
+            <a:solidFill>
+              <a:srgbClr val="FCB624"/>
+            </a:solidFill>
+          </p:spPr>
+        </p:sp>
+        <p:sp>
+          <p:nvSpPr>
+            <p:cNvPr id="136" name="TextBox 104">
+              <a:extLst>
+                <a:ext uri="{FF2B5EF4-FFF2-40B4-BE49-F238E27FC236}">
+                  <a16:creationId xmlns:a16="http://schemas.microsoft.com/office/drawing/2014/main" id="{BCD7115E-9919-7395-B1FD-D1D546760EC6}"/>
+                </a:ext>
+              </a:extLst>
+            </p:cNvPr>
+            <p:cNvSpPr txBox="1"/>
+            <p:nvPr/>
+          </p:nvSpPr>
+          <p:spPr>
+            <a:xfrm>
+              <a:off x="0" y="0"/>
+              <a:ext cx="941261" cy="73954"/>
+            </a:xfrm>
+            <a:prstGeom prst="rect">
+              <a:avLst/>
+            </a:prstGeom>
+          </p:spPr>
+          <p:txBody>
+            <a:bodyPr lIns="50800" tIns="50800" rIns="50800" bIns="50800" rtlCol="0" anchor="ctr"/>
+            <a:lstStyle/>
+            <a:p>
+              <a:pPr algn="ctr">
+                <a:lnSpc>
+                  <a:spcPts val="1110"/>
+                </a:lnSpc>
+              </a:pPr>
+              <a:endParaRPr/>
+            </a:p>
+          </p:txBody>
+        </p:sp>
+      </p:grpSp>
+      <p:grpSp>
+        <p:nvGrpSpPr>
+          <p:cNvPr id="137" name="Group 102">
+            <a:extLst>
+              <a:ext uri="{FF2B5EF4-FFF2-40B4-BE49-F238E27FC236}">
+                <a16:creationId xmlns:a16="http://schemas.microsoft.com/office/drawing/2014/main" id="{30441361-4354-1BB5-A1CE-252C1F8DA812}"/>
+              </a:ext>
+            </a:extLst>
+          </p:cNvPr>
+          <p:cNvGrpSpPr/>
+          <p:nvPr/>
+        </p:nvGrpSpPr>
+        <p:grpSpPr>
+          <a:xfrm>
+            <a:off x="8717281" y="6257231"/>
+            <a:ext cx="45719" cy="262651"/>
+            <a:chOff x="0" y="0"/>
+            <a:chExt cx="941261" cy="73954"/>
+          </a:xfrm>
+        </p:grpSpPr>
+        <p:sp>
+          <p:nvSpPr>
+            <p:cNvPr id="138" name="Freeform 103">
+              <a:extLst>
+                <a:ext uri="{FF2B5EF4-FFF2-40B4-BE49-F238E27FC236}">
+                  <a16:creationId xmlns:a16="http://schemas.microsoft.com/office/drawing/2014/main" id="{E5392D4C-D558-5623-6BAF-2FAC348A6F3E}"/>
+                </a:ext>
+              </a:extLst>
+            </p:cNvPr>
+            <p:cNvSpPr/>
+            <p:nvPr/>
+          </p:nvSpPr>
+          <p:spPr>
+            <a:xfrm>
+              <a:off x="0" y="0"/>
+              <a:ext cx="941261" cy="73954"/>
+            </a:xfrm>
+            <a:custGeom>
+              <a:avLst/>
+              <a:gdLst/>
+              <a:ahLst/>
+              <a:cxnLst/>
+              <a:rect l="l" t="t" r="r" b="b"/>
+              <a:pathLst>
+                <a:path w="941261" h="73954">
+                  <a:moveTo>
+                    <a:pt x="0" y="0"/>
+                  </a:moveTo>
+                  <a:lnTo>
+                    <a:pt x="941261" y="0"/>
+                  </a:lnTo>
+                  <a:lnTo>
+                    <a:pt x="941261" y="73954"/>
+                  </a:lnTo>
+                  <a:lnTo>
+                    <a:pt x="0" y="73954"/>
+                  </a:lnTo>
+                  <a:close/>
+                </a:path>
+              </a:pathLst>
+            </a:custGeom>
+            <a:solidFill>
+              <a:srgbClr val="FCB624"/>
+            </a:solidFill>
+          </p:spPr>
+        </p:sp>
+        <p:sp>
+          <p:nvSpPr>
+            <p:cNvPr id="139" name="TextBox 104">
+              <a:extLst>
+                <a:ext uri="{FF2B5EF4-FFF2-40B4-BE49-F238E27FC236}">
+                  <a16:creationId xmlns:a16="http://schemas.microsoft.com/office/drawing/2014/main" id="{8947F98E-F3C9-BF8B-8DBA-4D90456D1EFD}"/>
+                </a:ext>
+              </a:extLst>
+            </p:cNvPr>
+            <p:cNvSpPr txBox="1"/>
+            <p:nvPr/>
+          </p:nvSpPr>
+          <p:spPr>
+            <a:xfrm>
+              <a:off x="0" y="0"/>
+              <a:ext cx="941261" cy="73954"/>
+            </a:xfrm>
+            <a:prstGeom prst="rect">
+              <a:avLst/>
+            </a:prstGeom>
+          </p:spPr>
+          <p:txBody>
+            <a:bodyPr lIns="50800" tIns="50800" rIns="50800" bIns="50800" rtlCol="0" anchor="ctr"/>
+            <a:lstStyle/>
+            <a:p>
+              <a:pPr algn="ctr">
+                <a:lnSpc>
+                  <a:spcPts val="1110"/>
+                </a:lnSpc>
+              </a:pPr>
+              <a:endParaRPr/>
+            </a:p>
+          </p:txBody>
+        </p:sp>
+      </p:grpSp>
+      <p:sp>
+        <p:nvSpPr>
+          <p:cNvPr id="9" name="TextBox 8">
+            <a:extLst>
+              <a:ext uri="{FF2B5EF4-FFF2-40B4-BE49-F238E27FC236}">
+                <a16:creationId xmlns:a16="http://schemas.microsoft.com/office/drawing/2014/main" id="{2A2A2AE1-225A-6D7B-6098-0D19DBC8DA19}"/>
+              </a:ext>
+            </a:extLst>
+          </p:cNvPr>
+          <p:cNvSpPr txBox="1"/>
+          <p:nvPr/>
+        </p:nvSpPr>
+        <p:spPr>
+          <a:xfrm>
+            <a:off x="2269111" y="2817825"/>
+            <a:ext cx="5107640" cy="400110"/>
+          </a:xfrm>
+          <a:prstGeom prst="rect">
+            <a:avLst/>
+          </a:prstGeom>
+          <a:noFill/>
+        </p:spPr>
+        <p:txBody>
+          <a:bodyPr wrap="square" rtlCol="0">
+            <a:spAutoFit/>
+          </a:bodyPr>
+          <a:lstStyle/>
+          <a:p>
+            <a:pPr marL="171450" indent="-171450">
+              <a:buFont typeface="Arial" panose="020B0604020202020204" pitchFamily="34" charset="0"/>
+              <a:buChar char="•"/>
+            </a:pPr>
+            <a:r>
+              <a:rPr lang="en-US" sz="1000" dirty="0"/>
+              <a:t>Graphic Design (Logo, Cover); Home page (</a:t>
+            </a:r>
+            <a:r>
+              <a:rPr lang="en-US" sz="1000" dirty="0" err="1"/>
+              <a:t>SanglaEstimatorSec</a:t>
+            </a:r>
+            <a:r>
+              <a:rPr lang="en-US" sz="1000" dirty="0"/>
+              <a:t>, </a:t>
+            </a:r>
+            <a:r>
+              <a:rPr lang="en-US" sz="1000" dirty="0" err="1"/>
+              <a:t>TutorialSec</a:t>
+            </a:r>
+            <a:r>
+              <a:rPr lang="en-US" sz="1000" dirty="0"/>
+              <a:t>); Marketplace Design; Branches page refinement;  Sangla page refinement; Sangla Requests page interface </a:t>
+            </a:r>
+          </a:p>
+        </p:txBody>
+      </p:sp>
+      <p:sp>
+        <p:nvSpPr>
+          <p:cNvPr id="57" name="TextBox 56">
+            <a:extLst>
+              <a:ext uri="{FF2B5EF4-FFF2-40B4-BE49-F238E27FC236}">
+                <a16:creationId xmlns:a16="http://schemas.microsoft.com/office/drawing/2014/main" id="{DCB746AD-72BF-0207-C5EC-F248801D9DAB}"/>
+              </a:ext>
+            </a:extLst>
+          </p:cNvPr>
+          <p:cNvSpPr txBox="1"/>
+          <p:nvPr/>
+        </p:nvSpPr>
+        <p:spPr>
+          <a:xfrm>
+            <a:off x="2438401" y="3428436"/>
+            <a:ext cx="6484195" cy="246221"/>
+          </a:xfrm>
+          <a:prstGeom prst="rect">
+            <a:avLst/>
+          </a:prstGeom>
+          <a:noFill/>
+        </p:spPr>
+        <p:txBody>
+          <a:bodyPr wrap="square" rtlCol="0">
+            <a:spAutoFit/>
+          </a:bodyPr>
+          <a:lstStyle/>
+          <a:p>
+            <a:pPr marL="171450" indent="-171450">
+              <a:buFont typeface="Arial" panose="020B0604020202020204" pitchFamily="34" charset="0"/>
+              <a:buChar char="•"/>
+            </a:pPr>
+            <a:r>
+              <a:rPr lang="en-US" sz="1000" dirty="0"/>
+              <a:t>Sangla Requests page -----------------------------------------------------------------------------------------------------------</a:t>
+            </a:r>
+          </a:p>
+        </p:txBody>
+      </p:sp>
+      <p:sp>
+        <p:nvSpPr>
+          <p:cNvPr id="58" name="TextBox 57">
+            <a:extLst>
+              <a:ext uri="{FF2B5EF4-FFF2-40B4-BE49-F238E27FC236}">
+                <a16:creationId xmlns:a16="http://schemas.microsoft.com/office/drawing/2014/main" id="{7CA1DAFB-1F77-090E-1E57-C594A145F40F}"/>
+              </a:ext>
+            </a:extLst>
+          </p:cNvPr>
+          <p:cNvSpPr txBox="1"/>
+          <p:nvPr/>
+        </p:nvSpPr>
+        <p:spPr>
+          <a:xfrm>
+            <a:off x="2438401" y="3799783"/>
+            <a:ext cx="6484195" cy="246221"/>
+          </a:xfrm>
+          <a:prstGeom prst="rect">
+            <a:avLst/>
+          </a:prstGeom>
+          <a:noFill/>
+        </p:spPr>
+        <p:txBody>
+          <a:bodyPr wrap="square" rtlCol="0">
+            <a:spAutoFit/>
+          </a:bodyPr>
+          <a:lstStyle/>
+          <a:p>
+            <a:pPr marL="171450" indent="-171450">
+              <a:buFont typeface="Arial" panose="020B0604020202020204" pitchFamily="34" charset="0"/>
+              <a:buChar char="•"/>
+            </a:pPr>
+            <a:r>
+              <a:rPr lang="en-US" sz="1000" dirty="0"/>
+              <a:t>Design Marketplace page -------------------------------------------------------------------------------------------------------</a:t>
+            </a:r>
+          </a:p>
+        </p:txBody>
+      </p:sp>
+      <p:sp>
+        <p:nvSpPr>
+          <p:cNvPr id="59" name="TextBox 58">
+            <a:extLst>
+              <a:ext uri="{FF2B5EF4-FFF2-40B4-BE49-F238E27FC236}">
+                <a16:creationId xmlns:a16="http://schemas.microsoft.com/office/drawing/2014/main" id="{8059D6F2-9370-2A32-E3E8-CC3DA60D891E}"/>
+              </a:ext>
+            </a:extLst>
+          </p:cNvPr>
+          <p:cNvSpPr txBox="1"/>
+          <p:nvPr/>
+        </p:nvSpPr>
+        <p:spPr>
+          <a:xfrm>
+            <a:off x="2438401" y="4134086"/>
+            <a:ext cx="6522295" cy="246221"/>
+          </a:xfrm>
+          <a:prstGeom prst="rect">
+            <a:avLst/>
+          </a:prstGeom>
+          <a:noFill/>
+        </p:spPr>
+        <p:txBody>
+          <a:bodyPr wrap="square" rtlCol="0">
+            <a:spAutoFit/>
+          </a:bodyPr>
+          <a:lstStyle/>
+          <a:p>
+            <a:pPr marL="171450" indent="-171450">
+              <a:buFont typeface="Arial" panose="020B0604020202020204" pitchFamily="34" charset="0"/>
+              <a:buChar char="•"/>
+            </a:pPr>
+            <a:r>
+              <a:rPr lang="en-US" sz="1000" dirty="0"/>
+              <a:t>Taga check ng overall frontend and </a:t>
+            </a:r>
+            <a:r>
+              <a:rPr lang="en-US" sz="1000" dirty="0" err="1"/>
+              <a:t>tagagawa</a:t>
+            </a:r>
+            <a:r>
+              <a:rPr lang="en-US" sz="1000" dirty="0"/>
+              <a:t> checklist of errors and issues to address ---------------------------</a:t>
+            </a:r>
+          </a:p>
+        </p:txBody>
+      </p:sp>
+      <p:sp>
+        <p:nvSpPr>
+          <p:cNvPr id="60" name="TextBox 59">
+            <a:extLst>
+              <a:ext uri="{FF2B5EF4-FFF2-40B4-BE49-F238E27FC236}">
+                <a16:creationId xmlns:a16="http://schemas.microsoft.com/office/drawing/2014/main" id="{CF781B8C-069D-ACAB-5206-AA45FB8A94E9}"/>
+              </a:ext>
+            </a:extLst>
+          </p:cNvPr>
+          <p:cNvSpPr txBox="1"/>
+          <p:nvPr/>
+        </p:nvSpPr>
+        <p:spPr>
+          <a:xfrm>
+            <a:off x="3001010" y="1561264"/>
+            <a:ext cx="2021902" cy="246221"/>
+          </a:xfrm>
+          <a:prstGeom prst="rect">
+            <a:avLst/>
+          </a:prstGeom>
+          <a:noFill/>
+        </p:spPr>
+        <p:txBody>
+          <a:bodyPr wrap="square" rtlCol="0">
+            <a:spAutoFit/>
+          </a:bodyPr>
+          <a:lstStyle/>
+          <a:p>
+            <a:r>
+              <a:rPr lang="en-US" sz="1000" dirty="0"/>
+              <a:t>Lahat naman po nag brainstorm</a:t>
+            </a:r>
+          </a:p>
+        </p:txBody>
+      </p:sp>
+      <p:sp>
+        <p:nvSpPr>
+          <p:cNvPr id="141" name="TextBox 140">
+            <a:extLst>
+              <a:ext uri="{FF2B5EF4-FFF2-40B4-BE49-F238E27FC236}">
+                <a16:creationId xmlns:a16="http://schemas.microsoft.com/office/drawing/2014/main" id="{52706EAA-CC9E-0CAC-987C-191E12B66DF4}"/>
+              </a:ext>
+            </a:extLst>
+          </p:cNvPr>
+          <p:cNvSpPr txBox="1"/>
+          <p:nvPr/>
+        </p:nvSpPr>
+        <p:spPr>
+          <a:xfrm>
+            <a:off x="3759200" y="2142399"/>
+            <a:ext cx="2021902" cy="246221"/>
+          </a:xfrm>
+          <a:prstGeom prst="rect">
+            <a:avLst/>
+          </a:prstGeom>
+          <a:noFill/>
+        </p:spPr>
+        <p:txBody>
+          <a:bodyPr wrap="square" rtlCol="0">
+            <a:spAutoFit/>
+          </a:bodyPr>
+          <a:lstStyle/>
+          <a:p>
+            <a:r>
+              <a:rPr lang="en-US" sz="1000" dirty="0" err="1"/>
+              <a:t>Presentor</a:t>
+            </a:r>
+            <a:endParaRPr lang="en-US" sz="1000" dirty="0"/>
+          </a:p>
+        </p:txBody>
+      </p:sp>
+      <p:sp>
+        <p:nvSpPr>
+          <p:cNvPr id="143" name="TextBox 170">
+            <a:extLst>
+              <a:ext uri="{FF2B5EF4-FFF2-40B4-BE49-F238E27FC236}">
+                <a16:creationId xmlns:a16="http://schemas.microsoft.com/office/drawing/2014/main" id="{67489038-EF90-7661-474C-26F9CF0D62EB}"/>
+              </a:ext>
+            </a:extLst>
+          </p:cNvPr>
+          <p:cNvSpPr txBox="1"/>
+          <p:nvPr/>
+        </p:nvSpPr>
+        <p:spPr>
+          <a:xfrm>
+            <a:off x="278068" y="6798253"/>
+            <a:ext cx="1769212" cy="142240"/>
+          </a:xfrm>
+          <a:prstGeom prst="rect">
+            <a:avLst/>
+          </a:prstGeom>
+        </p:spPr>
+        <p:txBody>
+          <a:bodyPr lIns="0" tIns="0" rIns="0" bIns="0" rtlCol="0" anchor="t">
+            <a:spAutoFit/>
+          </a:bodyPr>
+          <a:lstStyle/>
+          <a:p>
+            <a:pPr algn="l">
+              <a:lnSpc>
+                <a:spcPts val="1110"/>
+              </a:lnSpc>
+            </a:pPr>
+            <a:r>
+              <a:rPr lang="en-US" sz="1000" spc="-20" dirty="0">
+                <a:solidFill>
+                  <a:srgbClr val="231F20"/>
+                </a:solidFill>
+                <a:latin typeface="Bricolage Grotesque 18" panose="020B0605040402000204"/>
+                <a:ea typeface="Bricolage Grotesque 18" panose="020B0605040402000204"/>
+                <a:cs typeface="Bricolage Grotesque 18" panose="020B0605040402000204"/>
+                <a:sym typeface="Bricolage Grotesque 18" panose="020B0605040402000204"/>
+              </a:rPr>
+              <a:t>System Presentation</a:t>
+            </a:r>
+          </a:p>
+        </p:txBody>
+      </p:sp>
     </p:spTree>
+    <p:extLst>
+      <p:ext uri="{BB962C8B-B14F-4D97-AF65-F5344CB8AC3E}">
+        <p14:creationId xmlns:p14="http://schemas.microsoft.com/office/powerpoint/2010/main" val="431316660"/>
+      </p:ext>
+    </p:extLst>
   </p:cSld>
   <p:clrMapOvr>
     <a:masterClrMapping/>
@@ -10288,6 +16786,13 @@
 </file>
 
 <file path=ppt/tags/tag2.xml><?xml version="1.0" encoding="utf-8"?>
+<p:tagLst xmlns:a="http://schemas.openxmlformats.org/drawingml/2006/main" xmlns:r="http://schemas.openxmlformats.org/officeDocument/2006/relationships" xmlns:p="http://schemas.openxmlformats.org/presentationml/2006/main">
+  <p:tag name="TABLE_ENDDRAG_ORIGIN_RECT" val="567*494"/>
+  <p:tag name="TABLE_ENDDRAG_RECT" val="180*64*567*494"/>
+</p:tagLst>
+</file>
+
+<file path=ppt/tags/tag3.xml><?xml version="1.0" encoding="utf-8"?>
 <p:tagLst xmlns:a="http://schemas.openxmlformats.org/drawingml/2006/main" xmlns:r="http://schemas.openxmlformats.org/officeDocument/2006/relationships" xmlns:p="http://schemas.openxmlformats.org/presentationml/2006/main">
   <p:tag name="TABLE_ENDDRAG_ORIGIN_RECT" val="567*494"/>
   <p:tag name="TABLE_ENDDRAG_RECT" val="180*64*567*494"/>
